--- a/DA2.pptx
+++ b/DA2.pptx
@@ -177,7 +177,7 @@
           <a:noFill/>
           <a:extLst>
             <a:ext uri="{909E8E84-426E-40dd-AFC4-6F175D3DCCD1}">
-              <a14:hiddenFill xmlns:a14="http://schemas.microsoft.com/office/drawing/2010/main" xmlns="">
+              <a14:hiddenFill xmlns="" xmlns:a14="http://schemas.microsoft.com/office/drawing/2010/main">
                 <a:solidFill>
                   <a:srgbClr val="FFFFFF"/>
                 </a:solidFill>
@@ -236,7 +236,7 @@
             </a:ln>
             <a:extLst>
               <a:ext uri="{91240B29-F687-4f45-9708-019B960494DF}">
-                <a14:hiddenLine xmlns:a14="http://schemas.microsoft.com/office/drawing/2010/main" xmlns="" w="9525">
+                <a14:hiddenLine xmlns="" xmlns:a14="http://schemas.microsoft.com/office/drawing/2010/main" w="9525">
                   <a:solidFill>
                     <a:srgbClr val="000000"/>
                   </a:solidFill>
@@ -326,7 +326,7 @@
             </a:ln>
             <a:extLst>
               <a:ext uri="{91240B29-F687-4f45-9708-019B960494DF}">
-                <a14:hiddenLine xmlns:a14="http://schemas.microsoft.com/office/drawing/2010/main" xmlns="" w="9525">
+                <a14:hiddenLine xmlns="" xmlns:a14="http://schemas.microsoft.com/office/drawing/2010/main" w="9525">
                   <a:solidFill>
                     <a:srgbClr val="000000"/>
                   </a:solidFill>
@@ -416,7 +416,7 @@
             </a:ln>
             <a:extLst>
               <a:ext uri="{91240B29-F687-4f45-9708-019B960494DF}">
-                <a14:hiddenLine xmlns:a14="http://schemas.microsoft.com/office/drawing/2010/main" xmlns="" w="9525">
+                <a14:hiddenLine xmlns="" xmlns:a14="http://schemas.microsoft.com/office/drawing/2010/main" w="9525">
                   <a:solidFill>
                     <a:srgbClr val="000000"/>
                   </a:solidFill>
@@ -450,7 +450,7 @@
             </a:ln>
             <a:extLst>
               <a:ext uri="{91240B29-F687-4f45-9708-019B960494DF}">
-                <a14:hiddenLine xmlns:a14="http://schemas.microsoft.com/office/drawing/2010/main" xmlns="" w="9525">
+                <a14:hiddenLine xmlns="" xmlns:a14="http://schemas.microsoft.com/office/drawing/2010/main" w="9525">
                   <a:solidFill>
                     <a:srgbClr val="000000"/>
                   </a:solidFill>
@@ -540,7 +540,7 @@
             </a:ln>
             <a:extLst>
               <a:ext uri="{91240B29-F687-4f45-9708-019B960494DF}">
-                <a14:hiddenLine xmlns:a14="http://schemas.microsoft.com/office/drawing/2010/main" xmlns="" w="9525">
+                <a14:hiddenLine xmlns="" xmlns:a14="http://schemas.microsoft.com/office/drawing/2010/main" w="9525">
                   <a:solidFill>
                     <a:srgbClr val="000000"/>
                   </a:solidFill>
@@ -602,7 +602,7 @@
             </a:ln>
             <a:extLst>
               <a:ext uri="{91240B29-F687-4f45-9708-019B960494DF}">
-                <a14:hiddenLine xmlns:a14="http://schemas.microsoft.com/office/drawing/2010/main" xmlns="" w="9525">
+                <a14:hiddenLine xmlns="" xmlns:a14="http://schemas.microsoft.com/office/drawing/2010/main" w="9525">
                   <a:solidFill>
                     <a:srgbClr val="000000"/>
                   </a:solidFill>
@@ -664,7 +664,7 @@
             </a:ln>
             <a:extLst>
               <a:ext uri="{91240B29-F687-4f45-9708-019B960494DF}">
-                <a14:hiddenLine xmlns:a14="http://schemas.microsoft.com/office/drawing/2010/main" xmlns="" w="9525">
+                <a14:hiddenLine xmlns="" xmlns:a14="http://schemas.microsoft.com/office/drawing/2010/main" w="9525">
                   <a:solidFill>
                     <a:srgbClr val="000000"/>
                   </a:solidFill>
@@ -754,7 +754,7 @@
             </a:ln>
             <a:extLst>
               <a:ext uri="{91240B29-F687-4f45-9708-019B960494DF}">
-                <a14:hiddenLine xmlns:a14="http://schemas.microsoft.com/office/drawing/2010/main" xmlns="" w="9525">
+                <a14:hiddenLine xmlns="" xmlns:a14="http://schemas.microsoft.com/office/drawing/2010/main" w="9525">
                   <a:solidFill>
                     <a:srgbClr val="000000"/>
                   </a:solidFill>
@@ -816,7 +816,7 @@
             </a:ln>
             <a:extLst>
               <a:ext uri="{91240B29-F687-4f45-9708-019B960494DF}">
-                <a14:hiddenLine xmlns:a14="http://schemas.microsoft.com/office/drawing/2010/main" xmlns="" w="9525">
+                <a14:hiddenLine xmlns="" xmlns:a14="http://schemas.microsoft.com/office/drawing/2010/main" w="9525">
                   <a:solidFill>
                     <a:srgbClr val="000000"/>
                   </a:solidFill>
@@ -878,7 +878,7 @@
             </a:ln>
             <a:extLst>
               <a:ext uri="{91240B29-F687-4f45-9708-019B960494DF}">
-                <a14:hiddenLine xmlns:a14="http://schemas.microsoft.com/office/drawing/2010/main" xmlns="" w="9525">
+                <a14:hiddenLine xmlns="" xmlns:a14="http://schemas.microsoft.com/office/drawing/2010/main" w="9525">
                   <a:solidFill>
                     <a:srgbClr val="000000"/>
                   </a:solidFill>
@@ -968,7 +968,7 @@
             </a:ln>
             <a:extLst>
               <a:ext uri="{91240B29-F687-4f45-9708-019B960494DF}">
-                <a14:hiddenLine xmlns:a14="http://schemas.microsoft.com/office/drawing/2010/main" xmlns="" w="9525">
+                <a14:hiddenLine xmlns="" xmlns:a14="http://schemas.microsoft.com/office/drawing/2010/main" w="9525">
                   <a:solidFill>
                     <a:srgbClr val="000000"/>
                   </a:solidFill>
@@ -1058,7 +1058,7 @@
             </a:ln>
             <a:extLst>
               <a:ext uri="{91240B29-F687-4f45-9708-019B960494DF}">
-                <a14:hiddenLine xmlns:a14="http://schemas.microsoft.com/office/drawing/2010/main" xmlns="" w="9525">
+                <a14:hiddenLine xmlns="" xmlns:a14="http://schemas.microsoft.com/office/drawing/2010/main" w="9525">
                   <a:solidFill>
                     <a:srgbClr val="000000"/>
                   </a:solidFill>
@@ -1120,7 +1120,7 @@
             </a:ln>
             <a:extLst>
               <a:ext uri="{91240B29-F687-4f45-9708-019B960494DF}">
-                <a14:hiddenLine xmlns:a14="http://schemas.microsoft.com/office/drawing/2010/main" xmlns="" w="9525">
+                <a14:hiddenLine xmlns="" xmlns:a14="http://schemas.microsoft.com/office/drawing/2010/main" w="9525">
                   <a:solidFill>
                     <a:srgbClr val="000000"/>
                   </a:solidFill>
@@ -1230,7 +1230,7 @@
             </a:ln>
             <a:extLst>
               <a:ext uri="{91240B29-F687-4f45-9708-019B960494DF}">
-                <a14:hiddenLine xmlns:a14="http://schemas.microsoft.com/office/drawing/2010/main" xmlns="" w="9525">
+                <a14:hiddenLine xmlns="" xmlns:a14="http://schemas.microsoft.com/office/drawing/2010/main" w="9525">
                   <a:solidFill>
                     <a:srgbClr val="000000"/>
                   </a:solidFill>
@@ -1292,7 +1292,7 @@
             </a:ln>
             <a:extLst>
               <a:ext uri="{91240B29-F687-4f45-9708-019B960494DF}">
-                <a14:hiddenLine xmlns:a14="http://schemas.microsoft.com/office/drawing/2010/main" xmlns="" w="9525">
+                <a14:hiddenLine xmlns="" xmlns:a14="http://schemas.microsoft.com/office/drawing/2010/main" w="9525">
                   <a:solidFill>
                     <a:srgbClr val="000000"/>
                   </a:solidFill>
@@ -1382,7 +1382,7 @@
             </a:ln>
             <a:extLst>
               <a:ext uri="{91240B29-F687-4f45-9708-019B960494DF}">
-                <a14:hiddenLine xmlns:a14="http://schemas.microsoft.com/office/drawing/2010/main" xmlns="" w="9525">
+                <a14:hiddenLine xmlns="" xmlns:a14="http://schemas.microsoft.com/office/drawing/2010/main" w="9525">
                   <a:solidFill>
                     <a:srgbClr val="000000"/>
                   </a:solidFill>
@@ -1472,7 +1472,7 @@
             </a:ln>
             <a:extLst>
               <a:ext uri="{91240B29-F687-4f45-9708-019B960494DF}">
-                <a14:hiddenLine xmlns:a14="http://schemas.microsoft.com/office/drawing/2010/main" xmlns="" w="9525">
+                <a14:hiddenLine xmlns="" xmlns:a14="http://schemas.microsoft.com/office/drawing/2010/main" w="9525">
                   <a:solidFill>
                     <a:srgbClr val="000000"/>
                   </a:solidFill>
@@ -1534,7 +1534,7 @@
             </a:ln>
             <a:extLst>
               <a:ext uri="{91240B29-F687-4f45-9708-019B960494DF}">
-                <a14:hiddenLine xmlns:a14="http://schemas.microsoft.com/office/drawing/2010/main" xmlns="" w="9525">
+                <a14:hiddenLine xmlns="" xmlns:a14="http://schemas.microsoft.com/office/drawing/2010/main" w="9525">
                   <a:solidFill>
                     <a:srgbClr val="000000"/>
                   </a:solidFill>
@@ -1624,7 +1624,7 @@
             </a:ln>
             <a:extLst>
               <a:ext uri="{91240B29-F687-4f45-9708-019B960494DF}">
-                <a14:hiddenLine xmlns:a14="http://schemas.microsoft.com/office/drawing/2010/main" xmlns="" w="9525">
+                <a14:hiddenLine xmlns="" xmlns:a14="http://schemas.microsoft.com/office/drawing/2010/main" w="9525">
                   <a:solidFill>
                     <a:srgbClr val="000000"/>
                   </a:solidFill>
@@ -1714,7 +1714,7 @@
             </a:ln>
             <a:extLst>
               <a:ext uri="{91240B29-F687-4f45-9708-019B960494DF}">
-                <a14:hiddenLine xmlns:a14="http://schemas.microsoft.com/office/drawing/2010/main" xmlns="" w="9525">
+                <a14:hiddenLine xmlns="" xmlns:a14="http://schemas.microsoft.com/office/drawing/2010/main" w="9525">
                   <a:solidFill>
                     <a:srgbClr val="000000"/>
                   </a:solidFill>
@@ -1770,7 +1770,7 @@
             </a:ln>
             <a:extLst>
               <a:ext uri="{91240B29-F687-4f45-9708-019B960494DF}">
-                <a14:hiddenLine xmlns:a14="http://schemas.microsoft.com/office/drawing/2010/main" xmlns="" w="9525">
+                <a14:hiddenLine xmlns="" xmlns:a14="http://schemas.microsoft.com/office/drawing/2010/main" w="9525">
                   <a:solidFill>
                     <a:srgbClr val="000000"/>
                   </a:solidFill>
@@ -1860,7 +1860,7 @@
             </a:ln>
             <a:extLst>
               <a:ext uri="{91240B29-F687-4f45-9708-019B960494DF}">
-                <a14:hiddenLine xmlns:a14="http://schemas.microsoft.com/office/drawing/2010/main" xmlns="" w="9525">
+                <a14:hiddenLine xmlns="" xmlns:a14="http://schemas.microsoft.com/office/drawing/2010/main" w="9525">
                   <a:solidFill>
                     <a:srgbClr val="000000"/>
                   </a:solidFill>
@@ -1916,7 +1916,7 @@
             </a:ln>
             <a:extLst>
               <a:ext uri="{91240B29-F687-4f45-9708-019B960494DF}">
-                <a14:hiddenLine xmlns:a14="http://schemas.microsoft.com/office/drawing/2010/main" xmlns="" w="9525">
+                <a14:hiddenLine xmlns="" xmlns:a14="http://schemas.microsoft.com/office/drawing/2010/main" w="9525">
                   <a:solidFill>
                     <a:srgbClr val="000000"/>
                   </a:solidFill>
@@ -2006,7 +2006,7 @@
             </a:ln>
             <a:extLst>
               <a:ext uri="{91240B29-F687-4f45-9708-019B960494DF}">
-                <a14:hiddenLine xmlns:a14="http://schemas.microsoft.com/office/drawing/2010/main" xmlns="" w="9525">
+                <a14:hiddenLine xmlns="" xmlns:a14="http://schemas.microsoft.com/office/drawing/2010/main" w="9525">
                   <a:solidFill>
                     <a:srgbClr val="000000"/>
                   </a:solidFill>
@@ -2074,7 +2074,7 @@
             </a:ln>
             <a:extLst>
               <a:ext uri="{91240B29-F687-4f45-9708-019B960494DF}">
-                <a14:hiddenLine xmlns:a14="http://schemas.microsoft.com/office/drawing/2010/main" xmlns="" w="9525">
+                <a14:hiddenLine xmlns="" xmlns:a14="http://schemas.microsoft.com/office/drawing/2010/main" w="9525">
                   <a:solidFill>
                     <a:srgbClr val="000000"/>
                   </a:solidFill>
@@ -2164,7 +2164,7 @@
             </a:ln>
             <a:extLst>
               <a:ext uri="{91240B29-F687-4f45-9708-019B960494DF}">
-                <a14:hiddenLine xmlns:a14="http://schemas.microsoft.com/office/drawing/2010/main" xmlns="" w="9525">
+                <a14:hiddenLine xmlns="" xmlns:a14="http://schemas.microsoft.com/office/drawing/2010/main" w="9525">
                   <a:solidFill>
                     <a:srgbClr val="000000"/>
                   </a:solidFill>
@@ -2232,7 +2232,7 @@
             </a:ln>
             <a:extLst>
               <a:ext uri="{91240B29-F687-4f45-9708-019B960494DF}">
-                <a14:hiddenLine xmlns:a14="http://schemas.microsoft.com/office/drawing/2010/main" xmlns="" w="9525">
+                <a14:hiddenLine xmlns="" xmlns:a14="http://schemas.microsoft.com/office/drawing/2010/main" w="9525">
                   <a:solidFill>
                     <a:srgbClr val="000000"/>
                   </a:solidFill>
@@ -2322,7 +2322,7 @@
             </a:ln>
             <a:extLst>
               <a:ext uri="{91240B29-F687-4f45-9708-019B960494DF}">
-                <a14:hiddenLine xmlns:a14="http://schemas.microsoft.com/office/drawing/2010/main" xmlns="" w="9525">
+                <a14:hiddenLine xmlns="" xmlns:a14="http://schemas.microsoft.com/office/drawing/2010/main" w="9525">
                   <a:solidFill>
                     <a:srgbClr val="000000"/>
                   </a:solidFill>
@@ -2356,7 +2356,7 @@
             </a:ln>
             <a:extLst>
               <a:ext uri="{91240B29-F687-4f45-9708-019B960494DF}">
-                <a14:hiddenLine xmlns:a14="http://schemas.microsoft.com/office/drawing/2010/main" xmlns="" w="9525">
+                <a14:hiddenLine xmlns="" xmlns:a14="http://schemas.microsoft.com/office/drawing/2010/main" w="9525">
                   <a:solidFill>
                     <a:srgbClr val="000000"/>
                   </a:solidFill>
@@ -2446,7 +2446,7 @@
             </a:ln>
             <a:extLst>
               <a:ext uri="{91240B29-F687-4f45-9708-019B960494DF}">
-                <a14:hiddenLine xmlns:a14="http://schemas.microsoft.com/office/drawing/2010/main" xmlns="" w="9525">
+                <a14:hiddenLine xmlns="" xmlns:a14="http://schemas.microsoft.com/office/drawing/2010/main" w="9525">
                   <a:solidFill>
                     <a:srgbClr val="000000"/>
                   </a:solidFill>
@@ -2508,7 +2508,7 @@
             </a:ln>
             <a:extLst>
               <a:ext uri="{91240B29-F687-4f45-9708-019B960494DF}">
-                <a14:hiddenLine xmlns:a14="http://schemas.microsoft.com/office/drawing/2010/main" xmlns="" w="9525">
+                <a14:hiddenLine xmlns="" xmlns:a14="http://schemas.microsoft.com/office/drawing/2010/main" w="9525">
                   <a:solidFill>
                     <a:srgbClr val="000000"/>
                   </a:solidFill>
@@ -2570,7 +2570,7 @@
             </a:ln>
             <a:extLst>
               <a:ext uri="{91240B29-F687-4f45-9708-019B960494DF}">
-                <a14:hiddenLine xmlns:a14="http://schemas.microsoft.com/office/drawing/2010/main" xmlns="" w="9525">
+                <a14:hiddenLine xmlns="" xmlns:a14="http://schemas.microsoft.com/office/drawing/2010/main" w="9525">
                   <a:solidFill>
                     <a:srgbClr val="000000"/>
                   </a:solidFill>
@@ -2660,7 +2660,7 @@
             </a:ln>
             <a:extLst>
               <a:ext uri="{91240B29-F687-4f45-9708-019B960494DF}">
-                <a14:hiddenLine xmlns:a14="http://schemas.microsoft.com/office/drawing/2010/main" xmlns="" w="9525">
+                <a14:hiddenLine xmlns="" xmlns:a14="http://schemas.microsoft.com/office/drawing/2010/main" w="9525">
                   <a:solidFill>
                     <a:srgbClr val="000000"/>
                   </a:solidFill>
@@ -2728,7 +2728,7 @@
             </a:ln>
             <a:extLst>
               <a:ext uri="{91240B29-F687-4f45-9708-019B960494DF}">
-                <a14:hiddenLine xmlns:a14="http://schemas.microsoft.com/office/drawing/2010/main" xmlns="" w="9525">
+                <a14:hiddenLine xmlns="" xmlns:a14="http://schemas.microsoft.com/office/drawing/2010/main" w="9525">
                   <a:solidFill>
                     <a:srgbClr val="000000"/>
                   </a:solidFill>
@@ -2790,7 +2790,7 @@
             </a:ln>
             <a:extLst>
               <a:ext uri="{91240B29-F687-4f45-9708-019B960494DF}">
-                <a14:hiddenLine xmlns:a14="http://schemas.microsoft.com/office/drawing/2010/main" xmlns="" w="9525">
+                <a14:hiddenLine xmlns="" xmlns:a14="http://schemas.microsoft.com/office/drawing/2010/main" w="9525">
                   <a:solidFill>
                     <a:srgbClr val="000000"/>
                   </a:solidFill>
@@ -2880,7 +2880,7 @@
             </a:ln>
             <a:extLst>
               <a:ext uri="{91240B29-F687-4f45-9708-019B960494DF}">
-                <a14:hiddenLine xmlns:a14="http://schemas.microsoft.com/office/drawing/2010/main" xmlns="" w="9525">
+                <a14:hiddenLine xmlns="" xmlns:a14="http://schemas.microsoft.com/office/drawing/2010/main" w="9525">
                   <a:solidFill>
                     <a:srgbClr val="000000"/>
                   </a:solidFill>
@@ -2942,7 +2942,7 @@
             </a:ln>
             <a:extLst>
               <a:ext uri="{91240B29-F687-4f45-9708-019B960494DF}">
-                <a14:hiddenLine xmlns:a14="http://schemas.microsoft.com/office/drawing/2010/main" xmlns="" w="9525">
+                <a14:hiddenLine xmlns="" xmlns:a14="http://schemas.microsoft.com/office/drawing/2010/main" w="9525">
                   <a:solidFill>
                     <a:srgbClr val="000000"/>
                   </a:solidFill>
@@ -3032,7 +3032,7 @@
             </a:ln>
             <a:extLst>
               <a:ext uri="{91240B29-F687-4f45-9708-019B960494DF}">
-                <a14:hiddenLine xmlns:a14="http://schemas.microsoft.com/office/drawing/2010/main" xmlns="" w="9525">
+                <a14:hiddenLine xmlns="" xmlns:a14="http://schemas.microsoft.com/office/drawing/2010/main" w="9525">
                   <a:solidFill>
                     <a:srgbClr val="000000"/>
                   </a:solidFill>
@@ -3094,7 +3094,7 @@
             </a:ln>
             <a:extLst>
               <a:ext uri="{91240B29-F687-4f45-9708-019B960494DF}">
-                <a14:hiddenLine xmlns:a14="http://schemas.microsoft.com/office/drawing/2010/main" xmlns="" w="9525">
+                <a14:hiddenLine xmlns="" xmlns:a14="http://schemas.microsoft.com/office/drawing/2010/main" w="9525">
                   <a:solidFill>
                     <a:srgbClr val="000000"/>
                   </a:solidFill>
@@ -3184,7 +3184,7 @@
             </a:ln>
             <a:extLst>
               <a:ext uri="{91240B29-F687-4f45-9708-019B960494DF}">
-                <a14:hiddenLine xmlns:a14="http://schemas.microsoft.com/office/drawing/2010/main" xmlns="" w="9525">
+                <a14:hiddenLine xmlns="" xmlns:a14="http://schemas.microsoft.com/office/drawing/2010/main" w="9525">
                   <a:solidFill>
                     <a:srgbClr val="000000"/>
                   </a:solidFill>
@@ -3218,7 +3218,7 @@
             </a:ln>
             <a:extLst>
               <a:ext uri="{91240B29-F687-4f45-9708-019B960494DF}">
-                <a14:hiddenLine xmlns:a14="http://schemas.microsoft.com/office/drawing/2010/main" xmlns="" w="9525">
+                <a14:hiddenLine xmlns="" xmlns:a14="http://schemas.microsoft.com/office/drawing/2010/main" w="9525">
                   <a:solidFill>
                     <a:srgbClr val="000000"/>
                   </a:solidFill>
@@ -3283,7 +3283,7 @@
             </a:ln>
             <a:extLst>
               <a:ext uri="{91240B29-F687-4f45-9708-019B960494DF}">
-                <a14:hiddenLine xmlns:a14="http://schemas.microsoft.com/office/drawing/2010/main" xmlns="" w="9525">
+                <a14:hiddenLine xmlns="" xmlns:a14="http://schemas.microsoft.com/office/drawing/2010/main" w="9525">
                   <a:solidFill>
                     <a:srgbClr val="000000"/>
                   </a:solidFill>
@@ -3373,7 +3373,7 @@
             </a:ln>
             <a:extLst>
               <a:ext uri="{91240B29-F687-4f45-9708-019B960494DF}">
-                <a14:hiddenLine xmlns:a14="http://schemas.microsoft.com/office/drawing/2010/main" xmlns="" w="9525">
+                <a14:hiddenLine xmlns="" xmlns:a14="http://schemas.microsoft.com/office/drawing/2010/main" w="9525">
                   <a:solidFill>
                     <a:srgbClr val="000000"/>
                   </a:solidFill>
@@ -3435,7 +3435,7 @@
             </a:ln>
             <a:extLst>
               <a:ext uri="{91240B29-F687-4f45-9708-019B960494DF}">
-                <a14:hiddenLine xmlns:a14="http://schemas.microsoft.com/office/drawing/2010/main" xmlns="" w="9525">
+                <a14:hiddenLine xmlns="" xmlns:a14="http://schemas.microsoft.com/office/drawing/2010/main" w="9525">
                   <a:solidFill>
                     <a:srgbClr val="000000"/>
                   </a:solidFill>
@@ -3525,7 +3525,7 @@
             </a:ln>
             <a:extLst>
               <a:ext uri="{91240B29-F687-4f45-9708-019B960494DF}">
-                <a14:hiddenLine xmlns:a14="http://schemas.microsoft.com/office/drawing/2010/main" xmlns="" w="9525">
+                <a14:hiddenLine xmlns="" xmlns:a14="http://schemas.microsoft.com/office/drawing/2010/main" w="9525">
                   <a:solidFill>
                     <a:srgbClr val="000000"/>
                   </a:solidFill>
@@ -3615,7 +3615,7 @@
             </a:ln>
             <a:extLst>
               <a:ext uri="{91240B29-F687-4f45-9708-019B960494DF}">
-                <a14:hiddenLine xmlns:a14="http://schemas.microsoft.com/office/drawing/2010/main" xmlns="" w="9525">
+                <a14:hiddenLine xmlns="" xmlns:a14="http://schemas.microsoft.com/office/drawing/2010/main" w="9525">
                   <a:solidFill>
                     <a:srgbClr val="000000"/>
                   </a:solidFill>
@@ -3680,7 +3680,7 @@
             </a:ln>
             <a:extLst>
               <a:ext uri="{91240B29-F687-4f45-9708-019B960494DF}">
-                <a14:hiddenLine xmlns:a14="http://schemas.microsoft.com/office/drawing/2010/main" xmlns="" w="9525">
+                <a14:hiddenLine xmlns="" xmlns:a14="http://schemas.microsoft.com/office/drawing/2010/main" w="9525">
                   <a:solidFill>
                     <a:srgbClr val="000000"/>
                   </a:solidFill>
@@ -3742,7 +3742,7 @@
             </a:ln>
             <a:extLst>
               <a:ext uri="{91240B29-F687-4f45-9708-019B960494DF}">
-                <a14:hiddenLine xmlns:a14="http://schemas.microsoft.com/office/drawing/2010/main" xmlns="" w="9525">
+                <a14:hiddenLine xmlns="" xmlns:a14="http://schemas.microsoft.com/office/drawing/2010/main" w="9525">
                   <a:solidFill>
                     <a:srgbClr val="000000"/>
                   </a:solidFill>
@@ -3832,7 +3832,7 @@
             </a:ln>
             <a:extLst>
               <a:ext uri="{91240B29-F687-4f45-9708-019B960494DF}">
-                <a14:hiddenLine xmlns:a14="http://schemas.microsoft.com/office/drawing/2010/main" xmlns="" w="9525">
+                <a14:hiddenLine xmlns="" xmlns:a14="http://schemas.microsoft.com/office/drawing/2010/main" w="9525">
                   <a:solidFill>
                     <a:srgbClr val="000000"/>
                   </a:solidFill>
@@ -3922,7 +3922,7 @@
             </a:ln>
             <a:extLst>
               <a:ext uri="{91240B29-F687-4f45-9708-019B960494DF}">
-                <a14:hiddenLine xmlns:a14="http://schemas.microsoft.com/office/drawing/2010/main" xmlns="" w="9525">
+                <a14:hiddenLine xmlns="" xmlns:a14="http://schemas.microsoft.com/office/drawing/2010/main" w="9525">
                   <a:solidFill>
                     <a:srgbClr val="000000"/>
                   </a:solidFill>
@@ -3984,7 +3984,7 @@
             </a:ln>
             <a:extLst>
               <a:ext uri="{91240B29-F687-4f45-9708-019B960494DF}">
-                <a14:hiddenLine xmlns:a14="http://schemas.microsoft.com/office/drawing/2010/main" xmlns="" w="9525">
+                <a14:hiddenLine xmlns="" xmlns:a14="http://schemas.microsoft.com/office/drawing/2010/main" w="9525">
                   <a:solidFill>
                     <a:srgbClr val="000000"/>
                   </a:solidFill>
@@ -4104,7 +4104,7 @@
             </a:ln>
             <a:extLst>
               <a:ext uri="{91240B29-F687-4f45-9708-019B960494DF}">
-                <a14:hiddenLine xmlns:a14="http://schemas.microsoft.com/office/drawing/2010/main" xmlns="" w="9525">
+                <a14:hiddenLine xmlns="" xmlns:a14="http://schemas.microsoft.com/office/drawing/2010/main" w="9525">
                   <a:solidFill>
                     <a:srgbClr val="000000"/>
                   </a:solidFill>
@@ -4172,7 +4172,7 @@
             </a:ln>
             <a:extLst>
               <a:ext uri="{91240B29-F687-4f45-9708-019B960494DF}">
-                <a14:hiddenLine xmlns:a14="http://schemas.microsoft.com/office/drawing/2010/main" xmlns="" w="9525">
+                <a14:hiddenLine xmlns="" xmlns:a14="http://schemas.microsoft.com/office/drawing/2010/main" w="9525">
                   <a:solidFill>
                     <a:srgbClr val="000000"/>
                   </a:solidFill>
@@ -4262,7 +4262,7 @@
             </a:ln>
             <a:extLst>
               <a:ext uri="{91240B29-F687-4f45-9708-019B960494DF}">
-                <a14:hiddenLine xmlns:a14="http://schemas.microsoft.com/office/drawing/2010/main" xmlns="" w="9525">
+                <a14:hiddenLine xmlns="" xmlns:a14="http://schemas.microsoft.com/office/drawing/2010/main" w="9525">
                   <a:solidFill>
                     <a:srgbClr val="000000"/>
                   </a:solidFill>
@@ -4402,7 +4402,7 @@
           <a:p>
             <a:fld id="{48A87A34-81AB-432B-8DAE-1953F412C126}" type="datetimeFigureOut">
               <a:rPr lang="en-US" dirty="0"/>
-              <a:t>6/1/2023</a:t>
+              <a:t>6/2/2023</a:t>
             </a:fld>
             <a:endParaRPr lang="en-US" dirty="0"/>
           </a:p>
@@ -4664,7 +4664,7 @@
           <a:p>
             <a:fld id="{48A87A34-81AB-432B-8DAE-1953F412C126}" type="datetimeFigureOut">
               <a:rPr lang="en-US" dirty="0"/>
-              <a:t>6/1/2023</a:t>
+              <a:t>6/2/2023</a:t>
             </a:fld>
             <a:endParaRPr lang="en-US" dirty="0"/>
           </a:p>
@@ -4855,7 +4855,7 @@
           <a:p>
             <a:fld id="{48A87A34-81AB-432B-8DAE-1953F412C126}" type="datetimeFigureOut">
               <a:rPr lang="en-US" dirty="0"/>
-              <a:t>6/1/2023</a:t>
+              <a:t>6/2/2023</a:t>
             </a:fld>
             <a:endParaRPr lang="en-US" dirty="0"/>
           </a:p>
@@ -5113,7 +5113,7 @@
           <a:p>
             <a:fld id="{48A87A34-81AB-432B-8DAE-1953F412C126}" type="datetimeFigureOut">
               <a:rPr lang="en-US" dirty="0"/>
-              <a:t>6/1/2023</a:t>
+              <a:t>6/2/2023</a:t>
             </a:fld>
             <a:endParaRPr lang="en-US" dirty="0"/>
           </a:p>
@@ -5542,7 +5542,7 @@
           <a:p>
             <a:fld id="{48A87A34-81AB-432B-8DAE-1953F412C126}" type="datetimeFigureOut">
               <a:rPr lang="en-US" dirty="0"/>
-              <a:t>6/1/2023</a:t>
+              <a:t>6/2/2023</a:t>
             </a:fld>
             <a:endParaRPr lang="en-US" dirty="0"/>
           </a:p>
@@ -6083,7 +6083,7 @@
           <a:p>
             <a:fld id="{48A87A34-81AB-432B-8DAE-1953F412C126}" type="datetimeFigureOut">
               <a:rPr lang="en-US" dirty="0"/>
-              <a:t>6/1/2023</a:t>
+              <a:t>6/2/2023</a:t>
             </a:fld>
             <a:endParaRPr lang="en-US" dirty="0"/>
           </a:p>
@@ -6798,7 +6798,7 @@
           <a:p>
             <a:fld id="{48A87A34-81AB-432B-8DAE-1953F412C126}" type="datetimeFigureOut">
               <a:rPr lang="en-US" dirty="0"/>
-              <a:t>6/1/2023</a:t>
+              <a:t>6/2/2023</a:t>
             </a:fld>
             <a:endParaRPr lang="en-US" dirty="0"/>
           </a:p>
@@ -6963,7 +6963,7 @@
           <a:p>
             <a:fld id="{48A87A34-81AB-432B-8DAE-1953F412C126}" type="datetimeFigureOut">
               <a:rPr lang="en-US" dirty="0"/>
-              <a:t>6/1/2023</a:t>
+              <a:t>6/2/2023</a:t>
             </a:fld>
             <a:endParaRPr lang="en-US" dirty="0"/>
           </a:p>
@@ -7138,7 +7138,7 @@
           <a:p>
             <a:fld id="{48A87A34-81AB-432B-8DAE-1953F412C126}" type="datetimeFigureOut">
               <a:rPr lang="en-US" dirty="0"/>
-              <a:t>6/1/2023</a:t>
+              <a:t>6/2/2023</a:t>
             </a:fld>
             <a:endParaRPr lang="en-US" dirty="0"/>
           </a:p>
@@ -7303,7 +7303,7 @@
           <a:p>
             <a:fld id="{48A87A34-81AB-432B-8DAE-1953F412C126}" type="datetimeFigureOut">
               <a:rPr lang="en-US" dirty="0"/>
-              <a:t>6/1/2023</a:t>
+              <a:t>6/2/2023</a:t>
             </a:fld>
             <a:endParaRPr lang="en-US" dirty="0"/>
           </a:p>
@@ -7548,7 +7548,7 @@
           <a:p>
             <a:fld id="{48A87A34-81AB-432B-8DAE-1953F412C126}" type="datetimeFigureOut">
               <a:rPr lang="en-US" dirty="0"/>
-              <a:t>6/1/2023</a:t>
+              <a:t>6/2/2023</a:t>
             </a:fld>
             <a:endParaRPr lang="en-US" dirty="0"/>
           </a:p>
@@ -7775,7 +7775,7 @@
           <a:p>
             <a:fld id="{48A87A34-81AB-432B-8DAE-1953F412C126}" type="datetimeFigureOut">
               <a:rPr lang="en-US" dirty="0"/>
-              <a:t>6/1/2023</a:t>
+              <a:t>6/2/2023</a:t>
             </a:fld>
             <a:endParaRPr lang="en-US" dirty="0"/>
           </a:p>
@@ -8151,7 +8151,7 @@
           <a:p>
             <a:fld id="{48A87A34-81AB-432B-8DAE-1953F412C126}" type="datetimeFigureOut">
               <a:rPr lang="en-US" dirty="0"/>
-              <a:t>6/1/2023</a:t>
+              <a:t>6/2/2023</a:t>
             </a:fld>
             <a:endParaRPr lang="en-US" dirty="0"/>
           </a:p>
@@ -8264,7 +8264,7 @@
           <a:p>
             <a:fld id="{48A87A34-81AB-432B-8DAE-1953F412C126}" type="datetimeFigureOut">
               <a:rPr lang="en-US" dirty="0"/>
-              <a:t>6/1/2023</a:t>
+              <a:t>6/2/2023</a:t>
             </a:fld>
             <a:endParaRPr lang="en-US" dirty="0"/>
           </a:p>
@@ -8354,7 +8354,7 @@
           <a:p>
             <a:fld id="{48A87A34-81AB-432B-8DAE-1953F412C126}" type="datetimeFigureOut">
               <a:rPr lang="en-US" dirty="0"/>
-              <a:t>6/1/2023</a:t>
+              <a:t>6/2/2023</a:t>
             </a:fld>
             <a:endParaRPr lang="en-US" dirty="0"/>
           </a:p>
@@ -8598,7 +8598,7 @@
           <a:p>
             <a:fld id="{48A87A34-81AB-432B-8DAE-1953F412C126}" type="datetimeFigureOut">
               <a:rPr lang="en-US" dirty="0"/>
-              <a:t>6/1/2023</a:t>
+              <a:t>6/2/2023</a:t>
             </a:fld>
             <a:endParaRPr lang="en-US" dirty="0"/>
           </a:p>
@@ -8873,7 +8873,7 @@
           <a:p>
             <a:fld id="{48A87A34-81AB-432B-8DAE-1953F412C126}" type="datetimeFigureOut">
               <a:rPr lang="en-US" dirty="0"/>
-              <a:t>6/1/2023</a:t>
+              <a:t>6/2/2023</a:t>
             </a:fld>
             <a:endParaRPr lang="en-US" dirty="0"/>
           </a:p>
@@ -8991,7 +8991,7 @@
           <a:noFill/>
           <a:extLst>
             <a:ext uri="{909E8E84-426E-40dd-AFC4-6F175D3DCCD1}">
-              <a14:hiddenFill xmlns:a14="http://schemas.microsoft.com/office/drawing/2010/main" xmlns="">
+              <a14:hiddenFill xmlns="" xmlns:a14="http://schemas.microsoft.com/office/drawing/2010/main">
                 <a:solidFill>
                   <a:srgbClr val="FFFFFF"/>
                 </a:solidFill>
@@ -9065,7 +9065,7 @@
               </a:ln>
               <a:extLst>
                 <a:ext uri="{91240B29-F687-4f45-9708-019B960494DF}">
-                  <a14:hiddenLine xmlns:a14="http://schemas.microsoft.com/office/drawing/2010/main" xmlns="" w="9525">
+                  <a14:hiddenLine xmlns="" xmlns:a14="http://schemas.microsoft.com/office/drawing/2010/main" w="9525">
                     <a:solidFill>
                       <a:srgbClr val="000000"/>
                     </a:solidFill>
@@ -9155,7 +9155,7 @@
               </a:ln>
               <a:extLst>
                 <a:ext uri="{91240B29-F687-4f45-9708-019B960494DF}">
-                  <a14:hiddenLine xmlns:a14="http://schemas.microsoft.com/office/drawing/2010/main" xmlns="" w="9525">
+                  <a14:hiddenLine xmlns="" xmlns:a14="http://schemas.microsoft.com/office/drawing/2010/main" w="9525">
                     <a:solidFill>
                       <a:srgbClr val="000000"/>
                     </a:solidFill>
@@ -9245,7 +9245,7 @@
               </a:ln>
               <a:extLst>
                 <a:ext uri="{91240B29-F687-4f45-9708-019B960494DF}">
-                  <a14:hiddenLine xmlns:a14="http://schemas.microsoft.com/office/drawing/2010/main" xmlns="" w="9525">
+                  <a14:hiddenLine xmlns="" xmlns:a14="http://schemas.microsoft.com/office/drawing/2010/main" w="9525">
                     <a:solidFill>
                       <a:srgbClr val="000000"/>
                     </a:solidFill>
@@ -9307,7 +9307,7 @@
               </a:ln>
               <a:extLst>
                 <a:ext uri="{91240B29-F687-4f45-9708-019B960494DF}">
-                  <a14:hiddenLine xmlns:a14="http://schemas.microsoft.com/office/drawing/2010/main" xmlns="" w="9525">
+                  <a14:hiddenLine xmlns="" xmlns:a14="http://schemas.microsoft.com/office/drawing/2010/main" w="9525">
                     <a:solidFill>
                       <a:srgbClr val="000000"/>
                     </a:solidFill>
@@ -9397,7 +9397,7 @@
               </a:ln>
               <a:extLst>
                 <a:ext uri="{91240B29-F687-4f45-9708-019B960494DF}">
-                  <a14:hiddenLine xmlns:a14="http://schemas.microsoft.com/office/drawing/2010/main" xmlns="" w="9525">
+                  <a14:hiddenLine xmlns="" xmlns:a14="http://schemas.microsoft.com/office/drawing/2010/main" w="9525">
                     <a:solidFill>
                       <a:srgbClr val="000000"/>
                     </a:solidFill>
@@ -9459,7 +9459,7 @@
               </a:ln>
               <a:extLst>
                 <a:ext uri="{91240B29-F687-4f45-9708-019B960494DF}">
-                  <a14:hiddenLine xmlns:a14="http://schemas.microsoft.com/office/drawing/2010/main" xmlns="" w="9525">
+                  <a14:hiddenLine xmlns="" xmlns:a14="http://schemas.microsoft.com/office/drawing/2010/main" w="9525">
                     <a:solidFill>
                       <a:srgbClr val="000000"/>
                     </a:solidFill>
@@ -9521,7 +9521,7 @@
               </a:ln>
               <a:extLst>
                 <a:ext uri="{91240B29-F687-4f45-9708-019B960494DF}">
-                  <a14:hiddenLine xmlns:a14="http://schemas.microsoft.com/office/drawing/2010/main" xmlns="" w="9525">
+                  <a14:hiddenLine xmlns="" xmlns:a14="http://schemas.microsoft.com/office/drawing/2010/main" w="9525">
                     <a:solidFill>
                       <a:srgbClr val="000000"/>
                     </a:solidFill>
@@ -9611,7 +9611,7 @@
               </a:ln>
               <a:extLst>
                 <a:ext uri="{91240B29-F687-4f45-9708-019B960494DF}">
-                  <a14:hiddenLine xmlns:a14="http://schemas.microsoft.com/office/drawing/2010/main" xmlns="" w="9525">
+                  <a14:hiddenLine xmlns="" xmlns:a14="http://schemas.microsoft.com/office/drawing/2010/main" w="9525">
                     <a:solidFill>
                       <a:srgbClr val="000000"/>
                     </a:solidFill>
@@ -9701,7 +9701,7 @@
               </a:ln>
               <a:extLst>
                 <a:ext uri="{91240B29-F687-4f45-9708-019B960494DF}">
-                  <a14:hiddenLine xmlns:a14="http://schemas.microsoft.com/office/drawing/2010/main" xmlns="" w="9525">
+                  <a14:hiddenLine xmlns="" xmlns:a14="http://schemas.microsoft.com/office/drawing/2010/main" w="9525">
                     <a:solidFill>
                       <a:srgbClr val="000000"/>
                     </a:solidFill>
@@ -9763,7 +9763,7 @@
               </a:ln>
               <a:extLst>
                 <a:ext uri="{91240B29-F687-4f45-9708-019B960494DF}">
-                  <a14:hiddenLine xmlns:a14="http://schemas.microsoft.com/office/drawing/2010/main" xmlns="" w="9525">
+                  <a14:hiddenLine xmlns="" xmlns:a14="http://schemas.microsoft.com/office/drawing/2010/main" w="9525">
                     <a:solidFill>
                       <a:srgbClr val="000000"/>
                     </a:solidFill>
@@ -9873,7 +9873,7 @@
               </a:ln>
               <a:extLst>
                 <a:ext uri="{91240B29-F687-4f45-9708-019B960494DF}">
-                  <a14:hiddenLine xmlns:a14="http://schemas.microsoft.com/office/drawing/2010/main" xmlns="" w="9525">
+                  <a14:hiddenLine xmlns="" xmlns:a14="http://schemas.microsoft.com/office/drawing/2010/main" w="9525">
                     <a:solidFill>
                       <a:srgbClr val="000000"/>
                     </a:solidFill>
@@ -9957,7 +9957,7 @@
               </a:ln>
               <a:extLst>
                 <a:ext uri="{91240B29-F687-4f45-9708-019B960494DF}">
-                  <a14:hiddenLine xmlns:a14="http://schemas.microsoft.com/office/drawing/2010/main" xmlns="" w="9525">
+                  <a14:hiddenLine xmlns="" xmlns:a14="http://schemas.microsoft.com/office/drawing/2010/main" w="9525">
                     <a:solidFill>
                       <a:srgbClr val="000000"/>
                     </a:solidFill>
@@ -10019,7 +10019,7 @@
               </a:ln>
               <a:extLst>
                 <a:ext uri="{91240B29-F687-4f45-9708-019B960494DF}">
-                  <a14:hiddenLine xmlns:a14="http://schemas.microsoft.com/office/drawing/2010/main" xmlns="" w="9525">
+                  <a14:hiddenLine xmlns="" xmlns:a14="http://schemas.microsoft.com/office/drawing/2010/main" w="9525">
                     <a:solidFill>
                       <a:srgbClr val="000000"/>
                     </a:solidFill>
@@ -10081,7 +10081,7 @@
               </a:ln>
               <a:extLst>
                 <a:ext uri="{91240B29-F687-4f45-9708-019B960494DF}">
-                  <a14:hiddenLine xmlns:a14="http://schemas.microsoft.com/office/drawing/2010/main" xmlns="" w="9525">
+                  <a14:hiddenLine xmlns="" xmlns:a14="http://schemas.microsoft.com/office/drawing/2010/main" w="9525">
                     <a:solidFill>
                       <a:srgbClr val="000000"/>
                     </a:solidFill>
@@ -10171,7 +10171,7 @@
               </a:ln>
               <a:extLst>
                 <a:ext uri="{91240B29-F687-4f45-9708-019B960494DF}">
-                  <a14:hiddenLine xmlns:a14="http://schemas.microsoft.com/office/drawing/2010/main" xmlns="" w="9525">
+                  <a14:hiddenLine xmlns="" xmlns:a14="http://schemas.microsoft.com/office/drawing/2010/main" w="9525">
                     <a:solidFill>
                       <a:srgbClr val="000000"/>
                     </a:solidFill>
@@ -10205,7 +10205,7 @@
               </a:ln>
               <a:extLst>
                 <a:ext uri="{91240B29-F687-4f45-9708-019B960494DF}">
-                  <a14:hiddenLine xmlns:a14="http://schemas.microsoft.com/office/drawing/2010/main" xmlns="" w="9525">
+                  <a14:hiddenLine xmlns="" xmlns:a14="http://schemas.microsoft.com/office/drawing/2010/main" w="9525">
                     <a:solidFill>
                       <a:srgbClr val="000000"/>
                     </a:solidFill>
@@ -10270,7 +10270,7 @@
               </a:ln>
               <a:extLst>
                 <a:ext uri="{91240B29-F687-4f45-9708-019B960494DF}">
-                  <a14:hiddenLine xmlns:a14="http://schemas.microsoft.com/office/drawing/2010/main" xmlns="" w="9525">
+                  <a14:hiddenLine xmlns="" xmlns:a14="http://schemas.microsoft.com/office/drawing/2010/main" w="9525">
                     <a:solidFill>
                       <a:srgbClr val="000000"/>
                     </a:solidFill>
@@ -10360,7 +10360,7 @@
               </a:ln>
               <a:extLst>
                 <a:ext uri="{91240B29-F687-4f45-9708-019B960494DF}">
-                  <a14:hiddenLine xmlns:a14="http://schemas.microsoft.com/office/drawing/2010/main" xmlns="" w="9525">
+                  <a14:hiddenLine xmlns="" xmlns:a14="http://schemas.microsoft.com/office/drawing/2010/main" w="9525">
                     <a:solidFill>
                       <a:srgbClr val="000000"/>
                     </a:solidFill>
@@ -10422,7 +10422,7 @@
               </a:ln>
               <a:extLst>
                 <a:ext uri="{91240B29-F687-4f45-9708-019B960494DF}">
-                  <a14:hiddenLine xmlns:a14="http://schemas.microsoft.com/office/drawing/2010/main" xmlns="" w="9525">
+                  <a14:hiddenLine xmlns="" xmlns:a14="http://schemas.microsoft.com/office/drawing/2010/main" w="9525">
                     <a:solidFill>
                       <a:srgbClr val="000000"/>
                     </a:solidFill>
@@ -10512,7 +10512,7 @@
               </a:ln>
               <a:extLst>
                 <a:ext uri="{91240B29-F687-4f45-9708-019B960494DF}">
-                  <a14:hiddenLine xmlns:a14="http://schemas.microsoft.com/office/drawing/2010/main" xmlns="" w="9525">
+                  <a14:hiddenLine xmlns="" xmlns:a14="http://schemas.microsoft.com/office/drawing/2010/main" w="9525">
                     <a:solidFill>
                       <a:srgbClr val="000000"/>
                     </a:solidFill>
@@ -10577,7 +10577,7 @@
               </a:ln>
               <a:extLst>
                 <a:ext uri="{91240B29-F687-4f45-9708-019B960494DF}">
-                  <a14:hiddenLine xmlns:a14="http://schemas.microsoft.com/office/drawing/2010/main" xmlns="" w="9525">
+                  <a14:hiddenLine xmlns="" xmlns:a14="http://schemas.microsoft.com/office/drawing/2010/main" w="9525">
                     <a:solidFill>
                       <a:srgbClr val="000000"/>
                     </a:solidFill>
@@ -10639,7 +10639,7 @@
               </a:ln>
               <a:extLst>
                 <a:ext uri="{91240B29-F687-4f45-9708-019B960494DF}">
-                  <a14:hiddenLine xmlns:a14="http://schemas.microsoft.com/office/drawing/2010/main" xmlns="" w="9525">
+                  <a14:hiddenLine xmlns="" xmlns:a14="http://schemas.microsoft.com/office/drawing/2010/main" w="9525">
                     <a:solidFill>
                       <a:srgbClr val="000000"/>
                     </a:solidFill>
@@ -10729,7 +10729,7 @@
               </a:ln>
               <a:extLst>
                 <a:ext uri="{91240B29-F687-4f45-9708-019B960494DF}">
-                  <a14:hiddenLine xmlns:a14="http://schemas.microsoft.com/office/drawing/2010/main" xmlns="" w="9525">
+                  <a14:hiddenLine xmlns="" xmlns:a14="http://schemas.microsoft.com/office/drawing/2010/main" w="9525">
                     <a:solidFill>
                       <a:srgbClr val="000000"/>
                     </a:solidFill>
@@ -10819,7 +10819,7 @@
               </a:ln>
               <a:extLst>
                 <a:ext uri="{91240B29-F687-4f45-9708-019B960494DF}">
-                  <a14:hiddenLine xmlns:a14="http://schemas.microsoft.com/office/drawing/2010/main" xmlns="" w="9525">
+                  <a14:hiddenLine xmlns="" xmlns:a14="http://schemas.microsoft.com/office/drawing/2010/main" w="9525">
                     <a:solidFill>
                       <a:srgbClr val="000000"/>
                     </a:solidFill>
@@ -10884,7 +10884,7 @@
               </a:ln>
               <a:extLst>
                 <a:ext uri="{91240B29-F687-4f45-9708-019B960494DF}">
-                  <a14:hiddenLine xmlns:a14="http://schemas.microsoft.com/office/drawing/2010/main" xmlns="" w="9525">
+                  <a14:hiddenLine xmlns="" xmlns:a14="http://schemas.microsoft.com/office/drawing/2010/main" w="9525">
                     <a:solidFill>
                       <a:srgbClr val="000000"/>
                     </a:solidFill>
@@ -11004,7 +11004,7 @@
               </a:ln>
               <a:extLst>
                 <a:ext uri="{91240B29-F687-4f45-9708-019B960494DF}">
-                  <a14:hiddenLine xmlns:a14="http://schemas.microsoft.com/office/drawing/2010/main" xmlns="" w="9525">
+                  <a14:hiddenLine xmlns="" xmlns:a14="http://schemas.microsoft.com/office/drawing/2010/main" w="9525">
                     <a:solidFill>
                       <a:srgbClr val="000000"/>
                     </a:solidFill>
@@ -11085,7 +11085,7 @@
               </a:ln>
               <a:extLst>
                 <a:ext uri="{91240B29-F687-4f45-9708-019B960494DF}">
-                  <a14:hiddenLine xmlns:a14="http://schemas.microsoft.com/office/drawing/2010/main" xmlns="" w="9525">
+                  <a14:hiddenLine xmlns="" xmlns:a14="http://schemas.microsoft.com/office/drawing/2010/main" w="9525">
                     <a:solidFill>
                       <a:srgbClr val="000000"/>
                     </a:solidFill>
@@ -11200,7 +11200,7 @@
               </a:ln>
               <a:extLst>
                 <a:ext uri="{91240B29-F687-4f45-9708-019B960494DF}">
-                  <a14:hiddenLine xmlns:a14="http://schemas.microsoft.com/office/drawing/2010/main" xmlns="" w="9525">
+                  <a14:hiddenLine xmlns="" xmlns:a14="http://schemas.microsoft.com/office/drawing/2010/main" w="9525">
                     <a:solidFill>
                       <a:srgbClr val="000000"/>
                     </a:solidFill>
@@ -11290,7 +11290,7 @@
               </a:ln>
               <a:extLst>
                 <a:ext uri="{91240B29-F687-4f45-9708-019B960494DF}">
-                  <a14:hiddenLine xmlns:a14="http://schemas.microsoft.com/office/drawing/2010/main" xmlns="" w="9525">
+                  <a14:hiddenLine xmlns="" xmlns:a14="http://schemas.microsoft.com/office/drawing/2010/main" w="9525">
                     <a:solidFill>
                       <a:srgbClr val="000000"/>
                     </a:solidFill>
@@ -11355,7 +11355,7 @@
               </a:ln>
               <a:extLst>
                 <a:ext uri="{91240B29-F687-4f45-9708-019B960494DF}">
-                  <a14:hiddenLine xmlns:a14="http://schemas.microsoft.com/office/drawing/2010/main" xmlns="" w="9525">
+                  <a14:hiddenLine xmlns="" xmlns:a14="http://schemas.microsoft.com/office/drawing/2010/main" w="9525">
                     <a:solidFill>
                       <a:srgbClr val="000000"/>
                     </a:solidFill>
@@ -11445,7 +11445,7 @@
               </a:ln>
               <a:extLst>
                 <a:ext uri="{91240B29-F687-4f45-9708-019B960494DF}">
-                  <a14:hiddenLine xmlns:a14="http://schemas.microsoft.com/office/drawing/2010/main" xmlns="" w="9525">
+                  <a14:hiddenLine xmlns="" xmlns:a14="http://schemas.microsoft.com/office/drawing/2010/main" w="9525">
                     <a:solidFill>
                       <a:srgbClr val="000000"/>
                     </a:solidFill>
@@ -11513,7 +11513,7 @@
               </a:ln>
               <a:extLst>
                 <a:ext uri="{91240B29-F687-4f45-9708-019B960494DF}">
-                  <a14:hiddenLine xmlns:a14="http://schemas.microsoft.com/office/drawing/2010/main" xmlns="" w="9525">
+                  <a14:hiddenLine xmlns="" xmlns:a14="http://schemas.microsoft.com/office/drawing/2010/main" w="9525">
                     <a:solidFill>
                       <a:srgbClr val="000000"/>
                     </a:solidFill>
@@ -11603,7 +11603,7 @@
               </a:ln>
               <a:extLst>
                 <a:ext uri="{91240B29-F687-4f45-9708-019B960494DF}">
-                  <a14:hiddenLine xmlns:a14="http://schemas.microsoft.com/office/drawing/2010/main" xmlns="" w="9525">
+                  <a14:hiddenLine xmlns="" xmlns:a14="http://schemas.microsoft.com/office/drawing/2010/main" w="9525">
                     <a:solidFill>
                       <a:srgbClr val="000000"/>
                     </a:solidFill>
@@ -11671,7 +11671,7 @@
               </a:ln>
               <a:extLst>
                 <a:ext uri="{91240B29-F687-4f45-9708-019B960494DF}">
-                  <a14:hiddenLine xmlns:a14="http://schemas.microsoft.com/office/drawing/2010/main" xmlns="" w="9525">
+                  <a14:hiddenLine xmlns="" xmlns:a14="http://schemas.microsoft.com/office/drawing/2010/main" w="9525">
                     <a:solidFill>
                       <a:srgbClr val="000000"/>
                     </a:solidFill>
@@ -11761,7 +11761,7 @@
               </a:ln>
               <a:extLst>
                 <a:ext uri="{91240B29-F687-4f45-9708-019B960494DF}">
-                  <a14:hiddenLine xmlns:a14="http://schemas.microsoft.com/office/drawing/2010/main" xmlns="" w="9525">
+                  <a14:hiddenLine xmlns="" xmlns:a14="http://schemas.microsoft.com/office/drawing/2010/main" w="9525">
                     <a:solidFill>
                       <a:srgbClr val="000000"/>
                     </a:solidFill>
@@ -11795,7 +11795,7 @@
               </a:ln>
               <a:extLst>
                 <a:ext uri="{91240B29-F687-4f45-9708-019B960494DF}">
-                  <a14:hiddenLine xmlns:a14="http://schemas.microsoft.com/office/drawing/2010/main" xmlns="" w="9525">
+                  <a14:hiddenLine xmlns="" xmlns:a14="http://schemas.microsoft.com/office/drawing/2010/main" w="9525">
                     <a:solidFill>
                       <a:srgbClr val="000000"/>
                     </a:solidFill>
@@ -11936,7 +11936,7 @@
             <a:fld id="{48A87A34-81AB-432B-8DAE-1953F412C126}" type="datetimeFigureOut">
               <a:rPr lang="en-US" dirty="0"/>
               <a:pPr/>
-              <a:t>6/1/2023</a:t>
+              <a:t>6/2/2023</a:t>
             </a:fld>
             <a:endParaRPr lang="en-US" dirty="0"/>
           </a:p>
@@ -13067,17 +13067,45 @@
                 <a:solidFill>
                   <a:srgbClr val="FFC66D"/>
                 </a:solidFill>
+                <a:latin typeface="JetBrains Mono"/>
+              </a:rPr>
+              <a:t>p</a:t>
+            </a:r>
+            <a:r>
+              <a:rPr lang="en-US" sz="1600" dirty="0">
+                <a:solidFill>
+                  <a:srgbClr val="FFC66D"/>
+                </a:solidFill>
                 <a:effectLst/>
                 <a:latin typeface="JetBrains Mono"/>
               </a:rPr>
-              <a:t>Print </a:t>
+              <a:t>rint and </a:t>
+            </a:r>
+            <a:r>
+              <a:rPr lang="pt-PT" sz="1600" dirty="0" err="1">
+                <a:solidFill>
+                  <a:srgbClr val="FFC66D"/>
+                </a:solidFill>
+                <a:effectLst/>
+                <a:latin typeface="JetBrains Mono"/>
+              </a:rPr>
+              <a:t>printPath</a:t>
+            </a:r>
+            <a:r>
+              <a:rPr lang="pt-PT" sz="1600" dirty="0">
+                <a:solidFill>
+                  <a:srgbClr val="A9B7C6"/>
+                </a:solidFill>
+                <a:latin typeface="JetBrains Mono"/>
+              </a:rPr>
+              <a:t> </a:t>
             </a:r>
             <a:r>
               <a:rPr lang="en-US" sz="1600" dirty="0">
                 <a:effectLst/>
                 <a:latin typeface="JetBrains Mono"/>
               </a:rPr>
-              <a:t>– Function used to print certain data</a:t>
+              <a:t>– Functions used to print certain data</a:t>
             </a:r>
             <a:endParaRPr kumimoji="0" lang="pt-PT" altLang="pt-PT" sz="2000" b="0" i="0" u="none" strike="noStrike" cap="none" normalizeH="0" baseline="0" dirty="0">
               <a:ln>
@@ -14306,14 +14334,36 @@
           </a:p>
           <a:p>
             <a:r>
-              <a:rPr lang="en-GB" sz="1600" dirty="0" err="1">
+              <a:rPr lang="pt-PT" sz="1600" dirty="0" err="1">
                 <a:solidFill>
                   <a:srgbClr val="FFC66D"/>
                 </a:solidFill>
                 <a:effectLst/>
                 <a:latin typeface="JetBrains Mono"/>
               </a:rPr>
-              <a:t>computeDistance</a:t>
+              <a:t>convertToRad</a:t>
+            </a:r>
+            <a:r>
+              <a:rPr lang="en-US" sz="1600" dirty="0">
+                <a:effectLst/>
+                <a:latin typeface="JetBrains Mono"/>
+              </a:rPr>
+              <a:t> – Returns the radian equivalent of a degree</a:t>
+            </a:r>
+            <a:endParaRPr lang="en-US" sz="1600" dirty="0">
+              <a:latin typeface="JetBrains Mono"/>
+            </a:endParaRPr>
+          </a:p>
+          <a:p>
+            <a:r>
+              <a:rPr lang="pt-PT" sz="1600" dirty="0" err="1">
+                <a:solidFill>
+                  <a:srgbClr val="FFC66D"/>
+                </a:solidFill>
+                <a:effectLst/>
+                <a:latin typeface="JetBrains Mono"/>
+              </a:rPr>
+              <a:t>distanceBetweenNodes</a:t>
             </a:r>
             <a:r>
               <a:rPr lang="en-GB" sz="1600" dirty="0">
@@ -14691,6 +14741,38 @@
                 <a:latin typeface="JetBrains Mono"/>
               </a:rPr>
               <a:t>– Triangular Approximation approach to the TSP problem</a:t>
+            </a:r>
+          </a:p>
+          <a:p>
+            <a:pPr>
+              <a:defRPr/>
+            </a:pPr>
+            <a:r>
+              <a:rPr lang="en-GB" sz="1600" dirty="0" err="1">
+                <a:solidFill>
+                  <a:srgbClr val="FFC66D"/>
+                </a:solidFill>
+                <a:effectLst/>
+                <a:latin typeface="JetBrains Mono"/>
+              </a:rPr>
+              <a:t>triangularAproximationHeurToy</a:t>
+            </a:r>
+            <a:r>
+              <a:rPr lang="en-GB" sz="1600" dirty="0">
+                <a:solidFill>
+                  <a:srgbClr val="FFC66D"/>
+                </a:solidFill>
+                <a:effectLst/>
+                <a:latin typeface="JetBrains Mono"/>
+              </a:rPr>
+              <a:t> </a:t>
+            </a:r>
+            <a:r>
+              <a:rPr lang="en-GB" sz="1600" dirty="0">
+                <a:effectLst/>
+                <a:latin typeface="JetBrains Mono"/>
+              </a:rPr>
+              <a:t>– Triangular Approximation approach to the TSP problem for the Toy graphs</a:t>
             </a:r>
             <a:endParaRPr lang="en-GB" sz="1600" dirty="0">
               <a:latin typeface="JetBrains Mono"/>
@@ -15179,18 +15261,18 @@
 </file>
 
 <file path=customXml/item1.xml><?xml version="1.0" encoding="utf-8"?>
+<p:properties xmlns:p="http://schemas.microsoft.com/office/2006/metadata/properties" xmlns:xsi="http://www.w3.org/2001/XMLSchema-instance" xmlns:pc="http://schemas.microsoft.com/office/infopath/2007/PartnerControls">
+  <documentManagement/>
+</p:properties>
+</file>
+
+<file path=customXml/item2.xml><?xml version="1.0" encoding="utf-8"?>
 <?mso-contentType ?>
 <FormTemplates xmlns="http://schemas.microsoft.com/sharepoint/v3/contenttype/forms">
   <Display>DocumentLibraryForm</Display>
   <Edit>DocumentLibraryForm</Edit>
   <New>DocumentLibraryForm</New>
 </FormTemplates>
-</file>
-
-<file path=customXml/item2.xml><?xml version="1.0" encoding="utf-8"?>
-<p:properties xmlns:p="http://schemas.microsoft.com/office/2006/metadata/properties" xmlns:xsi="http://www.w3.org/2001/XMLSchema-instance" xmlns:pc="http://schemas.microsoft.com/office/infopath/2007/PartnerControls">
-  <documentManagement/>
-</p:properties>
 </file>
 
 <file path=customXml/item3.xml><?xml version="1.0" encoding="utf-8"?>
@@ -15308,14 +15390,6 @@
 </file>
 
 <file path=customXml/itemProps1.xml><?xml version="1.0" encoding="utf-8"?>
-<ds:datastoreItem xmlns:ds="http://schemas.openxmlformats.org/officeDocument/2006/customXml" ds:itemID="{D51E79FD-84A2-4D99-AE38-6BF45A3426BF}">
-  <ds:schemaRefs>
-    <ds:schemaRef ds:uri="http://schemas.microsoft.com/sharepoint/v3/contenttype/forms"/>
-  </ds:schemaRefs>
-</ds:datastoreItem>
-</file>
-
-<file path=customXml/itemProps2.xml><?xml version="1.0" encoding="utf-8"?>
 <ds:datastoreItem xmlns:ds="http://schemas.openxmlformats.org/officeDocument/2006/customXml" ds:itemID="{30F54BB1-1701-417A-9430-1DDD3233E544}">
   <ds:schemaRefs>
     <ds:schemaRef ds:uri="http://schemas.microsoft.com/office/2006/documentManagement/types"/>
@@ -15326,6 +15400,14 @@
     <ds:schemaRef ds:uri="http://purl.org/dc/terms/"/>
     <ds:schemaRef ds:uri="http://www.w3.org/XML/1998/namespace"/>
     <ds:schemaRef ds:uri="http://purl.org/dc/dcmitype/"/>
+  </ds:schemaRefs>
+</ds:datastoreItem>
+</file>
+
+<file path=customXml/itemProps2.xml><?xml version="1.0" encoding="utf-8"?>
+<ds:datastoreItem xmlns:ds="http://schemas.openxmlformats.org/officeDocument/2006/customXml" ds:itemID="{D51E79FD-84A2-4D99-AE38-6BF45A3426BF}">
+  <ds:schemaRefs>
+    <ds:schemaRef ds:uri="http://schemas.microsoft.com/sharepoint/v3/contenttype/forms"/>
   </ds:schemaRefs>
 </ds:datastoreItem>
 </file>

--- a/DA2.pptx
+++ b/DA2.pptx
@@ -177,7 +177,7 @@
           <a:noFill/>
           <a:extLst>
             <a:ext uri="{909E8E84-426E-40dd-AFC4-6F175D3DCCD1}">
-              <a14:hiddenFill xmlns="" xmlns:a14="http://schemas.microsoft.com/office/drawing/2010/main">
+              <a14:hiddenFill xmlns:a14="http://schemas.microsoft.com/office/drawing/2010/main" xmlns="">
                 <a:solidFill>
                   <a:srgbClr val="FFFFFF"/>
                 </a:solidFill>
@@ -236,7 +236,7 @@
             </a:ln>
             <a:extLst>
               <a:ext uri="{91240B29-F687-4f45-9708-019B960494DF}">
-                <a14:hiddenLine xmlns="" xmlns:a14="http://schemas.microsoft.com/office/drawing/2010/main" w="9525">
+                <a14:hiddenLine xmlns:a14="http://schemas.microsoft.com/office/drawing/2010/main" xmlns="" w="9525">
                   <a:solidFill>
                     <a:srgbClr val="000000"/>
                   </a:solidFill>
@@ -326,7 +326,7 @@
             </a:ln>
             <a:extLst>
               <a:ext uri="{91240B29-F687-4f45-9708-019B960494DF}">
-                <a14:hiddenLine xmlns="" xmlns:a14="http://schemas.microsoft.com/office/drawing/2010/main" w="9525">
+                <a14:hiddenLine xmlns:a14="http://schemas.microsoft.com/office/drawing/2010/main" xmlns="" w="9525">
                   <a:solidFill>
                     <a:srgbClr val="000000"/>
                   </a:solidFill>
@@ -416,7 +416,7 @@
             </a:ln>
             <a:extLst>
               <a:ext uri="{91240B29-F687-4f45-9708-019B960494DF}">
-                <a14:hiddenLine xmlns="" xmlns:a14="http://schemas.microsoft.com/office/drawing/2010/main" w="9525">
+                <a14:hiddenLine xmlns:a14="http://schemas.microsoft.com/office/drawing/2010/main" xmlns="" w="9525">
                   <a:solidFill>
                     <a:srgbClr val="000000"/>
                   </a:solidFill>
@@ -450,7 +450,7 @@
             </a:ln>
             <a:extLst>
               <a:ext uri="{91240B29-F687-4f45-9708-019B960494DF}">
-                <a14:hiddenLine xmlns="" xmlns:a14="http://schemas.microsoft.com/office/drawing/2010/main" w="9525">
+                <a14:hiddenLine xmlns:a14="http://schemas.microsoft.com/office/drawing/2010/main" xmlns="" w="9525">
                   <a:solidFill>
                     <a:srgbClr val="000000"/>
                   </a:solidFill>
@@ -540,7 +540,7 @@
             </a:ln>
             <a:extLst>
               <a:ext uri="{91240B29-F687-4f45-9708-019B960494DF}">
-                <a14:hiddenLine xmlns="" xmlns:a14="http://schemas.microsoft.com/office/drawing/2010/main" w="9525">
+                <a14:hiddenLine xmlns:a14="http://schemas.microsoft.com/office/drawing/2010/main" xmlns="" w="9525">
                   <a:solidFill>
                     <a:srgbClr val="000000"/>
                   </a:solidFill>
@@ -602,7 +602,7 @@
             </a:ln>
             <a:extLst>
               <a:ext uri="{91240B29-F687-4f45-9708-019B960494DF}">
-                <a14:hiddenLine xmlns="" xmlns:a14="http://schemas.microsoft.com/office/drawing/2010/main" w="9525">
+                <a14:hiddenLine xmlns:a14="http://schemas.microsoft.com/office/drawing/2010/main" xmlns="" w="9525">
                   <a:solidFill>
                     <a:srgbClr val="000000"/>
                   </a:solidFill>
@@ -664,7 +664,7 @@
             </a:ln>
             <a:extLst>
               <a:ext uri="{91240B29-F687-4f45-9708-019B960494DF}">
-                <a14:hiddenLine xmlns="" xmlns:a14="http://schemas.microsoft.com/office/drawing/2010/main" w="9525">
+                <a14:hiddenLine xmlns:a14="http://schemas.microsoft.com/office/drawing/2010/main" xmlns="" w="9525">
                   <a:solidFill>
                     <a:srgbClr val="000000"/>
                   </a:solidFill>
@@ -754,7 +754,7 @@
             </a:ln>
             <a:extLst>
               <a:ext uri="{91240B29-F687-4f45-9708-019B960494DF}">
-                <a14:hiddenLine xmlns="" xmlns:a14="http://schemas.microsoft.com/office/drawing/2010/main" w="9525">
+                <a14:hiddenLine xmlns:a14="http://schemas.microsoft.com/office/drawing/2010/main" xmlns="" w="9525">
                   <a:solidFill>
                     <a:srgbClr val="000000"/>
                   </a:solidFill>
@@ -816,7 +816,7 @@
             </a:ln>
             <a:extLst>
               <a:ext uri="{91240B29-F687-4f45-9708-019B960494DF}">
-                <a14:hiddenLine xmlns="" xmlns:a14="http://schemas.microsoft.com/office/drawing/2010/main" w="9525">
+                <a14:hiddenLine xmlns:a14="http://schemas.microsoft.com/office/drawing/2010/main" xmlns="" w="9525">
                   <a:solidFill>
                     <a:srgbClr val="000000"/>
                   </a:solidFill>
@@ -878,7 +878,7 @@
             </a:ln>
             <a:extLst>
               <a:ext uri="{91240B29-F687-4f45-9708-019B960494DF}">
-                <a14:hiddenLine xmlns="" xmlns:a14="http://schemas.microsoft.com/office/drawing/2010/main" w="9525">
+                <a14:hiddenLine xmlns:a14="http://schemas.microsoft.com/office/drawing/2010/main" xmlns="" w="9525">
                   <a:solidFill>
                     <a:srgbClr val="000000"/>
                   </a:solidFill>
@@ -968,7 +968,7 @@
             </a:ln>
             <a:extLst>
               <a:ext uri="{91240B29-F687-4f45-9708-019B960494DF}">
-                <a14:hiddenLine xmlns="" xmlns:a14="http://schemas.microsoft.com/office/drawing/2010/main" w="9525">
+                <a14:hiddenLine xmlns:a14="http://schemas.microsoft.com/office/drawing/2010/main" xmlns="" w="9525">
                   <a:solidFill>
                     <a:srgbClr val="000000"/>
                   </a:solidFill>
@@ -1058,7 +1058,7 @@
             </a:ln>
             <a:extLst>
               <a:ext uri="{91240B29-F687-4f45-9708-019B960494DF}">
-                <a14:hiddenLine xmlns="" xmlns:a14="http://schemas.microsoft.com/office/drawing/2010/main" w="9525">
+                <a14:hiddenLine xmlns:a14="http://schemas.microsoft.com/office/drawing/2010/main" xmlns="" w="9525">
                   <a:solidFill>
                     <a:srgbClr val="000000"/>
                   </a:solidFill>
@@ -1120,7 +1120,7 @@
             </a:ln>
             <a:extLst>
               <a:ext uri="{91240B29-F687-4f45-9708-019B960494DF}">
-                <a14:hiddenLine xmlns="" xmlns:a14="http://schemas.microsoft.com/office/drawing/2010/main" w="9525">
+                <a14:hiddenLine xmlns:a14="http://schemas.microsoft.com/office/drawing/2010/main" xmlns="" w="9525">
                   <a:solidFill>
                     <a:srgbClr val="000000"/>
                   </a:solidFill>
@@ -1230,7 +1230,7 @@
             </a:ln>
             <a:extLst>
               <a:ext uri="{91240B29-F687-4f45-9708-019B960494DF}">
-                <a14:hiddenLine xmlns="" xmlns:a14="http://schemas.microsoft.com/office/drawing/2010/main" w="9525">
+                <a14:hiddenLine xmlns:a14="http://schemas.microsoft.com/office/drawing/2010/main" xmlns="" w="9525">
                   <a:solidFill>
                     <a:srgbClr val="000000"/>
                   </a:solidFill>
@@ -1292,7 +1292,7 @@
             </a:ln>
             <a:extLst>
               <a:ext uri="{91240B29-F687-4f45-9708-019B960494DF}">
-                <a14:hiddenLine xmlns="" xmlns:a14="http://schemas.microsoft.com/office/drawing/2010/main" w="9525">
+                <a14:hiddenLine xmlns:a14="http://schemas.microsoft.com/office/drawing/2010/main" xmlns="" w="9525">
                   <a:solidFill>
                     <a:srgbClr val="000000"/>
                   </a:solidFill>
@@ -1382,7 +1382,7 @@
             </a:ln>
             <a:extLst>
               <a:ext uri="{91240B29-F687-4f45-9708-019B960494DF}">
-                <a14:hiddenLine xmlns="" xmlns:a14="http://schemas.microsoft.com/office/drawing/2010/main" w="9525">
+                <a14:hiddenLine xmlns:a14="http://schemas.microsoft.com/office/drawing/2010/main" xmlns="" w="9525">
                   <a:solidFill>
                     <a:srgbClr val="000000"/>
                   </a:solidFill>
@@ -1472,7 +1472,7 @@
             </a:ln>
             <a:extLst>
               <a:ext uri="{91240B29-F687-4f45-9708-019B960494DF}">
-                <a14:hiddenLine xmlns="" xmlns:a14="http://schemas.microsoft.com/office/drawing/2010/main" w="9525">
+                <a14:hiddenLine xmlns:a14="http://schemas.microsoft.com/office/drawing/2010/main" xmlns="" w="9525">
                   <a:solidFill>
                     <a:srgbClr val="000000"/>
                   </a:solidFill>
@@ -1534,7 +1534,7 @@
             </a:ln>
             <a:extLst>
               <a:ext uri="{91240B29-F687-4f45-9708-019B960494DF}">
-                <a14:hiddenLine xmlns="" xmlns:a14="http://schemas.microsoft.com/office/drawing/2010/main" w="9525">
+                <a14:hiddenLine xmlns:a14="http://schemas.microsoft.com/office/drawing/2010/main" xmlns="" w="9525">
                   <a:solidFill>
                     <a:srgbClr val="000000"/>
                   </a:solidFill>
@@ -1624,7 +1624,7 @@
             </a:ln>
             <a:extLst>
               <a:ext uri="{91240B29-F687-4f45-9708-019B960494DF}">
-                <a14:hiddenLine xmlns="" xmlns:a14="http://schemas.microsoft.com/office/drawing/2010/main" w="9525">
+                <a14:hiddenLine xmlns:a14="http://schemas.microsoft.com/office/drawing/2010/main" xmlns="" w="9525">
                   <a:solidFill>
                     <a:srgbClr val="000000"/>
                   </a:solidFill>
@@ -1714,7 +1714,7 @@
             </a:ln>
             <a:extLst>
               <a:ext uri="{91240B29-F687-4f45-9708-019B960494DF}">
-                <a14:hiddenLine xmlns="" xmlns:a14="http://schemas.microsoft.com/office/drawing/2010/main" w="9525">
+                <a14:hiddenLine xmlns:a14="http://schemas.microsoft.com/office/drawing/2010/main" xmlns="" w="9525">
                   <a:solidFill>
                     <a:srgbClr val="000000"/>
                   </a:solidFill>
@@ -1770,7 +1770,7 @@
             </a:ln>
             <a:extLst>
               <a:ext uri="{91240B29-F687-4f45-9708-019B960494DF}">
-                <a14:hiddenLine xmlns="" xmlns:a14="http://schemas.microsoft.com/office/drawing/2010/main" w="9525">
+                <a14:hiddenLine xmlns:a14="http://schemas.microsoft.com/office/drawing/2010/main" xmlns="" w="9525">
                   <a:solidFill>
                     <a:srgbClr val="000000"/>
                   </a:solidFill>
@@ -1860,7 +1860,7 @@
             </a:ln>
             <a:extLst>
               <a:ext uri="{91240B29-F687-4f45-9708-019B960494DF}">
-                <a14:hiddenLine xmlns="" xmlns:a14="http://schemas.microsoft.com/office/drawing/2010/main" w="9525">
+                <a14:hiddenLine xmlns:a14="http://schemas.microsoft.com/office/drawing/2010/main" xmlns="" w="9525">
                   <a:solidFill>
                     <a:srgbClr val="000000"/>
                   </a:solidFill>
@@ -1916,7 +1916,7 @@
             </a:ln>
             <a:extLst>
               <a:ext uri="{91240B29-F687-4f45-9708-019B960494DF}">
-                <a14:hiddenLine xmlns="" xmlns:a14="http://schemas.microsoft.com/office/drawing/2010/main" w="9525">
+                <a14:hiddenLine xmlns:a14="http://schemas.microsoft.com/office/drawing/2010/main" xmlns="" w="9525">
                   <a:solidFill>
                     <a:srgbClr val="000000"/>
                   </a:solidFill>
@@ -2006,7 +2006,7 @@
             </a:ln>
             <a:extLst>
               <a:ext uri="{91240B29-F687-4f45-9708-019B960494DF}">
-                <a14:hiddenLine xmlns="" xmlns:a14="http://schemas.microsoft.com/office/drawing/2010/main" w="9525">
+                <a14:hiddenLine xmlns:a14="http://schemas.microsoft.com/office/drawing/2010/main" xmlns="" w="9525">
                   <a:solidFill>
                     <a:srgbClr val="000000"/>
                   </a:solidFill>
@@ -2074,7 +2074,7 @@
             </a:ln>
             <a:extLst>
               <a:ext uri="{91240B29-F687-4f45-9708-019B960494DF}">
-                <a14:hiddenLine xmlns="" xmlns:a14="http://schemas.microsoft.com/office/drawing/2010/main" w="9525">
+                <a14:hiddenLine xmlns:a14="http://schemas.microsoft.com/office/drawing/2010/main" xmlns="" w="9525">
                   <a:solidFill>
                     <a:srgbClr val="000000"/>
                   </a:solidFill>
@@ -2164,7 +2164,7 @@
             </a:ln>
             <a:extLst>
               <a:ext uri="{91240B29-F687-4f45-9708-019B960494DF}">
-                <a14:hiddenLine xmlns="" xmlns:a14="http://schemas.microsoft.com/office/drawing/2010/main" w="9525">
+                <a14:hiddenLine xmlns:a14="http://schemas.microsoft.com/office/drawing/2010/main" xmlns="" w="9525">
                   <a:solidFill>
                     <a:srgbClr val="000000"/>
                   </a:solidFill>
@@ -2232,7 +2232,7 @@
             </a:ln>
             <a:extLst>
               <a:ext uri="{91240B29-F687-4f45-9708-019B960494DF}">
-                <a14:hiddenLine xmlns="" xmlns:a14="http://schemas.microsoft.com/office/drawing/2010/main" w="9525">
+                <a14:hiddenLine xmlns:a14="http://schemas.microsoft.com/office/drawing/2010/main" xmlns="" w="9525">
                   <a:solidFill>
                     <a:srgbClr val="000000"/>
                   </a:solidFill>
@@ -2322,7 +2322,7 @@
             </a:ln>
             <a:extLst>
               <a:ext uri="{91240B29-F687-4f45-9708-019B960494DF}">
-                <a14:hiddenLine xmlns="" xmlns:a14="http://schemas.microsoft.com/office/drawing/2010/main" w="9525">
+                <a14:hiddenLine xmlns:a14="http://schemas.microsoft.com/office/drawing/2010/main" xmlns="" w="9525">
                   <a:solidFill>
                     <a:srgbClr val="000000"/>
                   </a:solidFill>
@@ -2356,7 +2356,7 @@
             </a:ln>
             <a:extLst>
               <a:ext uri="{91240B29-F687-4f45-9708-019B960494DF}">
-                <a14:hiddenLine xmlns="" xmlns:a14="http://schemas.microsoft.com/office/drawing/2010/main" w="9525">
+                <a14:hiddenLine xmlns:a14="http://schemas.microsoft.com/office/drawing/2010/main" xmlns="" w="9525">
                   <a:solidFill>
                     <a:srgbClr val="000000"/>
                   </a:solidFill>
@@ -2446,7 +2446,7 @@
             </a:ln>
             <a:extLst>
               <a:ext uri="{91240B29-F687-4f45-9708-019B960494DF}">
-                <a14:hiddenLine xmlns="" xmlns:a14="http://schemas.microsoft.com/office/drawing/2010/main" w="9525">
+                <a14:hiddenLine xmlns:a14="http://schemas.microsoft.com/office/drawing/2010/main" xmlns="" w="9525">
                   <a:solidFill>
                     <a:srgbClr val="000000"/>
                   </a:solidFill>
@@ -2508,7 +2508,7 @@
             </a:ln>
             <a:extLst>
               <a:ext uri="{91240B29-F687-4f45-9708-019B960494DF}">
-                <a14:hiddenLine xmlns="" xmlns:a14="http://schemas.microsoft.com/office/drawing/2010/main" w="9525">
+                <a14:hiddenLine xmlns:a14="http://schemas.microsoft.com/office/drawing/2010/main" xmlns="" w="9525">
                   <a:solidFill>
                     <a:srgbClr val="000000"/>
                   </a:solidFill>
@@ -2570,7 +2570,7 @@
             </a:ln>
             <a:extLst>
               <a:ext uri="{91240B29-F687-4f45-9708-019B960494DF}">
-                <a14:hiddenLine xmlns="" xmlns:a14="http://schemas.microsoft.com/office/drawing/2010/main" w="9525">
+                <a14:hiddenLine xmlns:a14="http://schemas.microsoft.com/office/drawing/2010/main" xmlns="" w="9525">
                   <a:solidFill>
                     <a:srgbClr val="000000"/>
                   </a:solidFill>
@@ -2660,7 +2660,7 @@
             </a:ln>
             <a:extLst>
               <a:ext uri="{91240B29-F687-4f45-9708-019B960494DF}">
-                <a14:hiddenLine xmlns="" xmlns:a14="http://schemas.microsoft.com/office/drawing/2010/main" w="9525">
+                <a14:hiddenLine xmlns:a14="http://schemas.microsoft.com/office/drawing/2010/main" xmlns="" w="9525">
                   <a:solidFill>
                     <a:srgbClr val="000000"/>
                   </a:solidFill>
@@ -2728,7 +2728,7 @@
             </a:ln>
             <a:extLst>
               <a:ext uri="{91240B29-F687-4f45-9708-019B960494DF}">
-                <a14:hiddenLine xmlns="" xmlns:a14="http://schemas.microsoft.com/office/drawing/2010/main" w="9525">
+                <a14:hiddenLine xmlns:a14="http://schemas.microsoft.com/office/drawing/2010/main" xmlns="" w="9525">
                   <a:solidFill>
                     <a:srgbClr val="000000"/>
                   </a:solidFill>
@@ -2790,7 +2790,7 @@
             </a:ln>
             <a:extLst>
               <a:ext uri="{91240B29-F687-4f45-9708-019B960494DF}">
-                <a14:hiddenLine xmlns="" xmlns:a14="http://schemas.microsoft.com/office/drawing/2010/main" w="9525">
+                <a14:hiddenLine xmlns:a14="http://schemas.microsoft.com/office/drawing/2010/main" xmlns="" w="9525">
                   <a:solidFill>
                     <a:srgbClr val="000000"/>
                   </a:solidFill>
@@ -2880,7 +2880,7 @@
             </a:ln>
             <a:extLst>
               <a:ext uri="{91240B29-F687-4f45-9708-019B960494DF}">
-                <a14:hiddenLine xmlns="" xmlns:a14="http://schemas.microsoft.com/office/drawing/2010/main" w="9525">
+                <a14:hiddenLine xmlns:a14="http://schemas.microsoft.com/office/drawing/2010/main" xmlns="" w="9525">
                   <a:solidFill>
                     <a:srgbClr val="000000"/>
                   </a:solidFill>
@@ -2942,7 +2942,7 @@
             </a:ln>
             <a:extLst>
               <a:ext uri="{91240B29-F687-4f45-9708-019B960494DF}">
-                <a14:hiddenLine xmlns="" xmlns:a14="http://schemas.microsoft.com/office/drawing/2010/main" w="9525">
+                <a14:hiddenLine xmlns:a14="http://schemas.microsoft.com/office/drawing/2010/main" xmlns="" w="9525">
                   <a:solidFill>
                     <a:srgbClr val="000000"/>
                   </a:solidFill>
@@ -3032,7 +3032,7 @@
             </a:ln>
             <a:extLst>
               <a:ext uri="{91240B29-F687-4f45-9708-019B960494DF}">
-                <a14:hiddenLine xmlns="" xmlns:a14="http://schemas.microsoft.com/office/drawing/2010/main" w="9525">
+                <a14:hiddenLine xmlns:a14="http://schemas.microsoft.com/office/drawing/2010/main" xmlns="" w="9525">
                   <a:solidFill>
                     <a:srgbClr val="000000"/>
                   </a:solidFill>
@@ -3094,7 +3094,7 @@
             </a:ln>
             <a:extLst>
               <a:ext uri="{91240B29-F687-4f45-9708-019B960494DF}">
-                <a14:hiddenLine xmlns="" xmlns:a14="http://schemas.microsoft.com/office/drawing/2010/main" w="9525">
+                <a14:hiddenLine xmlns:a14="http://schemas.microsoft.com/office/drawing/2010/main" xmlns="" w="9525">
                   <a:solidFill>
                     <a:srgbClr val="000000"/>
                   </a:solidFill>
@@ -3184,7 +3184,7 @@
             </a:ln>
             <a:extLst>
               <a:ext uri="{91240B29-F687-4f45-9708-019B960494DF}">
-                <a14:hiddenLine xmlns="" xmlns:a14="http://schemas.microsoft.com/office/drawing/2010/main" w="9525">
+                <a14:hiddenLine xmlns:a14="http://schemas.microsoft.com/office/drawing/2010/main" xmlns="" w="9525">
                   <a:solidFill>
                     <a:srgbClr val="000000"/>
                   </a:solidFill>
@@ -3218,7 +3218,7 @@
             </a:ln>
             <a:extLst>
               <a:ext uri="{91240B29-F687-4f45-9708-019B960494DF}">
-                <a14:hiddenLine xmlns="" xmlns:a14="http://schemas.microsoft.com/office/drawing/2010/main" w="9525">
+                <a14:hiddenLine xmlns:a14="http://schemas.microsoft.com/office/drawing/2010/main" xmlns="" w="9525">
                   <a:solidFill>
                     <a:srgbClr val="000000"/>
                   </a:solidFill>
@@ -3283,7 +3283,7 @@
             </a:ln>
             <a:extLst>
               <a:ext uri="{91240B29-F687-4f45-9708-019B960494DF}">
-                <a14:hiddenLine xmlns="" xmlns:a14="http://schemas.microsoft.com/office/drawing/2010/main" w="9525">
+                <a14:hiddenLine xmlns:a14="http://schemas.microsoft.com/office/drawing/2010/main" xmlns="" w="9525">
                   <a:solidFill>
                     <a:srgbClr val="000000"/>
                   </a:solidFill>
@@ -3373,7 +3373,7 @@
             </a:ln>
             <a:extLst>
               <a:ext uri="{91240B29-F687-4f45-9708-019B960494DF}">
-                <a14:hiddenLine xmlns="" xmlns:a14="http://schemas.microsoft.com/office/drawing/2010/main" w="9525">
+                <a14:hiddenLine xmlns:a14="http://schemas.microsoft.com/office/drawing/2010/main" xmlns="" w="9525">
                   <a:solidFill>
                     <a:srgbClr val="000000"/>
                   </a:solidFill>
@@ -3435,7 +3435,7 @@
             </a:ln>
             <a:extLst>
               <a:ext uri="{91240B29-F687-4f45-9708-019B960494DF}">
-                <a14:hiddenLine xmlns="" xmlns:a14="http://schemas.microsoft.com/office/drawing/2010/main" w="9525">
+                <a14:hiddenLine xmlns:a14="http://schemas.microsoft.com/office/drawing/2010/main" xmlns="" w="9525">
                   <a:solidFill>
                     <a:srgbClr val="000000"/>
                   </a:solidFill>
@@ -3525,7 +3525,7 @@
             </a:ln>
             <a:extLst>
               <a:ext uri="{91240B29-F687-4f45-9708-019B960494DF}">
-                <a14:hiddenLine xmlns="" xmlns:a14="http://schemas.microsoft.com/office/drawing/2010/main" w="9525">
+                <a14:hiddenLine xmlns:a14="http://schemas.microsoft.com/office/drawing/2010/main" xmlns="" w="9525">
                   <a:solidFill>
                     <a:srgbClr val="000000"/>
                   </a:solidFill>
@@ -3615,7 +3615,7 @@
             </a:ln>
             <a:extLst>
               <a:ext uri="{91240B29-F687-4f45-9708-019B960494DF}">
-                <a14:hiddenLine xmlns="" xmlns:a14="http://schemas.microsoft.com/office/drawing/2010/main" w="9525">
+                <a14:hiddenLine xmlns:a14="http://schemas.microsoft.com/office/drawing/2010/main" xmlns="" w="9525">
                   <a:solidFill>
                     <a:srgbClr val="000000"/>
                   </a:solidFill>
@@ -3680,7 +3680,7 @@
             </a:ln>
             <a:extLst>
               <a:ext uri="{91240B29-F687-4f45-9708-019B960494DF}">
-                <a14:hiddenLine xmlns="" xmlns:a14="http://schemas.microsoft.com/office/drawing/2010/main" w="9525">
+                <a14:hiddenLine xmlns:a14="http://schemas.microsoft.com/office/drawing/2010/main" xmlns="" w="9525">
                   <a:solidFill>
                     <a:srgbClr val="000000"/>
                   </a:solidFill>
@@ -3742,7 +3742,7 @@
             </a:ln>
             <a:extLst>
               <a:ext uri="{91240B29-F687-4f45-9708-019B960494DF}">
-                <a14:hiddenLine xmlns="" xmlns:a14="http://schemas.microsoft.com/office/drawing/2010/main" w="9525">
+                <a14:hiddenLine xmlns:a14="http://schemas.microsoft.com/office/drawing/2010/main" xmlns="" w="9525">
                   <a:solidFill>
                     <a:srgbClr val="000000"/>
                   </a:solidFill>
@@ -3832,7 +3832,7 @@
             </a:ln>
             <a:extLst>
               <a:ext uri="{91240B29-F687-4f45-9708-019B960494DF}">
-                <a14:hiddenLine xmlns="" xmlns:a14="http://schemas.microsoft.com/office/drawing/2010/main" w="9525">
+                <a14:hiddenLine xmlns:a14="http://schemas.microsoft.com/office/drawing/2010/main" xmlns="" w="9525">
                   <a:solidFill>
                     <a:srgbClr val="000000"/>
                   </a:solidFill>
@@ -3922,7 +3922,7 @@
             </a:ln>
             <a:extLst>
               <a:ext uri="{91240B29-F687-4f45-9708-019B960494DF}">
-                <a14:hiddenLine xmlns="" xmlns:a14="http://schemas.microsoft.com/office/drawing/2010/main" w="9525">
+                <a14:hiddenLine xmlns:a14="http://schemas.microsoft.com/office/drawing/2010/main" xmlns="" w="9525">
                   <a:solidFill>
                     <a:srgbClr val="000000"/>
                   </a:solidFill>
@@ -3984,7 +3984,7 @@
             </a:ln>
             <a:extLst>
               <a:ext uri="{91240B29-F687-4f45-9708-019B960494DF}">
-                <a14:hiddenLine xmlns="" xmlns:a14="http://schemas.microsoft.com/office/drawing/2010/main" w="9525">
+                <a14:hiddenLine xmlns:a14="http://schemas.microsoft.com/office/drawing/2010/main" xmlns="" w="9525">
                   <a:solidFill>
                     <a:srgbClr val="000000"/>
                   </a:solidFill>
@@ -4104,7 +4104,7 @@
             </a:ln>
             <a:extLst>
               <a:ext uri="{91240B29-F687-4f45-9708-019B960494DF}">
-                <a14:hiddenLine xmlns="" xmlns:a14="http://schemas.microsoft.com/office/drawing/2010/main" w="9525">
+                <a14:hiddenLine xmlns:a14="http://schemas.microsoft.com/office/drawing/2010/main" xmlns="" w="9525">
                   <a:solidFill>
                     <a:srgbClr val="000000"/>
                   </a:solidFill>
@@ -4172,7 +4172,7 @@
             </a:ln>
             <a:extLst>
               <a:ext uri="{91240B29-F687-4f45-9708-019B960494DF}">
-                <a14:hiddenLine xmlns="" xmlns:a14="http://schemas.microsoft.com/office/drawing/2010/main" w="9525">
+                <a14:hiddenLine xmlns:a14="http://schemas.microsoft.com/office/drawing/2010/main" xmlns="" w="9525">
                   <a:solidFill>
                     <a:srgbClr val="000000"/>
                   </a:solidFill>
@@ -4262,7 +4262,7 @@
             </a:ln>
             <a:extLst>
               <a:ext uri="{91240B29-F687-4f45-9708-019B960494DF}">
-                <a14:hiddenLine xmlns="" xmlns:a14="http://schemas.microsoft.com/office/drawing/2010/main" w="9525">
+                <a14:hiddenLine xmlns:a14="http://schemas.microsoft.com/office/drawing/2010/main" xmlns="" w="9525">
                   <a:solidFill>
                     <a:srgbClr val="000000"/>
                   </a:solidFill>
@@ -8991,7 +8991,7 @@
           <a:noFill/>
           <a:extLst>
             <a:ext uri="{909E8E84-426E-40dd-AFC4-6F175D3DCCD1}">
-              <a14:hiddenFill xmlns="" xmlns:a14="http://schemas.microsoft.com/office/drawing/2010/main">
+              <a14:hiddenFill xmlns:a14="http://schemas.microsoft.com/office/drawing/2010/main" xmlns="">
                 <a:solidFill>
                   <a:srgbClr val="FFFFFF"/>
                 </a:solidFill>
@@ -9065,7 +9065,7 @@
               </a:ln>
               <a:extLst>
                 <a:ext uri="{91240B29-F687-4f45-9708-019B960494DF}">
-                  <a14:hiddenLine xmlns="" xmlns:a14="http://schemas.microsoft.com/office/drawing/2010/main" w="9525">
+                  <a14:hiddenLine xmlns:a14="http://schemas.microsoft.com/office/drawing/2010/main" xmlns="" w="9525">
                     <a:solidFill>
                       <a:srgbClr val="000000"/>
                     </a:solidFill>
@@ -9155,7 +9155,7 @@
               </a:ln>
               <a:extLst>
                 <a:ext uri="{91240B29-F687-4f45-9708-019B960494DF}">
-                  <a14:hiddenLine xmlns="" xmlns:a14="http://schemas.microsoft.com/office/drawing/2010/main" w="9525">
+                  <a14:hiddenLine xmlns:a14="http://schemas.microsoft.com/office/drawing/2010/main" xmlns="" w="9525">
                     <a:solidFill>
                       <a:srgbClr val="000000"/>
                     </a:solidFill>
@@ -9245,7 +9245,7 @@
               </a:ln>
               <a:extLst>
                 <a:ext uri="{91240B29-F687-4f45-9708-019B960494DF}">
-                  <a14:hiddenLine xmlns="" xmlns:a14="http://schemas.microsoft.com/office/drawing/2010/main" w="9525">
+                  <a14:hiddenLine xmlns:a14="http://schemas.microsoft.com/office/drawing/2010/main" xmlns="" w="9525">
                     <a:solidFill>
                       <a:srgbClr val="000000"/>
                     </a:solidFill>
@@ -9307,7 +9307,7 @@
               </a:ln>
               <a:extLst>
                 <a:ext uri="{91240B29-F687-4f45-9708-019B960494DF}">
-                  <a14:hiddenLine xmlns="" xmlns:a14="http://schemas.microsoft.com/office/drawing/2010/main" w="9525">
+                  <a14:hiddenLine xmlns:a14="http://schemas.microsoft.com/office/drawing/2010/main" xmlns="" w="9525">
                     <a:solidFill>
                       <a:srgbClr val="000000"/>
                     </a:solidFill>
@@ -9397,7 +9397,7 @@
               </a:ln>
               <a:extLst>
                 <a:ext uri="{91240B29-F687-4f45-9708-019B960494DF}">
-                  <a14:hiddenLine xmlns="" xmlns:a14="http://schemas.microsoft.com/office/drawing/2010/main" w="9525">
+                  <a14:hiddenLine xmlns:a14="http://schemas.microsoft.com/office/drawing/2010/main" xmlns="" w="9525">
                     <a:solidFill>
                       <a:srgbClr val="000000"/>
                     </a:solidFill>
@@ -9459,7 +9459,7 @@
               </a:ln>
               <a:extLst>
                 <a:ext uri="{91240B29-F687-4f45-9708-019B960494DF}">
-                  <a14:hiddenLine xmlns="" xmlns:a14="http://schemas.microsoft.com/office/drawing/2010/main" w="9525">
+                  <a14:hiddenLine xmlns:a14="http://schemas.microsoft.com/office/drawing/2010/main" xmlns="" w="9525">
                     <a:solidFill>
                       <a:srgbClr val="000000"/>
                     </a:solidFill>
@@ -9521,7 +9521,7 @@
               </a:ln>
               <a:extLst>
                 <a:ext uri="{91240B29-F687-4f45-9708-019B960494DF}">
-                  <a14:hiddenLine xmlns="" xmlns:a14="http://schemas.microsoft.com/office/drawing/2010/main" w="9525">
+                  <a14:hiddenLine xmlns:a14="http://schemas.microsoft.com/office/drawing/2010/main" xmlns="" w="9525">
                     <a:solidFill>
                       <a:srgbClr val="000000"/>
                     </a:solidFill>
@@ -9611,7 +9611,7 @@
               </a:ln>
               <a:extLst>
                 <a:ext uri="{91240B29-F687-4f45-9708-019B960494DF}">
-                  <a14:hiddenLine xmlns="" xmlns:a14="http://schemas.microsoft.com/office/drawing/2010/main" w="9525">
+                  <a14:hiddenLine xmlns:a14="http://schemas.microsoft.com/office/drawing/2010/main" xmlns="" w="9525">
                     <a:solidFill>
                       <a:srgbClr val="000000"/>
                     </a:solidFill>
@@ -9701,7 +9701,7 @@
               </a:ln>
               <a:extLst>
                 <a:ext uri="{91240B29-F687-4f45-9708-019B960494DF}">
-                  <a14:hiddenLine xmlns="" xmlns:a14="http://schemas.microsoft.com/office/drawing/2010/main" w="9525">
+                  <a14:hiddenLine xmlns:a14="http://schemas.microsoft.com/office/drawing/2010/main" xmlns="" w="9525">
                     <a:solidFill>
                       <a:srgbClr val="000000"/>
                     </a:solidFill>
@@ -9763,7 +9763,7 @@
               </a:ln>
               <a:extLst>
                 <a:ext uri="{91240B29-F687-4f45-9708-019B960494DF}">
-                  <a14:hiddenLine xmlns="" xmlns:a14="http://schemas.microsoft.com/office/drawing/2010/main" w="9525">
+                  <a14:hiddenLine xmlns:a14="http://schemas.microsoft.com/office/drawing/2010/main" xmlns="" w="9525">
                     <a:solidFill>
                       <a:srgbClr val="000000"/>
                     </a:solidFill>
@@ -9873,7 +9873,7 @@
               </a:ln>
               <a:extLst>
                 <a:ext uri="{91240B29-F687-4f45-9708-019B960494DF}">
-                  <a14:hiddenLine xmlns="" xmlns:a14="http://schemas.microsoft.com/office/drawing/2010/main" w="9525">
+                  <a14:hiddenLine xmlns:a14="http://schemas.microsoft.com/office/drawing/2010/main" xmlns="" w="9525">
                     <a:solidFill>
                       <a:srgbClr val="000000"/>
                     </a:solidFill>
@@ -9957,7 +9957,7 @@
               </a:ln>
               <a:extLst>
                 <a:ext uri="{91240B29-F687-4f45-9708-019B960494DF}">
-                  <a14:hiddenLine xmlns="" xmlns:a14="http://schemas.microsoft.com/office/drawing/2010/main" w="9525">
+                  <a14:hiddenLine xmlns:a14="http://schemas.microsoft.com/office/drawing/2010/main" xmlns="" w="9525">
                     <a:solidFill>
                       <a:srgbClr val="000000"/>
                     </a:solidFill>
@@ -10019,7 +10019,7 @@
               </a:ln>
               <a:extLst>
                 <a:ext uri="{91240B29-F687-4f45-9708-019B960494DF}">
-                  <a14:hiddenLine xmlns="" xmlns:a14="http://schemas.microsoft.com/office/drawing/2010/main" w="9525">
+                  <a14:hiddenLine xmlns:a14="http://schemas.microsoft.com/office/drawing/2010/main" xmlns="" w="9525">
                     <a:solidFill>
                       <a:srgbClr val="000000"/>
                     </a:solidFill>
@@ -10081,7 +10081,7 @@
               </a:ln>
               <a:extLst>
                 <a:ext uri="{91240B29-F687-4f45-9708-019B960494DF}">
-                  <a14:hiddenLine xmlns="" xmlns:a14="http://schemas.microsoft.com/office/drawing/2010/main" w="9525">
+                  <a14:hiddenLine xmlns:a14="http://schemas.microsoft.com/office/drawing/2010/main" xmlns="" w="9525">
                     <a:solidFill>
                       <a:srgbClr val="000000"/>
                     </a:solidFill>
@@ -10171,7 +10171,7 @@
               </a:ln>
               <a:extLst>
                 <a:ext uri="{91240B29-F687-4f45-9708-019B960494DF}">
-                  <a14:hiddenLine xmlns="" xmlns:a14="http://schemas.microsoft.com/office/drawing/2010/main" w="9525">
+                  <a14:hiddenLine xmlns:a14="http://schemas.microsoft.com/office/drawing/2010/main" xmlns="" w="9525">
                     <a:solidFill>
                       <a:srgbClr val="000000"/>
                     </a:solidFill>
@@ -10205,7 +10205,7 @@
               </a:ln>
               <a:extLst>
                 <a:ext uri="{91240B29-F687-4f45-9708-019B960494DF}">
-                  <a14:hiddenLine xmlns="" xmlns:a14="http://schemas.microsoft.com/office/drawing/2010/main" w="9525">
+                  <a14:hiddenLine xmlns:a14="http://schemas.microsoft.com/office/drawing/2010/main" xmlns="" w="9525">
                     <a:solidFill>
                       <a:srgbClr val="000000"/>
                     </a:solidFill>
@@ -10270,7 +10270,7 @@
               </a:ln>
               <a:extLst>
                 <a:ext uri="{91240B29-F687-4f45-9708-019B960494DF}">
-                  <a14:hiddenLine xmlns="" xmlns:a14="http://schemas.microsoft.com/office/drawing/2010/main" w="9525">
+                  <a14:hiddenLine xmlns:a14="http://schemas.microsoft.com/office/drawing/2010/main" xmlns="" w="9525">
                     <a:solidFill>
                       <a:srgbClr val="000000"/>
                     </a:solidFill>
@@ -10360,7 +10360,7 @@
               </a:ln>
               <a:extLst>
                 <a:ext uri="{91240B29-F687-4f45-9708-019B960494DF}">
-                  <a14:hiddenLine xmlns="" xmlns:a14="http://schemas.microsoft.com/office/drawing/2010/main" w="9525">
+                  <a14:hiddenLine xmlns:a14="http://schemas.microsoft.com/office/drawing/2010/main" xmlns="" w="9525">
                     <a:solidFill>
                       <a:srgbClr val="000000"/>
                     </a:solidFill>
@@ -10422,7 +10422,7 @@
               </a:ln>
               <a:extLst>
                 <a:ext uri="{91240B29-F687-4f45-9708-019B960494DF}">
-                  <a14:hiddenLine xmlns="" xmlns:a14="http://schemas.microsoft.com/office/drawing/2010/main" w="9525">
+                  <a14:hiddenLine xmlns:a14="http://schemas.microsoft.com/office/drawing/2010/main" xmlns="" w="9525">
                     <a:solidFill>
                       <a:srgbClr val="000000"/>
                     </a:solidFill>
@@ -10512,7 +10512,7 @@
               </a:ln>
               <a:extLst>
                 <a:ext uri="{91240B29-F687-4f45-9708-019B960494DF}">
-                  <a14:hiddenLine xmlns="" xmlns:a14="http://schemas.microsoft.com/office/drawing/2010/main" w="9525">
+                  <a14:hiddenLine xmlns:a14="http://schemas.microsoft.com/office/drawing/2010/main" xmlns="" w="9525">
                     <a:solidFill>
                       <a:srgbClr val="000000"/>
                     </a:solidFill>
@@ -10577,7 +10577,7 @@
               </a:ln>
               <a:extLst>
                 <a:ext uri="{91240B29-F687-4f45-9708-019B960494DF}">
-                  <a14:hiddenLine xmlns="" xmlns:a14="http://schemas.microsoft.com/office/drawing/2010/main" w="9525">
+                  <a14:hiddenLine xmlns:a14="http://schemas.microsoft.com/office/drawing/2010/main" xmlns="" w="9525">
                     <a:solidFill>
                       <a:srgbClr val="000000"/>
                     </a:solidFill>
@@ -10639,7 +10639,7 @@
               </a:ln>
               <a:extLst>
                 <a:ext uri="{91240B29-F687-4f45-9708-019B960494DF}">
-                  <a14:hiddenLine xmlns="" xmlns:a14="http://schemas.microsoft.com/office/drawing/2010/main" w="9525">
+                  <a14:hiddenLine xmlns:a14="http://schemas.microsoft.com/office/drawing/2010/main" xmlns="" w="9525">
                     <a:solidFill>
                       <a:srgbClr val="000000"/>
                     </a:solidFill>
@@ -10729,7 +10729,7 @@
               </a:ln>
               <a:extLst>
                 <a:ext uri="{91240B29-F687-4f45-9708-019B960494DF}">
-                  <a14:hiddenLine xmlns="" xmlns:a14="http://schemas.microsoft.com/office/drawing/2010/main" w="9525">
+                  <a14:hiddenLine xmlns:a14="http://schemas.microsoft.com/office/drawing/2010/main" xmlns="" w="9525">
                     <a:solidFill>
                       <a:srgbClr val="000000"/>
                     </a:solidFill>
@@ -10819,7 +10819,7 @@
               </a:ln>
               <a:extLst>
                 <a:ext uri="{91240B29-F687-4f45-9708-019B960494DF}">
-                  <a14:hiddenLine xmlns="" xmlns:a14="http://schemas.microsoft.com/office/drawing/2010/main" w="9525">
+                  <a14:hiddenLine xmlns:a14="http://schemas.microsoft.com/office/drawing/2010/main" xmlns="" w="9525">
                     <a:solidFill>
                       <a:srgbClr val="000000"/>
                     </a:solidFill>
@@ -10884,7 +10884,7 @@
               </a:ln>
               <a:extLst>
                 <a:ext uri="{91240B29-F687-4f45-9708-019B960494DF}">
-                  <a14:hiddenLine xmlns="" xmlns:a14="http://schemas.microsoft.com/office/drawing/2010/main" w="9525">
+                  <a14:hiddenLine xmlns:a14="http://schemas.microsoft.com/office/drawing/2010/main" xmlns="" w="9525">
                     <a:solidFill>
                       <a:srgbClr val="000000"/>
                     </a:solidFill>
@@ -11004,7 +11004,7 @@
               </a:ln>
               <a:extLst>
                 <a:ext uri="{91240B29-F687-4f45-9708-019B960494DF}">
-                  <a14:hiddenLine xmlns="" xmlns:a14="http://schemas.microsoft.com/office/drawing/2010/main" w="9525">
+                  <a14:hiddenLine xmlns:a14="http://schemas.microsoft.com/office/drawing/2010/main" xmlns="" w="9525">
                     <a:solidFill>
                       <a:srgbClr val="000000"/>
                     </a:solidFill>
@@ -11085,7 +11085,7 @@
               </a:ln>
               <a:extLst>
                 <a:ext uri="{91240B29-F687-4f45-9708-019B960494DF}">
-                  <a14:hiddenLine xmlns="" xmlns:a14="http://schemas.microsoft.com/office/drawing/2010/main" w="9525">
+                  <a14:hiddenLine xmlns:a14="http://schemas.microsoft.com/office/drawing/2010/main" xmlns="" w="9525">
                     <a:solidFill>
                       <a:srgbClr val="000000"/>
                     </a:solidFill>
@@ -11200,7 +11200,7 @@
               </a:ln>
               <a:extLst>
                 <a:ext uri="{91240B29-F687-4f45-9708-019B960494DF}">
-                  <a14:hiddenLine xmlns="" xmlns:a14="http://schemas.microsoft.com/office/drawing/2010/main" w="9525">
+                  <a14:hiddenLine xmlns:a14="http://schemas.microsoft.com/office/drawing/2010/main" xmlns="" w="9525">
                     <a:solidFill>
                       <a:srgbClr val="000000"/>
                     </a:solidFill>
@@ -11290,7 +11290,7 @@
               </a:ln>
               <a:extLst>
                 <a:ext uri="{91240B29-F687-4f45-9708-019B960494DF}">
-                  <a14:hiddenLine xmlns="" xmlns:a14="http://schemas.microsoft.com/office/drawing/2010/main" w="9525">
+                  <a14:hiddenLine xmlns:a14="http://schemas.microsoft.com/office/drawing/2010/main" xmlns="" w="9525">
                     <a:solidFill>
                       <a:srgbClr val="000000"/>
                     </a:solidFill>
@@ -11355,7 +11355,7 @@
               </a:ln>
               <a:extLst>
                 <a:ext uri="{91240B29-F687-4f45-9708-019B960494DF}">
-                  <a14:hiddenLine xmlns="" xmlns:a14="http://schemas.microsoft.com/office/drawing/2010/main" w="9525">
+                  <a14:hiddenLine xmlns:a14="http://schemas.microsoft.com/office/drawing/2010/main" xmlns="" w="9525">
                     <a:solidFill>
                       <a:srgbClr val="000000"/>
                     </a:solidFill>
@@ -11445,7 +11445,7 @@
               </a:ln>
               <a:extLst>
                 <a:ext uri="{91240B29-F687-4f45-9708-019B960494DF}">
-                  <a14:hiddenLine xmlns="" xmlns:a14="http://schemas.microsoft.com/office/drawing/2010/main" w="9525">
+                  <a14:hiddenLine xmlns:a14="http://schemas.microsoft.com/office/drawing/2010/main" xmlns="" w="9525">
                     <a:solidFill>
                       <a:srgbClr val="000000"/>
                     </a:solidFill>
@@ -11513,7 +11513,7 @@
               </a:ln>
               <a:extLst>
                 <a:ext uri="{91240B29-F687-4f45-9708-019B960494DF}">
-                  <a14:hiddenLine xmlns="" xmlns:a14="http://schemas.microsoft.com/office/drawing/2010/main" w="9525">
+                  <a14:hiddenLine xmlns:a14="http://schemas.microsoft.com/office/drawing/2010/main" xmlns="" w="9525">
                     <a:solidFill>
                       <a:srgbClr val="000000"/>
                     </a:solidFill>
@@ -11603,7 +11603,7 @@
               </a:ln>
               <a:extLst>
                 <a:ext uri="{91240B29-F687-4f45-9708-019B960494DF}">
-                  <a14:hiddenLine xmlns="" xmlns:a14="http://schemas.microsoft.com/office/drawing/2010/main" w="9525">
+                  <a14:hiddenLine xmlns:a14="http://schemas.microsoft.com/office/drawing/2010/main" xmlns="" w="9525">
                     <a:solidFill>
                       <a:srgbClr val="000000"/>
                     </a:solidFill>
@@ -11671,7 +11671,7 @@
               </a:ln>
               <a:extLst>
                 <a:ext uri="{91240B29-F687-4f45-9708-019B960494DF}">
-                  <a14:hiddenLine xmlns="" xmlns:a14="http://schemas.microsoft.com/office/drawing/2010/main" w="9525">
+                  <a14:hiddenLine xmlns:a14="http://schemas.microsoft.com/office/drawing/2010/main" xmlns="" w="9525">
                     <a:solidFill>
                       <a:srgbClr val="000000"/>
                     </a:solidFill>
@@ -11761,7 +11761,7 @@
               </a:ln>
               <a:extLst>
                 <a:ext uri="{91240B29-F687-4f45-9708-019B960494DF}">
-                  <a14:hiddenLine xmlns="" xmlns:a14="http://schemas.microsoft.com/office/drawing/2010/main" w="9525">
+                  <a14:hiddenLine xmlns:a14="http://schemas.microsoft.com/office/drawing/2010/main" xmlns="" w="9525">
                     <a:solidFill>
                       <a:srgbClr val="000000"/>
                     </a:solidFill>
@@ -11795,7 +11795,7 @@
               </a:ln>
               <a:extLst>
                 <a:ext uri="{91240B29-F687-4f45-9708-019B960494DF}">
-                  <a14:hiddenLine xmlns="" xmlns:a14="http://schemas.microsoft.com/office/drawing/2010/main" w="9525">
+                  <a14:hiddenLine xmlns:a14="http://schemas.microsoft.com/office/drawing/2010/main" xmlns="" w="9525">
                     <a:solidFill>
                       <a:srgbClr val="000000"/>
                     </a:solidFill>
@@ -13063,49 +13063,35 @@
           </a:p>
           <a:p>
             <a:r>
-              <a:rPr lang="en-US" sz="1600" dirty="0">
-                <a:solidFill>
-                  <a:srgbClr val="FFC66D"/>
-                </a:solidFill>
-                <a:latin typeface="JetBrains Mono"/>
-              </a:rPr>
-              <a:t>p</a:t>
-            </a:r>
-            <a:r>
-              <a:rPr lang="en-US" sz="1600" dirty="0">
+              <a:rPr lang="en-US" sz="1600">
                 <a:solidFill>
                   <a:srgbClr val="FFC66D"/>
                 </a:solidFill>
                 <a:effectLst/>
                 <a:latin typeface="JetBrains Mono"/>
               </a:rPr>
-              <a:t>rint and </a:t>
-            </a:r>
-            <a:r>
-              <a:rPr lang="pt-PT" sz="1600" dirty="0" err="1">
-                <a:solidFill>
-                  <a:srgbClr val="FFC66D"/>
-                </a:solidFill>
+              <a:t>print </a:t>
+            </a:r>
+            <a:r>
+              <a:rPr lang="en-US" sz="1600">
                 <a:effectLst/>
                 <a:latin typeface="JetBrains Mono"/>
               </a:rPr>
-              <a:t>printPath</a:t>
-            </a:r>
-            <a:r>
-              <a:rPr lang="pt-PT" sz="1600" dirty="0">
-                <a:solidFill>
-                  <a:srgbClr val="A9B7C6"/>
-                </a:solidFill>
-                <a:latin typeface="JetBrains Mono"/>
-              </a:rPr>
-              <a:t> </a:t>
+              <a:t>– </a:t>
             </a:r>
             <a:r>
               <a:rPr lang="en-US" sz="1600" dirty="0">
                 <a:effectLst/>
                 <a:latin typeface="JetBrains Mono"/>
               </a:rPr>
-              <a:t>– Functions used to print certain data</a:t>
+              <a:t>Functions used to print </a:t>
+            </a:r>
+            <a:r>
+              <a:rPr lang="en-US" sz="1600">
+                <a:effectLst/>
+                <a:latin typeface="JetBrains Mono"/>
+              </a:rPr>
+              <a:t>certain data as a table or as a path</a:t>
             </a:r>
             <a:endParaRPr kumimoji="0" lang="pt-PT" altLang="pt-PT" sz="2000" b="0" i="0" u="none" strike="noStrike" cap="none" normalizeH="0" baseline="0" dirty="0">
               <a:ln>
@@ -15261,18 +15247,18 @@
 </file>
 
 <file path=customXml/item1.xml><?xml version="1.0" encoding="utf-8"?>
-<p:properties xmlns:p="http://schemas.microsoft.com/office/2006/metadata/properties" xmlns:xsi="http://www.w3.org/2001/XMLSchema-instance" xmlns:pc="http://schemas.microsoft.com/office/infopath/2007/PartnerControls">
-  <documentManagement/>
-</p:properties>
-</file>
-
-<file path=customXml/item2.xml><?xml version="1.0" encoding="utf-8"?>
 <?mso-contentType ?>
 <FormTemplates xmlns="http://schemas.microsoft.com/sharepoint/v3/contenttype/forms">
   <Display>DocumentLibraryForm</Display>
   <Edit>DocumentLibraryForm</Edit>
   <New>DocumentLibraryForm</New>
 </FormTemplates>
+</file>
+
+<file path=customXml/item2.xml><?xml version="1.0" encoding="utf-8"?>
+<p:properties xmlns:p="http://schemas.microsoft.com/office/2006/metadata/properties" xmlns:xsi="http://www.w3.org/2001/XMLSchema-instance" xmlns:pc="http://schemas.microsoft.com/office/infopath/2007/PartnerControls">
+  <documentManagement/>
+</p:properties>
 </file>
 
 <file path=customXml/item3.xml><?xml version="1.0" encoding="utf-8"?>
@@ -15390,6 +15376,14 @@
 </file>
 
 <file path=customXml/itemProps1.xml><?xml version="1.0" encoding="utf-8"?>
+<ds:datastoreItem xmlns:ds="http://schemas.openxmlformats.org/officeDocument/2006/customXml" ds:itemID="{D51E79FD-84A2-4D99-AE38-6BF45A3426BF}">
+  <ds:schemaRefs>
+    <ds:schemaRef ds:uri="http://schemas.microsoft.com/sharepoint/v3/contenttype/forms"/>
+  </ds:schemaRefs>
+</ds:datastoreItem>
+</file>
+
+<file path=customXml/itemProps2.xml><?xml version="1.0" encoding="utf-8"?>
 <ds:datastoreItem xmlns:ds="http://schemas.openxmlformats.org/officeDocument/2006/customXml" ds:itemID="{30F54BB1-1701-417A-9430-1DDD3233E544}">
   <ds:schemaRefs>
     <ds:schemaRef ds:uri="http://schemas.microsoft.com/office/2006/documentManagement/types"/>
@@ -15400,14 +15394,6 @@
     <ds:schemaRef ds:uri="http://purl.org/dc/terms/"/>
     <ds:schemaRef ds:uri="http://www.w3.org/XML/1998/namespace"/>
     <ds:schemaRef ds:uri="http://purl.org/dc/dcmitype/"/>
-  </ds:schemaRefs>
-</ds:datastoreItem>
-</file>
-
-<file path=customXml/itemProps2.xml><?xml version="1.0" encoding="utf-8"?>
-<ds:datastoreItem xmlns:ds="http://schemas.openxmlformats.org/officeDocument/2006/customXml" ds:itemID="{D51E79FD-84A2-4D99-AE38-6BF45A3426BF}">
-  <ds:schemaRefs>
-    <ds:schemaRef ds:uri="http://schemas.microsoft.com/sharepoint/v3/contenttype/forms"/>
   </ds:schemaRefs>
 </ds:datastoreItem>
 </file>

--- a/DA2.pptx
+++ b/DA2.pptx
@@ -14,6 +14,7 @@
     <p:sldId id="267" r:id="rId11"/>
     <p:sldId id="268" r:id="rId12"/>
     <p:sldId id="261" r:id="rId13"/>
+    <p:sldId id="269" r:id="rId14"/>
   </p:sldIdLst>
   <p:sldSz cx="12192000" cy="6858000"/>
   <p:notesSz cx="6858000" cy="9144000"/>
@@ -177,7 +178,7 @@
           <a:noFill/>
           <a:extLst>
             <a:ext uri="{909E8E84-426E-40dd-AFC4-6F175D3DCCD1}">
-              <a14:hiddenFill xmlns:a14="http://schemas.microsoft.com/office/drawing/2010/main" xmlns="">
+              <a14:hiddenFill xmlns="" xmlns:a14="http://schemas.microsoft.com/office/drawing/2010/main">
                 <a:solidFill>
                   <a:srgbClr val="FFFFFF"/>
                 </a:solidFill>
@@ -236,7 +237,7 @@
             </a:ln>
             <a:extLst>
               <a:ext uri="{91240B29-F687-4f45-9708-019B960494DF}">
-                <a14:hiddenLine xmlns:a14="http://schemas.microsoft.com/office/drawing/2010/main" xmlns="" w="9525">
+                <a14:hiddenLine xmlns="" xmlns:a14="http://schemas.microsoft.com/office/drawing/2010/main" w="9525">
                   <a:solidFill>
                     <a:srgbClr val="000000"/>
                   </a:solidFill>
@@ -326,7 +327,7 @@
             </a:ln>
             <a:extLst>
               <a:ext uri="{91240B29-F687-4f45-9708-019B960494DF}">
-                <a14:hiddenLine xmlns:a14="http://schemas.microsoft.com/office/drawing/2010/main" xmlns="" w="9525">
+                <a14:hiddenLine xmlns="" xmlns:a14="http://schemas.microsoft.com/office/drawing/2010/main" w="9525">
                   <a:solidFill>
                     <a:srgbClr val="000000"/>
                   </a:solidFill>
@@ -416,7 +417,7 @@
             </a:ln>
             <a:extLst>
               <a:ext uri="{91240B29-F687-4f45-9708-019B960494DF}">
-                <a14:hiddenLine xmlns:a14="http://schemas.microsoft.com/office/drawing/2010/main" xmlns="" w="9525">
+                <a14:hiddenLine xmlns="" xmlns:a14="http://schemas.microsoft.com/office/drawing/2010/main" w="9525">
                   <a:solidFill>
                     <a:srgbClr val="000000"/>
                   </a:solidFill>
@@ -450,7 +451,7 @@
             </a:ln>
             <a:extLst>
               <a:ext uri="{91240B29-F687-4f45-9708-019B960494DF}">
-                <a14:hiddenLine xmlns:a14="http://schemas.microsoft.com/office/drawing/2010/main" xmlns="" w="9525">
+                <a14:hiddenLine xmlns="" xmlns:a14="http://schemas.microsoft.com/office/drawing/2010/main" w="9525">
                   <a:solidFill>
                     <a:srgbClr val="000000"/>
                   </a:solidFill>
@@ -540,7 +541,7 @@
             </a:ln>
             <a:extLst>
               <a:ext uri="{91240B29-F687-4f45-9708-019B960494DF}">
-                <a14:hiddenLine xmlns:a14="http://schemas.microsoft.com/office/drawing/2010/main" xmlns="" w="9525">
+                <a14:hiddenLine xmlns="" xmlns:a14="http://schemas.microsoft.com/office/drawing/2010/main" w="9525">
                   <a:solidFill>
                     <a:srgbClr val="000000"/>
                   </a:solidFill>
@@ -602,7 +603,7 @@
             </a:ln>
             <a:extLst>
               <a:ext uri="{91240B29-F687-4f45-9708-019B960494DF}">
-                <a14:hiddenLine xmlns:a14="http://schemas.microsoft.com/office/drawing/2010/main" xmlns="" w="9525">
+                <a14:hiddenLine xmlns="" xmlns:a14="http://schemas.microsoft.com/office/drawing/2010/main" w="9525">
                   <a:solidFill>
                     <a:srgbClr val="000000"/>
                   </a:solidFill>
@@ -664,7 +665,7 @@
             </a:ln>
             <a:extLst>
               <a:ext uri="{91240B29-F687-4f45-9708-019B960494DF}">
-                <a14:hiddenLine xmlns:a14="http://schemas.microsoft.com/office/drawing/2010/main" xmlns="" w="9525">
+                <a14:hiddenLine xmlns="" xmlns:a14="http://schemas.microsoft.com/office/drawing/2010/main" w="9525">
                   <a:solidFill>
                     <a:srgbClr val="000000"/>
                   </a:solidFill>
@@ -754,7 +755,7 @@
             </a:ln>
             <a:extLst>
               <a:ext uri="{91240B29-F687-4f45-9708-019B960494DF}">
-                <a14:hiddenLine xmlns:a14="http://schemas.microsoft.com/office/drawing/2010/main" xmlns="" w="9525">
+                <a14:hiddenLine xmlns="" xmlns:a14="http://schemas.microsoft.com/office/drawing/2010/main" w="9525">
                   <a:solidFill>
                     <a:srgbClr val="000000"/>
                   </a:solidFill>
@@ -816,7 +817,7 @@
             </a:ln>
             <a:extLst>
               <a:ext uri="{91240B29-F687-4f45-9708-019B960494DF}">
-                <a14:hiddenLine xmlns:a14="http://schemas.microsoft.com/office/drawing/2010/main" xmlns="" w="9525">
+                <a14:hiddenLine xmlns="" xmlns:a14="http://schemas.microsoft.com/office/drawing/2010/main" w="9525">
                   <a:solidFill>
                     <a:srgbClr val="000000"/>
                   </a:solidFill>
@@ -878,7 +879,7 @@
             </a:ln>
             <a:extLst>
               <a:ext uri="{91240B29-F687-4f45-9708-019B960494DF}">
-                <a14:hiddenLine xmlns:a14="http://schemas.microsoft.com/office/drawing/2010/main" xmlns="" w="9525">
+                <a14:hiddenLine xmlns="" xmlns:a14="http://schemas.microsoft.com/office/drawing/2010/main" w="9525">
                   <a:solidFill>
                     <a:srgbClr val="000000"/>
                   </a:solidFill>
@@ -968,7 +969,7 @@
             </a:ln>
             <a:extLst>
               <a:ext uri="{91240B29-F687-4f45-9708-019B960494DF}">
-                <a14:hiddenLine xmlns:a14="http://schemas.microsoft.com/office/drawing/2010/main" xmlns="" w="9525">
+                <a14:hiddenLine xmlns="" xmlns:a14="http://schemas.microsoft.com/office/drawing/2010/main" w="9525">
                   <a:solidFill>
                     <a:srgbClr val="000000"/>
                   </a:solidFill>
@@ -1058,7 +1059,7 @@
             </a:ln>
             <a:extLst>
               <a:ext uri="{91240B29-F687-4f45-9708-019B960494DF}">
-                <a14:hiddenLine xmlns:a14="http://schemas.microsoft.com/office/drawing/2010/main" xmlns="" w="9525">
+                <a14:hiddenLine xmlns="" xmlns:a14="http://schemas.microsoft.com/office/drawing/2010/main" w="9525">
                   <a:solidFill>
                     <a:srgbClr val="000000"/>
                   </a:solidFill>
@@ -1120,7 +1121,7 @@
             </a:ln>
             <a:extLst>
               <a:ext uri="{91240B29-F687-4f45-9708-019B960494DF}">
-                <a14:hiddenLine xmlns:a14="http://schemas.microsoft.com/office/drawing/2010/main" xmlns="" w="9525">
+                <a14:hiddenLine xmlns="" xmlns:a14="http://schemas.microsoft.com/office/drawing/2010/main" w="9525">
                   <a:solidFill>
                     <a:srgbClr val="000000"/>
                   </a:solidFill>
@@ -1230,7 +1231,7 @@
             </a:ln>
             <a:extLst>
               <a:ext uri="{91240B29-F687-4f45-9708-019B960494DF}">
-                <a14:hiddenLine xmlns:a14="http://schemas.microsoft.com/office/drawing/2010/main" xmlns="" w="9525">
+                <a14:hiddenLine xmlns="" xmlns:a14="http://schemas.microsoft.com/office/drawing/2010/main" w="9525">
                   <a:solidFill>
                     <a:srgbClr val="000000"/>
                   </a:solidFill>
@@ -1292,7 +1293,7 @@
             </a:ln>
             <a:extLst>
               <a:ext uri="{91240B29-F687-4f45-9708-019B960494DF}">
-                <a14:hiddenLine xmlns:a14="http://schemas.microsoft.com/office/drawing/2010/main" xmlns="" w="9525">
+                <a14:hiddenLine xmlns="" xmlns:a14="http://schemas.microsoft.com/office/drawing/2010/main" w="9525">
                   <a:solidFill>
                     <a:srgbClr val="000000"/>
                   </a:solidFill>
@@ -1382,7 +1383,7 @@
             </a:ln>
             <a:extLst>
               <a:ext uri="{91240B29-F687-4f45-9708-019B960494DF}">
-                <a14:hiddenLine xmlns:a14="http://schemas.microsoft.com/office/drawing/2010/main" xmlns="" w="9525">
+                <a14:hiddenLine xmlns="" xmlns:a14="http://schemas.microsoft.com/office/drawing/2010/main" w="9525">
                   <a:solidFill>
                     <a:srgbClr val="000000"/>
                   </a:solidFill>
@@ -1472,7 +1473,7 @@
             </a:ln>
             <a:extLst>
               <a:ext uri="{91240B29-F687-4f45-9708-019B960494DF}">
-                <a14:hiddenLine xmlns:a14="http://schemas.microsoft.com/office/drawing/2010/main" xmlns="" w="9525">
+                <a14:hiddenLine xmlns="" xmlns:a14="http://schemas.microsoft.com/office/drawing/2010/main" w="9525">
                   <a:solidFill>
                     <a:srgbClr val="000000"/>
                   </a:solidFill>
@@ -1534,7 +1535,7 @@
             </a:ln>
             <a:extLst>
               <a:ext uri="{91240B29-F687-4f45-9708-019B960494DF}">
-                <a14:hiddenLine xmlns:a14="http://schemas.microsoft.com/office/drawing/2010/main" xmlns="" w="9525">
+                <a14:hiddenLine xmlns="" xmlns:a14="http://schemas.microsoft.com/office/drawing/2010/main" w="9525">
                   <a:solidFill>
                     <a:srgbClr val="000000"/>
                   </a:solidFill>
@@ -1624,7 +1625,7 @@
             </a:ln>
             <a:extLst>
               <a:ext uri="{91240B29-F687-4f45-9708-019B960494DF}">
-                <a14:hiddenLine xmlns:a14="http://schemas.microsoft.com/office/drawing/2010/main" xmlns="" w="9525">
+                <a14:hiddenLine xmlns="" xmlns:a14="http://schemas.microsoft.com/office/drawing/2010/main" w="9525">
                   <a:solidFill>
                     <a:srgbClr val="000000"/>
                   </a:solidFill>
@@ -1714,7 +1715,7 @@
             </a:ln>
             <a:extLst>
               <a:ext uri="{91240B29-F687-4f45-9708-019B960494DF}">
-                <a14:hiddenLine xmlns:a14="http://schemas.microsoft.com/office/drawing/2010/main" xmlns="" w="9525">
+                <a14:hiddenLine xmlns="" xmlns:a14="http://schemas.microsoft.com/office/drawing/2010/main" w="9525">
                   <a:solidFill>
                     <a:srgbClr val="000000"/>
                   </a:solidFill>
@@ -1770,7 +1771,7 @@
             </a:ln>
             <a:extLst>
               <a:ext uri="{91240B29-F687-4f45-9708-019B960494DF}">
-                <a14:hiddenLine xmlns:a14="http://schemas.microsoft.com/office/drawing/2010/main" xmlns="" w="9525">
+                <a14:hiddenLine xmlns="" xmlns:a14="http://schemas.microsoft.com/office/drawing/2010/main" w="9525">
                   <a:solidFill>
                     <a:srgbClr val="000000"/>
                   </a:solidFill>
@@ -1860,7 +1861,7 @@
             </a:ln>
             <a:extLst>
               <a:ext uri="{91240B29-F687-4f45-9708-019B960494DF}">
-                <a14:hiddenLine xmlns:a14="http://schemas.microsoft.com/office/drawing/2010/main" xmlns="" w="9525">
+                <a14:hiddenLine xmlns="" xmlns:a14="http://schemas.microsoft.com/office/drawing/2010/main" w="9525">
                   <a:solidFill>
                     <a:srgbClr val="000000"/>
                   </a:solidFill>
@@ -1916,7 +1917,7 @@
             </a:ln>
             <a:extLst>
               <a:ext uri="{91240B29-F687-4f45-9708-019B960494DF}">
-                <a14:hiddenLine xmlns:a14="http://schemas.microsoft.com/office/drawing/2010/main" xmlns="" w="9525">
+                <a14:hiddenLine xmlns="" xmlns:a14="http://schemas.microsoft.com/office/drawing/2010/main" w="9525">
                   <a:solidFill>
                     <a:srgbClr val="000000"/>
                   </a:solidFill>
@@ -2006,7 +2007,7 @@
             </a:ln>
             <a:extLst>
               <a:ext uri="{91240B29-F687-4f45-9708-019B960494DF}">
-                <a14:hiddenLine xmlns:a14="http://schemas.microsoft.com/office/drawing/2010/main" xmlns="" w="9525">
+                <a14:hiddenLine xmlns="" xmlns:a14="http://schemas.microsoft.com/office/drawing/2010/main" w="9525">
                   <a:solidFill>
                     <a:srgbClr val="000000"/>
                   </a:solidFill>
@@ -2074,7 +2075,7 @@
             </a:ln>
             <a:extLst>
               <a:ext uri="{91240B29-F687-4f45-9708-019B960494DF}">
-                <a14:hiddenLine xmlns:a14="http://schemas.microsoft.com/office/drawing/2010/main" xmlns="" w="9525">
+                <a14:hiddenLine xmlns="" xmlns:a14="http://schemas.microsoft.com/office/drawing/2010/main" w="9525">
                   <a:solidFill>
                     <a:srgbClr val="000000"/>
                   </a:solidFill>
@@ -2164,7 +2165,7 @@
             </a:ln>
             <a:extLst>
               <a:ext uri="{91240B29-F687-4f45-9708-019B960494DF}">
-                <a14:hiddenLine xmlns:a14="http://schemas.microsoft.com/office/drawing/2010/main" xmlns="" w="9525">
+                <a14:hiddenLine xmlns="" xmlns:a14="http://schemas.microsoft.com/office/drawing/2010/main" w="9525">
                   <a:solidFill>
                     <a:srgbClr val="000000"/>
                   </a:solidFill>
@@ -2232,7 +2233,7 @@
             </a:ln>
             <a:extLst>
               <a:ext uri="{91240B29-F687-4f45-9708-019B960494DF}">
-                <a14:hiddenLine xmlns:a14="http://schemas.microsoft.com/office/drawing/2010/main" xmlns="" w="9525">
+                <a14:hiddenLine xmlns="" xmlns:a14="http://schemas.microsoft.com/office/drawing/2010/main" w="9525">
                   <a:solidFill>
                     <a:srgbClr val="000000"/>
                   </a:solidFill>
@@ -2322,7 +2323,7 @@
             </a:ln>
             <a:extLst>
               <a:ext uri="{91240B29-F687-4f45-9708-019B960494DF}">
-                <a14:hiddenLine xmlns:a14="http://schemas.microsoft.com/office/drawing/2010/main" xmlns="" w="9525">
+                <a14:hiddenLine xmlns="" xmlns:a14="http://schemas.microsoft.com/office/drawing/2010/main" w="9525">
                   <a:solidFill>
                     <a:srgbClr val="000000"/>
                   </a:solidFill>
@@ -2356,7 +2357,7 @@
             </a:ln>
             <a:extLst>
               <a:ext uri="{91240B29-F687-4f45-9708-019B960494DF}">
-                <a14:hiddenLine xmlns:a14="http://schemas.microsoft.com/office/drawing/2010/main" xmlns="" w="9525">
+                <a14:hiddenLine xmlns="" xmlns:a14="http://schemas.microsoft.com/office/drawing/2010/main" w="9525">
                   <a:solidFill>
                     <a:srgbClr val="000000"/>
                   </a:solidFill>
@@ -2446,7 +2447,7 @@
             </a:ln>
             <a:extLst>
               <a:ext uri="{91240B29-F687-4f45-9708-019B960494DF}">
-                <a14:hiddenLine xmlns:a14="http://schemas.microsoft.com/office/drawing/2010/main" xmlns="" w="9525">
+                <a14:hiddenLine xmlns="" xmlns:a14="http://schemas.microsoft.com/office/drawing/2010/main" w="9525">
                   <a:solidFill>
                     <a:srgbClr val="000000"/>
                   </a:solidFill>
@@ -2508,7 +2509,7 @@
             </a:ln>
             <a:extLst>
               <a:ext uri="{91240B29-F687-4f45-9708-019B960494DF}">
-                <a14:hiddenLine xmlns:a14="http://schemas.microsoft.com/office/drawing/2010/main" xmlns="" w="9525">
+                <a14:hiddenLine xmlns="" xmlns:a14="http://schemas.microsoft.com/office/drawing/2010/main" w="9525">
                   <a:solidFill>
                     <a:srgbClr val="000000"/>
                   </a:solidFill>
@@ -2570,7 +2571,7 @@
             </a:ln>
             <a:extLst>
               <a:ext uri="{91240B29-F687-4f45-9708-019B960494DF}">
-                <a14:hiddenLine xmlns:a14="http://schemas.microsoft.com/office/drawing/2010/main" xmlns="" w="9525">
+                <a14:hiddenLine xmlns="" xmlns:a14="http://schemas.microsoft.com/office/drawing/2010/main" w="9525">
                   <a:solidFill>
                     <a:srgbClr val="000000"/>
                   </a:solidFill>
@@ -2660,7 +2661,7 @@
             </a:ln>
             <a:extLst>
               <a:ext uri="{91240B29-F687-4f45-9708-019B960494DF}">
-                <a14:hiddenLine xmlns:a14="http://schemas.microsoft.com/office/drawing/2010/main" xmlns="" w="9525">
+                <a14:hiddenLine xmlns="" xmlns:a14="http://schemas.microsoft.com/office/drawing/2010/main" w="9525">
                   <a:solidFill>
                     <a:srgbClr val="000000"/>
                   </a:solidFill>
@@ -2728,7 +2729,7 @@
             </a:ln>
             <a:extLst>
               <a:ext uri="{91240B29-F687-4f45-9708-019B960494DF}">
-                <a14:hiddenLine xmlns:a14="http://schemas.microsoft.com/office/drawing/2010/main" xmlns="" w="9525">
+                <a14:hiddenLine xmlns="" xmlns:a14="http://schemas.microsoft.com/office/drawing/2010/main" w="9525">
                   <a:solidFill>
                     <a:srgbClr val="000000"/>
                   </a:solidFill>
@@ -2790,7 +2791,7 @@
             </a:ln>
             <a:extLst>
               <a:ext uri="{91240B29-F687-4f45-9708-019B960494DF}">
-                <a14:hiddenLine xmlns:a14="http://schemas.microsoft.com/office/drawing/2010/main" xmlns="" w="9525">
+                <a14:hiddenLine xmlns="" xmlns:a14="http://schemas.microsoft.com/office/drawing/2010/main" w="9525">
                   <a:solidFill>
                     <a:srgbClr val="000000"/>
                   </a:solidFill>
@@ -2880,7 +2881,7 @@
             </a:ln>
             <a:extLst>
               <a:ext uri="{91240B29-F687-4f45-9708-019B960494DF}">
-                <a14:hiddenLine xmlns:a14="http://schemas.microsoft.com/office/drawing/2010/main" xmlns="" w="9525">
+                <a14:hiddenLine xmlns="" xmlns:a14="http://schemas.microsoft.com/office/drawing/2010/main" w="9525">
                   <a:solidFill>
                     <a:srgbClr val="000000"/>
                   </a:solidFill>
@@ -2942,7 +2943,7 @@
             </a:ln>
             <a:extLst>
               <a:ext uri="{91240B29-F687-4f45-9708-019B960494DF}">
-                <a14:hiddenLine xmlns:a14="http://schemas.microsoft.com/office/drawing/2010/main" xmlns="" w="9525">
+                <a14:hiddenLine xmlns="" xmlns:a14="http://schemas.microsoft.com/office/drawing/2010/main" w="9525">
                   <a:solidFill>
                     <a:srgbClr val="000000"/>
                   </a:solidFill>
@@ -3032,7 +3033,7 @@
             </a:ln>
             <a:extLst>
               <a:ext uri="{91240B29-F687-4f45-9708-019B960494DF}">
-                <a14:hiddenLine xmlns:a14="http://schemas.microsoft.com/office/drawing/2010/main" xmlns="" w="9525">
+                <a14:hiddenLine xmlns="" xmlns:a14="http://schemas.microsoft.com/office/drawing/2010/main" w="9525">
                   <a:solidFill>
                     <a:srgbClr val="000000"/>
                   </a:solidFill>
@@ -3094,7 +3095,7 @@
             </a:ln>
             <a:extLst>
               <a:ext uri="{91240B29-F687-4f45-9708-019B960494DF}">
-                <a14:hiddenLine xmlns:a14="http://schemas.microsoft.com/office/drawing/2010/main" xmlns="" w="9525">
+                <a14:hiddenLine xmlns="" xmlns:a14="http://schemas.microsoft.com/office/drawing/2010/main" w="9525">
                   <a:solidFill>
                     <a:srgbClr val="000000"/>
                   </a:solidFill>
@@ -3184,7 +3185,7 @@
             </a:ln>
             <a:extLst>
               <a:ext uri="{91240B29-F687-4f45-9708-019B960494DF}">
-                <a14:hiddenLine xmlns:a14="http://schemas.microsoft.com/office/drawing/2010/main" xmlns="" w="9525">
+                <a14:hiddenLine xmlns="" xmlns:a14="http://schemas.microsoft.com/office/drawing/2010/main" w="9525">
                   <a:solidFill>
                     <a:srgbClr val="000000"/>
                   </a:solidFill>
@@ -3218,7 +3219,7 @@
             </a:ln>
             <a:extLst>
               <a:ext uri="{91240B29-F687-4f45-9708-019B960494DF}">
-                <a14:hiddenLine xmlns:a14="http://schemas.microsoft.com/office/drawing/2010/main" xmlns="" w="9525">
+                <a14:hiddenLine xmlns="" xmlns:a14="http://schemas.microsoft.com/office/drawing/2010/main" w="9525">
                   <a:solidFill>
                     <a:srgbClr val="000000"/>
                   </a:solidFill>
@@ -3283,7 +3284,7 @@
             </a:ln>
             <a:extLst>
               <a:ext uri="{91240B29-F687-4f45-9708-019B960494DF}">
-                <a14:hiddenLine xmlns:a14="http://schemas.microsoft.com/office/drawing/2010/main" xmlns="" w="9525">
+                <a14:hiddenLine xmlns="" xmlns:a14="http://schemas.microsoft.com/office/drawing/2010/main" w="9525">
                   <a:solidFill>
                     <a:srgbClr val="000000"/>
                   </a:solidFill>
@@ -3373,7 +3374,7 @@
             </a:ln>
             <a:extLst>
               <a:ext uri="{91240B29-F687-4f45-9708-019B960494DF}">
-                <a14:hiddenLine xmlns:a14="http://schemas.microsoft.com/office/drawing/2010/main" xmlns="" w="9525">
+                <a14:hiddenLine xmlns="" xmlns:a14="http://schemas.microsoft.com/office/drawing/2010/main" w="9525">
                   <a:solidFill>
                     <a:srgbClr val="000000"/>
                   </a:solidFill>
@@ -3435,7 +3436,7 @@
             </a:ln>
             <a:extLst>
               <a:ext uri="{91240B29-F687-4f45-9708-019B960494DF}">
-                <a14:hiddenLine xmlns:a14="http://schemas.microsoft.com/office/drawing/2010/main" xmlns="" w="9525">
+                <a14:hiddenLine xmlns="" xmlns:a14="http://schemas.microsoft.com/office/drawing/2010/main" w="9525">
                   <a:solidFill>
                     <a:srgbClr val="000000"/>
                   </a:solidFill>
@@ -3525,7 +3526,7 @@
             </a:ln>
             <a:extLst>
               <a:ext uri="{91240B29-F687-4f45-9708-019B960494DF}">
-                <a14:hiddenLine xmlns:a14="http://schemas.microsoft.com/office/drawing/2010/main" xmlns="" w="9525">
+                <a14:hiddenLine xmlns="" xmlns:a14="http://schemas.microsoft.com/office/drawing/2010/main" w="9525">
                   <a:solidFill>
                     <a:srgbClr val="000000"/>
                   </a:solidFill>
@@ -3615,7 +3616,7 @@
             </a:ln>
             <a:extLst>
               <a:ext uri="{91240B29-F687-4f45-9708-019B960494DF}">
-                <a14:hiddenLine xmlns:a14="http://schemas.microsoft.com/office/drawing/2010/main" xmlns="" w="9525">
+                <a14:hiddenLine xmlns="" xmlns:a14="http://schemas.microsoft.com/office/drawing/2010/main" w="9525">
                   <a:solidFill>
                     <a:srgbClr val="000000"/>
                   </a:solidFill>
@@ -3680,7 +3681,7 @@
             </a:ln>
             <a:extLst>
               <a:ext uri="{91240B29-F687-4f45-9708-019B960494DF}">
-                <a14:hiddenLine xmlns:a14="http://schemas.microsoft.com/office/drawing/2010/main" xmlns="" w="9525">
+                <a14:hiddenLine xmlns="" xmlns:a14="http://schemas.microsoft.com/office/drawing/2010/main" w="9525">
                   <a:solidFill>
                     <a:srgbClr val="000000"/>
                   </a:solidFill>
@@ -3742,7 +3743,7 @@
             </a:ln>
             <a:extLst>
               <a:ext uri="{91240B29-F687-4f45-9708-019B960494DF}">
-                <a14:hiddenLine xmlns:a14="http://schemas.microsoft.com/office/drawing/2010/main" xmlns="" w="9525">
+                <a14:hiddenLine xmlns="" xmlns:a14="http://schemas.microsoft.com/office/drawing/2010/main" w="9525">
                   <a:solidFill>
                     <a:srgbClr val="000000"/>
                   </a:solidFill>
@@ -3832,7 +3833,7 @@
             </a:ln>
             <a:extLst>
               <a:ext uri="{91240B29-F687-4f45-9708-019B960494DF}">
-                <a14:hiddenLine xmlns:a14="http://schemas.microsoft.com/office/drawing/2010/main" xmlns="" w="9525">
+                <a14:hiddenLine xmlns="" xmlns:a14="http://schemas.microsoft.com/office/drawing/2010/main" w="9525">
                   <a:solidFill>
                     <a:srgbClr val="000000"/>
                   </a:solidFill>
@@ -3922,7 +3923,7 @@
             </a:ln>
             <a:extLst>
               <a:ext uri="{91240B29-F687-4f45-9708-019B960494DF}">
-                <a14:hiddenLine xmlns:a14="http://schemas.microsoft.com/office/drawing/2010/main" xmlns="" w="9525">
+                <a14:hiddenLine xmlns="" xmlns:a14="http://schemas.microsoft.com/office/drawing/2010/main" w="9525">
                   <a:solidFill>
                     <a:srgbClr val="000000"/>
                   </a:solidFill>
@@ -3984,7 +3985,7 @@
             </a:ln>
             <a:extLst>
               <a:ext uri="{91240B29-F687-4f45-9708-019B960494DF}">
-                <a14:hiddenLine xmlns:a14="http://schemas.microsoft.com/office/drawing/2010/main" xmlns="" w="9525">
+                <a14:hiddenLine xmlns="" xmlns:a14="http://schemas.microsoft.com/office/drawing/2010/main" w="9525">
                   <a:solidFill>
                     <a:srgbClr val="000000"/>
                   </a:solidFill>
@@ -4104,7 +4105,7 @@
             </a:ln>
             <a:extLst>
               <a:ext uri="{91240B29-F687-4f45-9708-019B960494DF}">
-                <a14:hiddenLine xmlns:a14="http://schemas.microsoft.com/office/drawing/2010/main" xmlns="" w="9525">
+                <a14:hiddenLine xmlns="" xmlns:a14="http://schemas.microsoft.com/office/drawing/2010/main" w="9525">
                   <a:solidFill>
                     <a:srgbClr val="000000"/>
                   </a:solidFill>
@@ -4172,7 +4173,7 @@
             </a:ln>
             <a:extLst>
               <a:ext uri="{91240B29-F687-4f45-9708-019B960494DF}">
-                <a14:hiddenLine xmlns:a14="http://schemas.microsoft.com/office/drawing/2010/main" xmlns="" w="9525">
+                <a14:hiddenLine xmlns="" xmlns:a14="http://schemas.microsoft.com/office/drawing/2010/main" w="9525">
                   <a:solidFill>
                     <a:srgbClr val="000000"/>
                   </a:solidFill>
@@ -4262,7 +4263,7 @@
             </a:ln>
             <a:extLst>
               <a:ext uri="{91240B29-F687-4f45-9708-019B960494DF}">
-                <a14:hiddenLine xmlns:a14="http://schemas.microsoft.com/office/drawing/2010/main" xmlns="" w="9525">
+                <a14:hiddenLine xmlns="" xmlns:a14="http://schemas.microsoft.com/office/drawing/2010/main" w="9525">
                   <a:solidFill>
                     <a:srgbClr val="000000"/>
                   </a:solidFill>
@@ -4402,7 +4403,7 @@
           <a:p>
             <a:fld id="{48A87A34-81AB-432B-8DAE-1953F412C126}" type="datetimeFigureOut">
               <a:rPr lang="en-US" dirty="0"/>
-              <a:t>6/2/2023</a:t>
+              <a:t>6/4/2023</a:t>
             </a:fld>
             <a:endParaRPr lang="en-US" dirty="0"/>
           </a:p>
@@ -4664,7 +4665,7 @@
           <a:p>
             <a:fld id="{48A87A34-81AB-432B-8DAE-1953F412C126}" type="datetimeFigureOut">
               <a:rPr lang="en-US" dirty="0"/>
-              <a:t>6/2/2023</a:t>
+              <a:t>6/4/2023</a:t>
             </a:fld>
             <a:endParaRPr lang="en-US" dirty="0"/>
           </a:p>
@@ -4855,7 +4856,7 @@
           <a:p>
             <a:fld id="{48A87A34-81AB-432B-8DAE-1953F412C126}" type="datetimeFigureOut">
               <a:rPr lang="en-US" dirty="0"/>
-              <a:t>6/2/2023</a:t>
+              <a:t>6/4/2023</a:t>
             </a:fld>
             <a:endParaRPr lang="en-US" dirty="0"/>
           </a:p>
@@ -5113,7 +5114,7 @@
           <a:p>
             <a:fld id="{48A87A34-81AB-432B-8DAE-1953F412C126}" type="datetimeFigureOut">
               <a:rPr lang="en-US" dirty="0"/>
-              <a:t>6/2/2023</a:t>
+              <a:t>6/4/2023</a:t>
             </a:fld>
             <a:endParaRPr lang="en-US" dirty="0"/>
           </a:p>
@@ -5542,7 +5543,7 @@
           <a:p>
             <a:fld id="{48A87A34-81AB-432B-8DAE-1953F412C126}" type="datetimeFigureOut">
               <a:rPr lang="en-US" dirty="0"/>
-              <a:t>6/2/2023</a:t>
+              <a:t>6/4/2023</a:t>
             </a:fld>
             <a:endParaRPr lang="en-US" dirty="0"/>
           </a:p>
@@ -6083,7 +6084,7 @@
           <a:p>
             <a:fld id="{48A87A34-81AB-432B-8DAE-1953F412C126}" type="datetimeFigureOut">
               <a:rPr lang="en-US" dirty="0"/>
-              <a:t>6/2/2023</a:t>
+              <a:t>6/4/2023</a:t>
             </a:fld>
             <a:endParaRPr lang="en-US" dirty="0"/>
           </a:p>
@@ -6798,7 +6799,7 @@
           <a:p>
             <a:fld id="{48A87A34-81AB-432B-8DAE-1953F412C126}" type="datetimeFigureOut">
               <a:rPr lang="en-US" dirty="0"/>
-              <a:t>6/2/2023</a:t>
+              <a:t>6/4/2023</a:t>
             </a:fld>
             <a:endParaRPr lang="en-US" dirty="0"/>
           </a:p>
@@ -6963,7 +6964,7 @@
           <a:p>
             <a:fld id="{48A87A34-81AB-432B-8DAE-1953F412C126}" type="datetimeFigureOut">
               <a:rPr lang="en-US" dirty="0"/>
-              <a:t>6/2/2023</a:t>
+              <a:t>6/4/2023</a:t>
             </a:fld>
             <a:endParaRPr lang="en-US" dirty="0"/>
           </a:p>
@@ -7138,7 +7139,7 @@
           <a:p>
             <a:fld id="{48A87A34-81AB-432B-8DAE-1953F412C126}" type="datetimeFigureOut">
               <a:rPr lang="en-US" dirty="0"/>
-              <a:t>6/2/2023</a:t>
+              <a:t>6/4/2023</a:t>
             </a:fld>
             <a:endParaRPr lang="en-US" dirty="0"/>
           </a:p>
@@ -7303,7 +7304,7 @@
           <a:p>
             <a:fld id="{48A87A34-81AB-432B-8DAE-1953F412C126}" type="datetimeFigureOut">
               <a:rPr lang="en-US" dirty="0"/>
-              <a:t>6/2/2023</a:t>
+              <a:t>6/4/2023</a:t>
             </a:fld>
             <a:endParaRPr lang="en-US" dirty="0"/>
           </a:p>
@@ -7548,7 +7549,7 @@
           <a:p>
             <a:fld id="{48A87A34-81AB-432B-8DAE-1953F412C126}" type="datetimeFigureOut">
               <a:rPr lang="en-US" dirty="0"/>
-              <a:t>6/2/2023</a:t>
+              <a:t>6/4/2023</a:t>
             </a:fld>
             <a:endParaRPr lang="en-US" dirty="0"/>
           </a:p>
@@ -7775,7 +7776,7 @@
           <a:p>
             <a:fld id="{48A87A34-81AB-432B-8DAE-1953F412C126}" type="datetimeFigureOut">
               <a:rPr lang="en-US" dirty="0"/>
-              <a:t>6/2/2023</a:t>
+              <a:t>6/4/2023</a:t>
             </a:fld>
             <a:endParaRPr lang="en-US" dirty="0"/>
           </a:p>
@@ -8151,7 +8152,7 @@
           <a:p>
             <a:fld id="{48A87A34-81AB-432B-8DAE-1953F412C126}" type="datetimeFigureOut">
               <a:rPr lang="en-US" dirty="0"/>
-              <a:t>6/2/2023</a:t>
+              <a:t>6/4/2023</a:t>
             </a:fld>
             <a:endParaRPr lang="en-US" dirty="0"/>
           </a:p>
@@ -8264,7 +8265,7 @@
           <a:p>
             <a:fld id="{48A87A34-81AB-432B-8DAE-1953F412C126}" type="datetimeFigureOut">
               <a:rPr lang="en-US" dirty="0"/>
-              <a:t>6/2/2023</a:t>
+              <a:t>6/4/2023</a:t>
             </a:fld>
             <a:endParaRPr lang="en-US" dirty="0"/>
           </a:p>
@@ -8354,7 +8355,7 @@
           <a:p>
             <a:fld id="{48A87A34-81AB-432B-8DAE-1953F412C126}" type="datetimeFigureOut">
               <a:rPr lang="en-US" dirty="0"/>
-              <a:t>6/2/2023</a:t>
+              <a:t>6/4/2023</a:t>
             </a:fld>
             <a:endParaRPr lang="en-US" dirty="0"/>
           </a:p>
@@ -8598,7 +8599,7 @@
           <a:p>
             <a:fld id="{48A87A34-81AB-432B-8DAE-1953F412C126}" type="datetimeFigureOut">
               <a:rPr lang="en-US" dirty="0"/>
-              <a:t>6/2/2023</a:t>
+              <a:t>6/4/2023</a:t>
             </a:fld>
             <a:endParaRPr lang="en-US" dirty="0"/>
           </a:p>
@@ -8873,7 +8874,7 @@
           <a:p>
             <a:fld id="{48A87A34-81AB-432B-8DAE-1953F412C126}" type="datetimeFigureOut">
               <a:rPr lang="en-US" dirty="0"/>
-              <a:t>6/2/2023</a:t>
+              <a:t>6/4/2023</a:t>
             </a:fld>
             <a:endParaRPr lang="en-US" dirty="0"/>
           </a:p>
@@ -8991,7 +8992,7 @@
           <a:noFill/>
           <a:extLst>
             <a:ext uri="{909E8E84-426E-40dd-AFC4-6F175D3DCCD1}">
-              <a14:hiddenFill xmlns:a14="http://schemas.microsoft.com/office/drawing/2010/main" xmlns="">
+              <a14:hiddenFill xmlns="" xmlns:a14="http://schemas.microsoft.com/office/drawing/2010/main">
                 <a:solidFill>
                   <a:srgbClr val="FFFFFF"/>
                 </a:solidFill>
@@ -9065,7 +9066,7 @@
               </a:ln>
               <a:extLst>
                 <a:ext uri="{91240B29-F687-4f45-9708-019B960494DF}">
-                  <a14:hiddenLine xmlns:a14="http://schemas.microsoft.com/office/drawing/2010/main" xmlns="" w="9525">
+                  <a14:hiddenLine xmlns="" xmlns:a14="http://schemas.microsoft.com/office/drawing/2010/main" w="9525">
                     <a:solidFill>
                       <a:srgbClr val="000000"/>
                     </a:solidFill>
@@ -9155,7 +9156,7 @@
               </a:ln>
               <a:extLst>
                 <a:ext uri="{91240B29-F687-4f45-9708-019B960494DF}">
-                  <a14:hiddenLine xmlns:a14="http://schemas.microsoft.com/office/drawing/2010/main" xmlns="" w="9525">
+                  <a14:hiddenLine xmlns="" xmlns:a14="http://schemas.microsoft.com/office/drawing/2010/main" w="9525">
                     <a:solidFill>
                       <a:srgbClr val="000000"/>
                     </a:solidFill>
@@ -9245,7 +9246,7 @@
               </a:ln>
               <a:extLst>
                 <a:ext uri="{91240B29-F687-4f45-9708-019B960494DF}">
-                  <a14:hiddenLine xmlns:a14="http://schemas.microsoft.com/office/drawing/2010/main" xmlns="" w="9525">
+                  <a14:hiddenLine xmlns="" xmlns:a14="http://schemas.microsoft.com/office/drawing/2010/main" w="9525">
                     <a:solidFill>
                       <a:srgbClr val="000000"/>
                     </a:solidFill>
@@ -9307,7 +9308,7 @@
               </a:ln>
               <a:extLst>
                 <a:ext uri="{91240B29-F687-4f45-9708-019B960494DF}">
-                  <a14:hiddenLine xmlns:a14="http://schemas.microsoft.com/office/drawing/2010/main" xmlns="" w="9525">
+                  <a14:hiddenLine xmlns="" xmlns:a14="http://schemas.microsoft.com/office/drawing/2010/main" w="9525">
                     <a:solidFill>
                       <a:srgbClr val="000000"/>
                     </a:solidFill>
@@ -9397,7 +9398,7 @@
               </a:ln>
               <a:extLst>
                 <a:ext uri="{91240B29-F687-4f45-9708-019B960494DF}">
-                  <a14:hiddenLine xmlns:a14="http://schemas.microsoft.com/office/drawing/2010/main" xmlns="" w="9525">
+                  <a14:hiddenLine xmlns="" xmlns:a14="http://schemas.microsoft.com/office/drawing/2010/main" w="9525">
                     <a:solidFill>
                       <a:srgbClr val="000000"/>
                     </a:solidFill>
@@ -9459,7 +9460,7 @@
               </a:ln>
               <a:extLst>
                 <a:ext uri="{91240B29-F687-4f45-9708-019B960494DF}">
-                  <a14:hiddenLine xmlns:a14="http://schemas.microsoft.com/office/drawing/2010/main" xmlns="" w="9525">
+                  <a14:hiddenLine xmlns="" xmlns:a14="http://schemas.microsoft.com/office/drawing/2010/main" w="9525">
                     <a:solidFill>
                       <a:srgbClr val="000000"/>
                     </a:solidFill>
@@ -9521,7 +9522,7 @@
               </a:ln>
               <a:extLst>
                 <a:ext uri="{91240B29-F687-4f45-9708-019B960494DF}">
-                  <a14:hiddenLine xmlns:a14="http://schemas.microsoft.com/office/drawing/2010/main" xmlns="" w="9525">
+                  <a14:hiddenLine xmlns="" xmlns:a14="http://schemas.microsoft.com/office/drawing/2010/main" w="9525">
                     <a:solidFill>
                       <a:srgbClr val="000000"/>
                     </a:solidFill>
@@ -9611,7 +9612,7 @@
               </a:ln>
               <a:extLst>
                 <a:ext uri="{91240B29-F687-4f45-9708-019B960494DF}">
-                  <a14:hiddenLine xmlns:a14="http://schemas.microsoft.com/office/drawing/2010/main" xmlns="" w="9525">
+                  <a14:hiddenLine xmlns="" xmlns:a14="http://schemas.microsoft.com/office/drawing/2010/main" w="9525">
                     <a:solidFill>
                       <a:srgbClr val="000000"/>
                     </a:solidFill>
@@ -9701,7 +9702,7 @@
               </a:ln>
               <a:extLst>
                 <a:ext uri="{91240B29-F687-4f45-9708-019B960494DF}">
-                  <a14:hiddenLine xmlns:a14="http://schemas.microsoft.com/office/drawing/2010/main" xmlns="" w="9525">
+                  <a14:hiddenLine xmlns="" xmlns:a14="http://schemas.microsoft.com/office/drawing/2010/main" w="9525">
                     <a:solidFill>
                       <a:srgbClr val="000000"/>
                     </a:solidFill>
@@ -9763,7 +9764,7 @@
               </a:ln>
               <a:extLst>
                 <a:ext uri="{91240B29-F687-4f45-9708-019B960494DF}">
-                  <a14:hiddenLine xmlns:a14="http://schemas.microsoft.com/office/drawing/2010/main" xmlns="" w="9525">
+                  <a14:hiddenLine xmlns="" xmlns:a14="http://schemas.microsoft.com/office/drawing/2010/main" w="9525">
                     <a:solidFill>
                       <a:srgbClr val="000000"/>
                     </a:solidFill>
@@ -9873,7 +9874,7 @@
               </a:ln>
               <a:extLst>
                 <a:ext uri="{91240B29-F687-4f45-9708-019B960494DF}">
-                  <a14:hiddenLine xmlns:a14="http://schemas.microsoft.com/office/drawing/2010/main" xmlns="" w="9525">
+                  <a14:hiddenLine xmlns="" xmlns:a14="http://schemas.microsoft.com/office/drawing/2010/main" w="9525">
                     <a:solidFill>
                       <a:srgbClr val="000000"/>
                     </a:solidFill>
@@ -9957,7 +9958,7 @@
               </a:ln>
               <a:extLst>
                 <a:ext uri="{91240B29-F687-4f45-9708-019B960494DF}">
-                  <a14:hiddenLine xmlns:a14="http://schemas.microsoft.com/office/drawing/2010/main" xmlns="" w="9525">
+                  <a14:hiddenLine xmlns="" xmlns:a14="http://schemas.microsoft.com/office/drawing/2010/main" w="9525">
                     <a:solidFill>
                       <a:srgbClr val="000000"/>
                     </a:solidFill>
@@ -10019,7 +10020,7 @@
               </a:ln>
               <a:extLst>
                 <a:ext uri="{91240B29-F687-4f45-9708-019B960494DF}">
-                  <a14:hiddenLine xmlns:a14="http://schemas.microsoft.com/office/drawing/2010/main" xmlns="" w="9525">
+                  <a14:hiddenLine xmlns="" xmlns:a14="http://schemas.microsoft.com/office/drawing/2010/main" w="9525">
                     <a:solidFill>
                       <a:srgbClr val="000000"/>
                     </a:solidFill>
@@ -10081,7 +10082,7 @@
               </a:ln>
               <a:extLst>
                 <a:ext uri="{91240B29-F687-4f45-9708-019B960494DF}">
-                  <a14:hiddenLine xmlns:a14="http://schemas.microsoft.com/office/drawing/2010/main" xmlns="" w="9525">
+                  <a14:hiddenLine xmlns="" xmlns:a14="http://schemas.microsoft.com/office/drawing/2010/main" w="9525">
                     <a:solidFill>
                       <a:srgbClr val="000000"/>
                     </a:solidFill>
@@ -10171,7 +10172,7 @@
               </a:ln>
               <a:extLst>
                 <a:ext uri="{91240B29-F687-4f45-9708-019B960494DF}">
-                  <a14:hiddenLine xmlns:a14="http://schemas.microsoft.com/office/drawing/2010/main" xmlns="" w="9525">
+                  <a14:hiddenLine xmlns="" xmlns:a14="http://schemas.microsoft.com/office/drawing/2010/main" w="9525">
                     <a:solidFill>
                       <a:srgbClr val="000000"/>
                     </a:solidFill>
@@ -10205,7 +10206,7 @@
               </a:ln>
               <a:extLst>
                 <a:ext uri="{91240B29-F687-4f45-9708-019B960494DF}">
-                  <a14:hiddenLine xmlns:a14="http://schemas.microsoft.com/office/drawing/2010/main" xmlns="" w="9525">
+                  <a14:hiddenLine xmlns="" xmlns:a14="http://schemas.microsoft.com/office/drawing/2010/main" w="9525">
                     <a:solidFill>
                       <a:srgbClr val="000000"/>
                     </a:solidFill>
@@ -10270,7 +10271,7 @@
               </a:ln>
               <a:extLst>
                 <a:ext uri="{91240B29-F687-4f45-9708-019B960494DF}">
-                  <a14:hiddenLine xmlns:a14="http://schemas.microsoft.com/office/drawing/2010/main" xmlns="" w="9525">
+                  <a14:hiddenLine xmlns="" xmlns:a14="http://schemas.microsoft.com/office/drawing/2010/main" w="9525">
                     <a:solidFill>
                       <a:srgbClr val="000000"/>
                     </a:solidFill>
@@ -10360,7 +10361,7 @@
               </a:ln>
               <a:extLst>
                 <a:ext uri="{91240B29-F687-4f45-9708-019B960494DF}">
-                  <a14:hiddenLine xmlns:a14="http://schemas.microsoft.com/office/drawing/2010/main" xmlns="" w="9525">
+                  <a14:hiddenLine xmlns="" xmlns:a14="http://schemas.microsoft.com/office/drawing/2010/main" w="9525">
                     <a:solidFill>
                       <a:srgbClr val="000000"/>
                     </a:solidFill>
@@ -10422,7 +10423,7 @@
               </a:ln>
               <a:extLst>
                 <a:ext uri="{91240B29-F687-4f45-9708-019B960494DF}">
-                  <a14:hiddenLine xmlns:a14="http://schemas.microsoft.com/office/drawing/2010/main" xmlns="" w="9525">
+                  <a14:hiddenLine xmlns="" xmlns:a14="http://schemas.microsoft.com/office/drawing/2010/main" w="9525">
                     <a:solidFill>
                       <a:srgbClr val="000000"/>
                     </a:solidFill>
@@ -10512,7 +10513,7 @@
               </a:ln>
               <a:extLst>
                 <a:ext uri="{91240B29-F687-4f45-9708-019B960494DF}">
-                  <a14:hiddenLine xmlns:a14="http://schemas.microsoft.com/office/drawing/2010/main" xmlns="" w="9525">
+                  <a14:hiddenLine xmlns="" xmlns:a14="http://schemas.microsoft.com/office/drawing/2010/main" w="9525">
                     <a:solidFill>
                       <a:srgbClr val="000000"/>
                     </a:solidFill>
@@ -10577,7 +10578,7 @@
               </a:ln>
               <a:extLst>
                 <a:ext uri="{91240B29-F687-4f45-9708-019B960494DF}">
-                  <a14:hiddenLine xmlns:a14="http://schemas.microsoft.com/office/drawing/2010/main" xmlns="" w="9525">
+                  <a14:hiddenLine xmlns="" xmlns:a14="http://schemas.microsoft.com/office/drawing/2010/main" w="9525">
                     <a:solidFill>
                       <a:srgbClr val="000000"/>
                     </a:solidFill>
@@ -10639,7 +10640,7 @@
               </a:ln>
               <a:extLst>
                 <a:ext uri="{91240B29-F687-4f45-9708-019B960494DF}">
-                  <a14:hiddenLine xmlns:a14="http://schemas.microsoft.com/office/drawing/2010/main" xmlns="" w="9525">
+                  <a14:hiddenLine xmlns="" xmlns:a14="http://schemas.microsoft.com/office/drawing/2010/main" w="9525">
                     <a:solidFill>
                       <a:srgbClr val="000000"/>
                     </a:solidFill>
@@ -10729,7 +10730,7 @@
               </a:ln>
               <a:extLst>
                 <a:ext uri="{91240B29-F687-4f45-9708-019B960494DF}">
-                  <a14:hiddenLine xmlns:a14="http://schemas.microsoft.com/office/drawing/2010/main" xmlns="" w="9525">
+                  <a14:hiddenLine xmlns="" xmlns:a14="http://schemas.microsoft.com/office/drawing/2010/main" w="9525">
                     <a:solidFill>
                       <a:srgbClr val="000000"/>
                     </a:solidFill>
@@ -10819,7 +10820,7 @@
               </a:ln>
               <a:extLst>
                 <a:ext uri="{91240B29-F687-4f45-9708-019B960494DF}">
-                  <a14:hiddenLine xmlns:a14="http://schemas.microsoft.com/office/drawing/2010/main" xmlns="" w="9525">
+                  <a14:hiddenLine xmlns="" xmlns:a14="http://schemas.microsoft.com/office/drawing/2010/main" w="9525">
                     <a:solidFill>
                       <a:srgbClr val="000000"/>
                     </a:solidFill>
@@ -10884,7 +10885,7 @@
               </a:ln>
               <a:extLst>
                 <a:ext uri="{91240B29-F687-4f45-9708-019B960494DF}">
-                  <a14:hiddenLine xmlns:a14="http://schemas.microsoft.com/office/drawing/2010/main" xmlns="" w="9525">
+                  <a14:hiddenLine xmlns="" xmlns:a14="http://schemas.microsoft.com/office/drawing/2010/main" w="9525">
                     <a:solidFill>
                       <a:srgbClr val="000000"/>
                     </a:solidFill>
@@ -11004,7 +11005,7 @@
               </a:ln>
               <a:extLst>
                 <a:ext uri="{91240B29-F687-4f45-9708-019B960494DF}">
-                  <a14:hiddenLine xmlns:a14="http://schemas.microsoft.com/office/drawing/2010/main" xmlns="" w="9525">
+                  <a14:hiddenLine xmlns="" xmlns:a14="http://schemas.microsoft.com/office/drawing/2010/main" w="9525">
                     <a:solidFill>
                       <a:srgbClr val="000000"/>
                     </a:solidFill>
@@ -11085,7 +11086,7 @@
               </a:ln>
               <a:extLst>
                 <a:ext uri="{91240B29-F687-4f45-9708-019B960494DF}">
-                  <a14:hiddenLine xmlns:a14="http://schemas.microsoft.com/office/drawing/2010/main" xmlns="" w="9525">
+                  <a14:hiddenLine xmlns="" xmlns:a14="http://schemas.microsoft.com/office/drawing/2010/main" w="9525">
                     <a:solidFill>
                       <a:srgbClr val="000000"/>
                     </a:solidFill>
@@ -11200,7 +11201,7 @@
               </a:ln>
               <a:extLst>
                 <a:ext uri="{91240B29-F687-4f45-9708-019B960494DF}">
-                  <a14:hiddenLine xmlns:a14="http://schemas.microsoft.com/office/drawing/2010/main" xmlns="" w="9525">
+                  <a14:hiddenLine xmlns="" xmlns:a14="http://schemas.microsoft.com/office/drawing/2010/main" w="9525">
                     <a:solidFill>
                       <a:srgbClr val="000000"/>
                     </a:solidFill>
@@ -11290,7 +11291,7 @@
               </a:ln>
               <a:extLst>
                 <a:ext uri="{91240B29-F687-4f45-9708-019B960494DF}">
-                  <a14:hiddenLine xmlns:a14="http://schemas.microsoft.com/office/drawing/2010/main" xmlns="" w="9525">
+                  <a14:hiddenLine xmlns="" xmlns:a14="http://schemas.microsoft.com/office/drawing/2010/main" w="9525">
                     <a:solidFill>
                       <a:srgbClr val="000000"/>
                     </a:solidFill>
@@ -11355,7 +11356,7 @@
               </a:ln>
               <a:extLst>
                 <a:ext uri="{91240B29-F687-4f45-9708-019B960494DF}">
-                  <a14:hiddenLine xmlns:a14="http://schemas.microsoft.com/office/drawing/2010/main" xmlns="" w="9525">
+                  <a14:hiddenLine xmlns="" xmlns:a14="http://schemas.microsoft.com/office/drawing/2010/main" w="9525">
                     <a:solidFill>
                       <a:srgbClr val="000000"/>
                     </a:solidFill>
@@ -11445,7 +11446,7 @@
               </a:ln>
               <a:extLst>
                 <a:ext uri="{91240B29-F687-4f45-9708-019B960494DF}">
-                  <a14:hiddenLine xmlns:a14="http://schemas.microsoft.com/office/drawing/2010/main" xmlns="" w="9525">
+                  <a14:hiddenLine xmlns="" xmlns:a14="http://schemas.microsoft.com/office/drawing/2010/main" w="9525">
                     <a:solidFill>
                       <a:srgbClr val="000000"/>
                     </a:solidFill>
@@ -11513,7 +11514,7 @@
               </a:ln>
               <a:extLst>
                 <a:ext uri="{91240B29-F687-4f45-9708-019B960494DF}">
-                  <a14:hiddenLine xmlns:a14="http://schemas.microsoft.com/office/drawing/2010/main" xmlns="" w="9525">
+                  <a14:hiddenLine xmlns="" xmlns:a14="http://schemas.microsoft.com/office/drawing/2010/main" w="9525">
                     <a:solidFill>
                       <a:srgbClr val="000000"/>
                     </a:solidFill>
@@ -11603,7 +11604,7 @@
               </a:ln>
               <a:extLst>
                 <a:ext uri="{91240B29-F687-4f45-9708-019B960494DF}">
-                  <a14:hiddenLine xmlns:a14="http://schemas.microsoft.com/office/drawing/2010/main" xmlns="" w="9525">
+                  <a14:hiddenLine xmlns="" xmlns:a14="http://schemas.microsoft.com/office/drawing/2010/main" w="9525">
                     <a:solidFill>
                       <a:srgbClr val="000000"/>
                     </a:solidFill>
@@ -11671,7 +11672,7 @@
               </a:ln>
               <a:extLst>
                 <a:ext uri="{91240B29-F687-4f45-9708-019B960494DF}">
-                  <a14:hiddenLine xmlns:a14="http://schemas.microsoft.com/office/drawing/2010/main" xmlns="" w="9525">
+                  <a14:hiddenLine xmlns="" xmlns:a14="http://schemas.microsoft.com/office/drawing/2010/main" w="9525">
                     <a:solidFill>
                       <a:srgbClr val="000000"/>
                     </a:solidFill>
@@ -11761,7 +11762,7 @@
               </a:ln>
               <a:extLst>
                 <a:ext uri="{91240B29-F687-4f45-9708-019B960494DF}">
-                  <a14:hiddenLine xmlns:a14="http://schemas.microsoft.com/office/drawing/2010/main" xmlns="" w="9525">
+                  <a14:hiddenLine xmlns="" xmlns:a14="http://schemas.microsoft.com/office/drawing/2010/main" w="9525">
                     <a:solidFill>
                       <a:srgbClr val="000000"/>
                     </a:solidFill>
@@ -11795,7 +11796,7 @@
               </a:ln>
               <a:extLst>
                 <a:ext uri="{91240B29-F687-4f45-9708-019B960494DF}">
-                  <a14:hiddenLine xmlns:a14="http://schemas.microsoft.com/office/drawing/2010/main" xmlns="" w="9525">
+                  <a14:hiddenLine xmlns="" xmlns:a14="http://schemas.microsoft.com/office/drawing/2010/main" w="9525">
                     <a:solidFill>
                       <a:srgbClr val="000000"/>
                     </a:solidFill>
@@ -11936,7 +11937,7 @@
             <a:fld id="{48A87A34-81AB-432B-8DAE-1953F412C126}" type="datetimeFigureOut">
               <a:rPr lang="en-US" dirty="0"/>
               <a:pPr/>
-              <a:t>6/2/2023</a:t>
+              <a:t>6/4/2023</a:t>
             </a:fld>
             <a:endParaRPr lang="en-US" dirty="0"/>
           </a:p>
@@ -12430,6 +12431,109 @@
 </p:sld>
 </file>
 
+<file path=ppt/slides/slide10.xml><?xml version="1.0" encoding="utf-8"?>
+<p:sld xmlns:a="http://schemas.openxmlformats.org/drawingml/2006/main" xmlns:r="http://schemas.openxmlformats.org/officeDocument/2006/relationships" xmlns:p="http://schemas.openxmlformats.org/presentationml/2006/main">
+  <p:cSld>
+    <p:spTree>
+      <p:nvGrpSpPr>
+        <p:cNvPr id="1" name=""/>
+        <p:cNvGrpSpPr/>
+        <p:nvPr/>
+      </p:nvGrpSpPr>
+      <p:grpSpPr>
+        <a:xfrm>
+          <a:off x="0" y="0"/>
+          <a:ext cx="0" cy="0"/>
+          <a:chOff x="0" y="0"/>
+          <a:chExt cx="0" cy="0"/>
+        </a:xfrm>
+      </p:grpSpPr>
+      <p:sp>
+        <p:nvSpPr>
+          <p:cNvPr id="2" name="Título 1">
+            <a:extLst>
+              <a:ext uri="{FF2B5EF4-FFF2-40B4-BE49-F238E27FC236}">
+                <a16:creationId xmlns:a16="http://schemas.microsoft.com/office/drawing/2014/main" id="{F1E8B182-0BB3-17B7-2C60-DA7075DADD60}"/>
+              </a:ext>
+            </a:extLst>
+          </p:cNvPr>
+          <p:cNvSpPr>
+            <a:spLocks noGrp="1"/>
+          </p:cNvSpPr>
+          <p:nvPr>
+            <p:ph type="title"/>
+          </p:nvPr>
+        </p:nvSpPr>
+        <p:spPr/>
+        <p:txBody>
+          <a:bodyPr/>
+          <a:lstStyle/>
+          <a:p>
+            <a:r>
+              <a:rPr lang="en-GB" dirty="0"/>
+              <a:t>problems</a:t>
+            </a:r>
+          </a:p>
+        </p:txBody>
+      </p:sp>
+      <p:sp>
+        <p:nvSpPr>
+          <p:cNvPr id="3" name="Marcador de Posição de Conteúdo 2">
+            <a:extLst>
+              <a:ext uri="{FF2B5EF4-FFF2-40B4-BE49-F238E27FC236}">
+                <a16:creationId xmlns:a16="http://schemas.microsoft.com/office/drawing/2014/main" id="{0D22CAE7-D1EC-8634-F7BA-768ED729BEDF}"/>
+              </a:ext>
+            </a:extLst>
+          </p:cNvPr>
+          <p:cNvSpPr>
+            <a:spLocks noGrp="1"/>
+          </p:cNvSpPr>
+          <p:nvPr>
+            <p:ph idx="1"/>
+          </p:nvPr>
+        </p:nvSpPr>
+        <p:spPr>
+          <a:xfrm>
+            <a:off x="1141412" y="2097088"/>
+            <a:ext cx="9905999" cy="3541714"/>
+          </a:xfrm>
+        </p:spPr>
+        <p:txBody>
+          <a:bodyPr>
+            <a:normAutofit/>
+          </a:bodyPr>
+          <a:lstStyle/>
+          <a:p>
+            <a:r>
+              <a:rPr lang="en-GB" sz="2800" dirty="0"/>
+              <a:t>Graph:</a:t>
+            </a:r>
+          </a:p>
+          <a:p>
+            <a:pPr lvl="2"/>
+            <a:r>
+              <a:rPr lang="en-GB" sz="2000" dirty="0"/>
+              <a:t>The distance values obtained through our algorithms vary and sometimes are quite ridiculous and outright wrong</a:t>
+            </a:r>
+          </a:p>
+        </p:txBody>
+      </p:sp>
+    </p:spTree>
+    <p:extLst>
+      <p:ext uri="{BB962C8B-B14F-4D97-AF65-F5344CB8AC3E}">
+        <p14:creationId xmlns:p14="http://schemas.microsoft.com/office/powerpoint/2010/main" val="3542938484"/>
+      </p:ext>
+    </p:extLst>
+  </p:cSld>
+  <p:clrMapOvr>
+    <a:masterClrMapping/>
+  </p:clrMapOvr>
+  <p:transition spd="slow">
+    <p:push dir="u"/>
+  </p:transition>
+</p:sld>
+</file>
+
 <file path=ppt/slides/slide2.xml><?xml version="1.0" encoding="utf-8"?>
 <p:sld xmlns:a="http://schemas.openxmlformats.org/drawingml/2006/main" xmlns:r="http://schemas.openxmlformats.org/officeDocument/2006/relationships" xmlns:p="http://schemas.openxmlformats.org/presentationml/2006/main">
   <p:cSld>
@@ -12832,13 +12936,13 @@
           <a:lstStyle/>
           <a:p>
             <a:r>
-              <a:rPr lang="en-US" sz="2000" dirty="0" err="1">
+              <a:rPr lang="en-US" dirty="0" err="1">
                 <a:effectLst/>
               </a:rPr>
               <a:t>Menu.h</a:t>
             </a:r>
             <a:r>
-              <a:rPr lang="en-US" sz="2000" dirty="0">
+              <a:rPr lang="en-US" dirty="0">
                 <a:effectLst/>
               </a:rPr>
               <a:t>: </a:t>
@@ -12846,16 +12950,16 @@
           </a:p>
           <a:p>
             <a:r>
-              <a:rPr lang="en-US" sz="1600" dirty="0"/>
+              <a:rPr lang="en-US" sz="1800" dirty="0"/>
               <a:t>Menus:</a:t>
             </a:r>
-            <a:endParaRPr lang="en-US" sz="1600" dirty="0">
+            <a:endParaRPr lang="en-US" sz="1800" dirty="0">
               <a:effectLst/>
             </a:endParaRPr>
           </a:p>
           <a:p>
             <a:r>
-              <a:rPr lang="en-US" sz="1600" dirty="0" err="1">
+              <a:rPr lang="en-US" sz="1800" dirty="0" err="1">
                 <a:solidFill>
                   <a:srgbClr val="FFC66D"/>
                 </a:solidFill>
@@ -12865,7 +12969,7 @@
               <a:t>SelectGraphMenu</a:t>
             </a:r>
             <a:r>
-              <a:rPr lang="en-US" sz="1600" dirty="0">
+              <a:rPr lang="en-US" sz="1800" dirty="0">
                 <a:solidFill>
                   <a:srgbClr val="FFC66D"/>
                 </a:solidFill>
@@ -12875,19 +12979,19 @@
               <a:t> </a:t>
             </a:r>
             <a:r>
-              <a:rPr lang="en-US" sz="1600" dirty="0">
+              <a:rPr lang="en-US" sz="1800" dirty="0">
                 <a:effectLst/>
                 <a:latin typeface="JetBrains Mono"/>
               </a:rPr>
               <a:t>– First menu to appear where the user selects the graph desired</a:t>
             </a:r>
-            <a:endParaRPr lang="en-US" sz="1600" dirty="0">
+            <a:endParaRPr lang="en-US" sz="1800" dirty="0">
               <a:latin typeface="JetBrains Mono"/>
             </a:endParaRPr>
           </a:p>
           <a:p>
             <a:r>
-              <a:rPr lang="en-US" sz="1600" dirty="0" err="1">
+              <a:rPr lang="en-US" sz="1800" dirty="0" err="1">
                 <a:solidFill>
                   <a:srgbClr val="FFC66D"/>
                 </a:solidFill>
@@ -12897,7 +13001,7 @@
               <a:t>MainMenu</a:t>
             </a:r>
             <a:r>
-              <a:rPr lang="en-US" sz="1600" dirty="0">
+              <a:rPr lang="en-US" sz="1800" dirty="0">
                 <a:solidFill>
                   <a:srgbClr val="FFC66D"/>
                 </a:solidFill>
@@ -12907,14 +13011,14 @@
               <a:t> </a:t>
             </a:r>
             <a:r>
-              <a:rPr lang="en-US" sz="1600" dirty="0">
+              <a:rPr lang="en-US" sz="1800" dirty="0">
                 <a:effectLst/>
                 <a:latin typeface="JetBrains Mono"/>
               </a:rPr>
               <a:t>– Main menu </a:t>
             </a:r>
             <a:r>
-              <a:rPr lang="en-US" sz="1600" dirty="0">
+              <a:rPr lang="en-US" sz="1800" dirty="0">
                 <a:latin typeface="JetBrains Mono"/>
               </a:rPr>
               <a:t>where user can select the main functionalities implemented</a:t>
@@ -12922,7 +13026,7 @@
           </a:p>
           <a:p>
             <a:r>
-              <a:rPr lang="en-US" sz="1600" dirty="0" err="1">
+              <a:rPr lang="en-US" sz="1800" dirty="0" err="1">
                 <a:solidFill>
                   <a:srgbClr val="FFC66D"/>
                 </a:solidFill>
@@ -12932,7 +13036,7 @@
               <a:t>InfoMenu</a:t>
             </a:r>
             <a:r>
-              <a:rPr lang="en-US" sz="1600" dirty="0">
+              <a:rPr lang="en-US" sz="1800" dirty="0">
                 <a:solidFill>
                   <a:srgbClr val="FFC66D"/>
                 </a:solidFill>
@@ -12942,7 +13046,7 @@
               <a:t> </a:t>
             </a:r>
             <a:r>
-              <a:rPr lang="en-US" sz="1600" dirty="0">
+              <a:rPr lang="en-US" sz="1800" dirty="0">
                 <a:effectLst/>
                 <a:latin typeface="JetBrains Mono"/>
               </a:rPr>
@@ -12951,7 +13055,7 @@
           </a:p>
           <a:p>
             <a:r>
-              <a:rPr kumimoji="0" lang="en-US" altLang="pt-PT" sz="1600" b="0" i="0" u="none" strike="noStrike" cap="none" normalizeH="0" baseline="0" dirty="0">
+              <a:rPr kumimoji="0" lang="en-US" altLang="pt-PT" sz="1800" b="0" i="0" u="none" strike="noStrike" cap="none" normalizeH="0" baseline="0" dirty="0">
                 <a:ln>
                   <a:noFill/>
                 </a:ln>
@@ -12965,7 +13069,7 @@
           </a:p>
           <a:p>
             <a:r>
-              <a:rPr lang="en-US" sz="1600" dirty="0" err="1">
+              <a:rPr lang="en-US" sz="1800" dirty="0" err="1">
                 <a:solidFill>
                   <a:srgbClr val="FFC66D"/>
                 </a:solidFill>
@@ -12975,7 +13079,7 @@
               <a:t>printTitle</a:t>
             </a:r>
             <a:r>
-              <a:rPr lang="en-US" sz="1600" dirty="0">
+              <a:rPr lang="en-US" sz="1800" dirty="0">
                 <a:solidFill>
                   <a:srgbClr val="A9B7C6"/>
                 </a:solidFill>
@@ -12984,7 +13088,7 @@
               <a:t> </a:t>
             </a:r>
             <a:r>
-              <a:rPr lang="en-US" sz="1600" dirty="0">
+              <a:rPr lang="en-US" sz="1800" dirty="0">
                 <a:latin typeface="JetBrains Mono"/>
               </a:rPr>
               <a:t>– Function that prints this project’s title</a:t>
@@ -12992,7 +13096,7 @@
           </a:p>
           <a:p>
             <a:r>
-              <a:rPr lang="en-US" sz="1600" dirty="0" err="1">
+              <a:rPr lang="en-US" sz="1800" dirty="0" err="1">
                 <a:solidFill>
                   <a:srgbClr val="FFC66D"/>
                 </a:solidFill>
@@ -13002,7 +13106,7 @@
               <a:t>getUserInput</a:t>
             </a:r>
             <a:r>
-              <a:rPr lang="en-US" sz="1600" dirty="0">
+              <a:rPr lang="en-US" sz="1800" dirty="0">
                 <a:solidFill>
                   <a:srgbClr val="FFC66D"/>
                 </a:solidFill>
@@ -13012,19 +13116,19 @@
               <a:t> </a:t>
             </a:r>
             <a:r>
-              <a:rPr lang="en-US" sz="1600" dirty="0">
+              <a:rPr lang="en-US" sz="1800" dirty="0">
                 <a:effectLst/>
                 <a:latin typeface="JetBrains Mono"/>
               </a:rPr>
               <a:t>– Function that receives the user’s input</a:t>
             </a:r>
-            <a:endParaRPr lang="en-US" sz="1600" dirty="0">
+            <a:endParaRPr lang="en-US" sz="1800" dirty="0">
               <a:latin typeface="JetBrains Mono"/>
             </a:endParaRPr>
           </a:p>
           <a:p>
             <a:r>
-              <a:rPr lang="en-US" sz="1600" dirty="0" err="1">
+              <a:rPr lang="en-US" sz="1800" dirty="0" err="1">
                 <a:solidFill>
                   <a:srgbClr val="FFC66D"/>
                 </a:solidFill>
@@ -13034,7 +13138,7 @@
               <a:t>clearScreen</a:t>
             </a:r>
             <a:r>
-              <a:rPr lang="en-US" sz="1600" dirty="0">
+              <a:rPr lang="en-US" sz="1800" dirty="0">
                 <a:solidFill>
                   <a:srgbClr val="FFC66D"/>
                 </a:solidFill>
@@ -13044,26 +13148,26 @@
               <a:t> </a:t>
             </a:r>
             <a:r>
-              <a:rPr lang="en-US" sz="1600" dirty="0">
+              <a:rPr lang="en-US" sz="1800" dirty="0">
                 <a:effectLst/>
                 <a:latin typeface="JetBrains Mono"/>
               </a:rPr>
               <a:t>– </a:t>
             </a:r>
             <a:r>
-              <a:rPr lang="en-US" sz="1600" dirty="0">
+              <a:rPr lang="en-US" sz="1800" dirty="0">
                 <a:latin typeface="JetBrains Mono"/>
               </a:rPr>
               <a:t> Function that clears the terminal</a:t>
             </a:r>
-            <a:endParaRPr lang="en-US" sz="1600" dirty="0">
+            <a:endParaRPr lang="en-US" sz="1800" dirty="0">
               <a:effectLst/>
               <a:latin typeface="JetBrains Mono"/>
             </a:endParaRPr>
           </a:p>
           <a:p>
             <a:r>
-              <a:rPr lang="en-US" sz="1600">
+              <a:rPr lang="en-US" sz="1800" dirty="0">
                 <a:solidFill>
                   <a:srgbClr val="FFC66D"/>
                 </a:solidFill>
@@ -13073,27 +13177,13 @@
               <a:t>print </a:t>
             </a:r>
             <a:r>
-              <a:rPr lang="en-US" sz="1600">
+              <a:rPr lang="en-US" sz="1800" dirty="0">
                 <a:effectLst/>
                 <a:latin typeface="JetBrains Mono"/>
               </a:rPr>
-              <a:t>– </a:t>
-            </a:r>
-            <a:r>
-              <a:rPr lang="en-US" sz="1600" dirty="0">
-                <a:effectLst/>
-                <a:latin typeface="JetBrains Mono"/>
-              </a:rPr>
-              <a:t>Functions used to print </a:t>
-            </a:r>
-            <a:r>
-              <a:rPr lang="en-US" sz="1600">
-                <a:effectLst/>
-                <a:latin typeface="JetBrains Mono"/>
-              </a:rPr>
-              <a:t>certain data as a table or as a path</a:t>
-            </a:r>
-            <a:endParaRPr kumimoji="0" lang="pt-PT" altLang="pt-PT" sz="2000" b="0" i="0" u="none" strike="noStrike" cap="none" normalizeH="0" baseline="0" dirty="0">
+              <a:t>– Functions used to print certain data as a table or as a path</a:t>
+            </a:r>
+            <a:endParaRPr kumimoji="0" lang="pt-PT" altLang="pt-PT" b="0" i="0" u="none" strike="noStrike" cap="none" normalizeH="0" baseline="0" dirty="0">
               <a:ln>
                 <a:noFill/>
               </a:ln>
@@ -13226,7 +13316,7 @@
               <a:defRPr/>
             </a:pPr>
             <a:r>
-              <a:rPr kumimoji="0" lang="en-GB" sz="2000" b="0" i="0" u="none" strike="noStrike" kern="1200" cap="none" spc="0" normalizeH="0" baseline="0" noProof="0" dirty="0" err="1">
+              <a:rPr kumimoji="0" lang="en-GB" b="0" i="0" u="none" strike="noStrike" kern="1200" cap="none" spc="0" normalizeH="0" baseline="0" noProof="0" dirty="0" err="1">
                 <a:ln>
                   <a:noFill/>
                 </a:ln>
@@ -13243,7 +13333,7 @@
               <a:t>Data.h</a:t>
             </a:r>
             <a:r>
-              <a:rPr kumimoji="0" lang="en-GB" sz="2000" b="0" i="0" u="none" strike="noStrike" kern="1200" cap="none" spc="0" normalizeH="0" baseline="0" noProof="0" dirty="0">
+              <a:rPr kumimoji="0" lang="en-GB" b="0" i="0" u="none" strike="noStrike" kern="1200" cap="none" spc="0" normalizeH="0" baseline="0" noProof="0" dirty="0">
                 <a:ln>
                   <a:noFill/>
                 </a:ln>
@@ -13279,7 +13369,7 @@
               <a:defRPr/>
             </a:pPr>
             <a:r>
-              <a:rPr kumimoji="0" lang="en-GB" sz="1600" b="0" i="0" u="none" strike="noStrike" kern="1200" cap="none" spc="0" normalizeH="0" baseline="0" noProof="0" dirty="0">
+              <a:rPr kumimoji="0" lang="en-GB" sz="1800" b="0" i="0" u="none" strike="noStrike" kern="1200" cap="none" spc="0" normalizeH="0" baseline="0" noProof="0" dirty="0">
                 <a:ln>
                   <a:noFill/>
                 </a:ln>
@@ -13315,7 +13405,7 @@
               <a:defRPr/>
             </a:pPr>
             <a:r>
-              <a:rPr kumimoji="0" lang="en-US" sz="1600" b="0" i="0" u="none" strike="noStrike" kern="1200" cap="none" spc="0" normalizeH="0" baseline="0" noProof="0" dirty="0" err="1">
+              <a:rPr kumimoji="0" lang="en-US" sz="1800" b="0" i="0" u="none" strike="noStrike" kern="1200" cap="none" spc="0" normalizeH="0" baseline="0" noProof="0" dirty="0" err="1">
                 <a:ln>
                   <a:noFill/>
                 </a:ln>
@@ -13332,7 +13422,7 @@
               <a:t>readRealGraphs</a:t>
             </a:r>
             <a:r>
-              <a:rPr kumimoji="0" lang="en-US" sz="1600" b="0" i="0" u="none" strike="noStrike" kern="1200" cap="none" spc="0" normalizeH="0" baseline="0" noProof="0" dirty="0">
+              <a:rPr kumimoji="0" lang="en-US" sz="1800" b="0" i="0" u="none" strike="noStrike" kern="1200" cap="none" spc="0" normalizeH="0" baseline="0" noProof="0" dirty="0">
                 <a:ln>
                   <a:noFill/>
                 </a:ln>
@@ -13349,7 +13439,7 @@
               <a:t> </a:t>
             </a:r>
             <a:r>
-              <a:rPr kumimoji="0" lang="en-US" sz="1600" b="0" i="0" u="none" strike="noStrike" kern="1200" cap="none" spc="0" normalizeH="0" baseline="0" noProof="0" dirty="0">
+              <a:rPr kumimoji="0" lang="en-US" sz="1800" b="0" i="0" u="none" strike="noStrike" kern="1200" cap="none" spc="0" normalizeH="0" baseline="0" noProof="0" dirty="0">
                 <a:ln>
                   <a:noFill/>
                 </a:ln>
@@ -13385,7 +13475,7 @@
               <a:defRPr/>
             </a:pPr>
             <a:r>
-              <a:rPr kumimoji="0" lang="en-US" sz="1600" b="0" i="0" u="none" strike="noStrike" kern="1200" cap="none" spc="0" normalizeH="0" baseline="0" noProof="0" dirty="0" err="1">
+              <a:rPr kumimoji="0" lang="en-US" sz="1800" b="0" i="0" u="none" strike="noStrike" kern="1200" cap="none" spc="0" normalizeH="0" baseline="0" noProof="0" dirty="0" err="1">
                 <a:ln>
                   <a:noFill/>
                 </a:ln>
@@ -13402,7 +13492,7 @@
               <a:t>readToyGraphs</a:t>
             </a:r>
             <a:r>
-              <a:rPr kumimoji="0" lang="en-US" sz="1600" b="0" i="0" u="none" strike="noStrike" kern="1200" cap="none" spc="0" normalizeH="0" baseline="0" noProof="0" dirty="0">
+              <a:rPr kumimoji="0" lang="en-US" sz="1800" b="0" i="0" u="none" strike="noStrike" kern="1200" cap="none" spc="0" normalizeH="0" baseline="0" noProof="0" dirty="0">
                 <a:ln>
                   <a:noFill/>
                 </a:ln>
@@ -13419,7 +13509,7 @@
               <a:t> </a:t>
             </a:r>
             <a:r>
-              <a:rPr kumimoji="0" lang="en-US" sz="1600" b="0" i="0" u="none" strike="noStrike" kern="1200" cap="none" spc="0" normalizeH="0" baseline="0" noProof="0" dirty="0">
+              <a:rPr kumimoji="0" lang="en-US" sz="1800" b="0" i="0" u="none" strike="noStrike" kern="1200" cap="none" spc="0" normalizeH="0" baseline="0" noProof="0" dirty="0">
                 <a:ln>
                   <a:noFill/>
                 </a:ln>
@@ -13455,7 +13545,7 @@
               <a:defRPr/>
             </a:pPr>
             <a:r>
-              <a:rPr kumimoji="0" lang="en-US" sz="1600" b="0" i="0" u="none" strike="noStrike" kern="1200" cap="none" spc="0" normalizeH="0" baseline="0" noProof="0" dirty="0" err="1">
+              <a:rPr kumimoji="0" lang="en-US" sz="1800" b="0" i="0" u="none" strike="noStrike" kern="1200" cap="none" spc="0" normalizeH="0" baseline="0" noProof="0" dirty="0" err="1">
                 <a:ln>
                   <a:noFill/>
                 </a:ln>
@@ -13472,7 +13562,7 @@
               <a:t>readExtraGraphs</a:t>
             </a:r>
             <a:r>
-              <a:rPr kumimoji="0" lang="en-US" sz="1600" b="0" i="0" u="none" strike="noStrike" kern="1200" cap="none" spc="0" normalizeH="0" baseline="0" noProof="0" dirty="0">
+              <a:rPr kumimoji="0" lang="en-US" sz="1800" b="0" i="0" u="none" strike="noStrike" kern="1200" cap="none" spc="0" normalizeH="0" baseline="0" noProof="0" dirty="0">
                 <a:ln>
                   <a:noFill/>
                 </a:ln>
@@ -13489,7 +13579,7 @@
               <a:t> </a:t>
             </a:r>
             <a:r>
-              <a:rPr kumimoji="0" lang="en-US" sz="1600" b="0" i="0" u="none" strike="noStrike" kern="1200" cap="none" spc="0" normalizeH="0" baseline="0" noProof="0" dirty="0">
+              <a:rPr kumimoji="0" lang="en-US" sz="1800" b="0" i="0" u="none" strike="noStrike" kern="1200" cap="none" spc="0" normalizeH="0" baseline="0" noProof="0" dirty="0">
                 <a:ln>
                   <a:noFill/>
                 </a:ln>
@@ -13525,7 +13615,7 @@
               <a:defRPr/>
             </a:pPr>
             <a:r>
-              <a:rPr kumimoji="0" lang="en-US" sz="1600" b="0" i="0" u="none" strike="noStrike" kern="1200" cap="none" spc="0" normalizeH="0" baseline="0" noProof="0" dirty="0">
+              <a:rPr kumimoji="0" lang="en-US" sz="1800" b="0" i="0" u="none" strike="noStrike" kern="1200" cap="none" spc="0" normalizeH="0" baseline="0" noProof="0" dirty="0">
                 <a:ln>
                   <a:noFill/>
                 </a:ln>
@@ -13561,7 +13651,7 @@
               <a:defRPr/>
             </a:pPr>
             <a:r>
-              <a:rPr kumimoji="0" lang="en-US" sz="1600" b="0" i="0" u="none" strike="noStrike" kern="1200" cap="none" spc="0" normalizeH="0" baseline="0" noProof="0" dirty="0" err="1">
+              <a:rPr kumimoji="0" lang="en-US" sz="1800" b="0" i="0" u="none" strike="noStrike" kern="1200" cap="none" spc="0" normalizeH="0" baseline="0" noProof="0" dirty="0" err="1">
                 <a:ln>
                   <a:noFill/>
                 </a:ln>
@@ -13578,7 +13668,7 @@
               <a:t>getGraph</a:t>
             </a:r>
             <a:r>
-              <a:rPr kumimoji="0" lang="en-US" sz="1600" b="0" i="0" u="none" strike="noStrike" kern="1200" cap="none" spc="0" normalizeH="0" baseline="0" noProof="0" dirty="0">
+              <a:rPr kumimoji="0" lang="en-US" sz="1800" b="0" i="0" u="none" strike="noStrike" kern="1200" cap="none" spc="0" normalizeH="0" baseline="0" noProof="0" dirty="0">
                 <a:ln>
                   <a:noFill/>
                 </a:ln>
@@ -13595,7 +13685,7 @@
               <a:t> </a:t>
             </a:r>
             <a:r>
-              <a:rPr kumimoji="0" lang="en-US" sz="1600" b="0" i="0" u="none" strike="noStrike" kern="1200" cap="none" spc="0" normalizeH="0" baseline="0" noProof="0" dirty="0">
+              <a:rPr kumimoji="0" lang="en-US" sz="1800" b="0" i="0" u="none" strike="noStrike" kern="1200" cap="none" spc="0" normalizeH="0" baseline="0" noProof="0" dirty="0">
                 <a:ln>
                   <a:noFill/>
                 </a:ln>
@@ -13612,7 +13702,7 @@
               <a:t>– Returns the Graph </a:t>
             </a:r>
             <a:r>
-              <a:rPr kumimoji="0" lang="en-US" sz="1600" b="0" i="0" u="none" strike="noStrike" kern="1200" cap="none" spc="0" normalizeH="0" baseline="0" noProof="0" dirty="0" err="1">
+              <a:rPr kumimoji="0" lang="en-US" sz="1800" b="0" i="0" u="none" strike="noStrike" kern="1200" cap="none" spc="0" normalizeH="0" baseline="0" noProof="0" dirty="0" err="1">
                 <a:ln>
                   <a:noFill/>
                 </a:ln>
@@ -13628,7 +13718,7 @@
               </a:rPr>
               <a:t>graph</a:t>
             </a:r>
-            <a:endParaRPr kumimoji="0" lang="en-US" sz="1600" b="0" i="0" u="none" strike="noStrike" kern="1200" cap="none" spc="0" normalizeH="0" baseline="0" noProof="0" dirty="0">
+            <a:endParaRPr kumimoji="0" lang="en-US" sz="1800" b="0" i="0" u="none" strike="noStrike" kern="1200" cap="none" spc="0" normalizeH="0" baseline="0" noProof="0" dirty="0">
               <a:ln>
                 <a:noFill/>
               </a:ln>
@@ -13662,7 +13752,7 @@
               <a:defRPr/>
             </a:pPr>
             <a:r>
-              <a:rPr kumimoji="0" lang="en-US" sz="1600" b="0" i="0" u="none" strike="noStrike" kern="1200" cap="none" spc="0" normalizeH="0" baseline="0" noProof="0" dirty="0" err="1">
+              <a:rPr kumimoji="0" lang="en-US" sz="1800" b="0" i="0" u="none" strike="noStrike" kern="1200" cap="none" spc="0" normalizeH="0" baseline="0" noProof="0" dirty="0" err="1">
                 <a:ln>
                   <a:noFill/>
                 </a:ln>
@@ -13679,7 +13769,7 @@
               <a:t>getRealGraph</a:t>
             </a:r>
             <a:r>
-              <a:rPr kumimoji="0" lang="en-US" sz="1600" b="0" i="0" u="none" strike="noStrike" kern="1200" cap="none" spc="0" normalizeH="0" baseline="0" noProof="0" dirty="0">
+              <a:rPr kumimoji="0" lang="en-US" sz="1800" b="0" i="0" u="none" strike="noStrike" kern="1200" cap="none" spc="0" normalizeH="0" baseline="0" noProof="0" dirty="0">
                 <a:ln>
                   <a:noFill/>
                 </a:ln>
@@ -13696,7 +13786,7 @@
               <a:t> </a:t>
             </a:r>
             <a:r>
-              <a:rPr kumimoji="0" lang="en-US" sz="1600" b="0" i="0" u="none" strike="noStrike" kern="1200" cap="none" spc="0" normalizeH="0" baseline="0" noProof="0" dirty="0">
+              <a:rPr kumimoji="0" lang="en-US" sz="1800" b="0" i="0" u="none" strike="noStrike" kern="1200" cap="none" spc="0" normalizeH="0" baseline="0" noProof="0" dirty="0">
                 <a:ln>
                   <a:noFill/>
                 </a:ln>
@@ -13713,7 +13803,7 @@
               <a:t>– Returns the Boolean </a:t>
             </a:r>
             <a:r>
-              <a:rPr kumimoji="0" lang="en-US" sz="1600" b="0" i="0" u="none" strike="noStrike" kern="1200" cap="none" spc="0" normalizeH="0" baseline="0" noProof="0" dirty="0" err="1">
+              <a:rPr kumimoji="0" lang="en-US" sz="1800" b="0" i="0" u="none" strike="noStrike" kern="1200" cap="none" spc="0" normalizeH="0" baseline="0" noProof="0" dirty="0" err="1">
                 <a:ln>
                   <a:noFill/>
                 </a:ln>
@@ -13729,7 +13819,7 @@
               </a:rPr>
               <a:t>realGraph</a:t>
             </a:r>
-            <a:endParaRPr kumimoji="0" lang="en-US" sz="1600" b="0" i="0" u="none" strike="noStrike" kern="1200" cap="none" spc="0" normalizeH="0" baseline="0" noProof="0" dirty="0">
+            <a:endParaRPr kumimoji="0" lang="en-US" sz="1800" b="0" i="0" u="none" strike="noStrike" kern="1200" cap="none" spc="0" normalizeH="0" baseline="0" noProof="0" dirty="0">
               <a:ln>
                 <a:noFill/>
               </a:ln>
@@ -13763,7 +13853,7 @@
               <a:defRPr/>
             </a:pPr>
             <a:r>
-              <a:rPr kumimoji="0" lang="en-US" sz="1600" b="0" i="0" u="none" strike="noStrike" kern="1200" cap="none" spc="0" normalizeH="0" baseline="0" noProof="0" dirty="0" err="1">
+              <a:rPr kumimoji="0" lang="en-US" sz="1800" b="0" i="0" u="none" strike="noStrike" kern="1200" cap="none" spc="0" normalizeH="0" baseline="0" noProof="0" dirty="0" err="1">
                 <a:ln>
                   <a:noFill/>
                 </a:ln>
@@ -13780,7 +13870,7 @@
               <a:t>getExtraGraph</a:t>
             </a:r>
             <a:r>
-              <a:rPr kumimoji="0" lang="en-US" sz="1600" b="0" i="0" u="none" strike="noStrike" kern="1200" cap="none" spc="0" normalizeH="0" baseline="0" noProof="0" dirty="0">
+              <a:rPr kumimoji="0" lang="en-US" sz="1800" b="0" i="0" u="none" strike="noStrike" kern="1200" cap="none" spc="0" normalizeH="0" baseline="0" noProof="0" dirty="0">
                 <a:ln>
                   <a:noFill/>
                 </a:ln>
@@ -13797,7 +13887,7 @@
               <a:t> </a:t>
             </a:r>
             <a:r>
-              <a:rPr kumimoji="0" lang="en-US" sz="1600" b="0" i="0" u="none" strike="noStrike" kern="1200" cap="none" spc="0" normalizeH="0" baseline="0" noProof="0" dirty="0">
+              <a:rPr kumimoji="0" lang="en-US" sz="1800" b="0" i="0" u="none" strike="noStrike" kern="1200" cap="none" spc="0" normalizeH="0" baseline="0" noProof="0" dirty="0">
                 <a:ln>
                   <a:noFill/>
                 </a:ln>
@@ -13814,7 +13904,7 @@
               <a:t>– Returns the Boolean </a:t>
             </a:r>
             <a:r>
-              <a:rPr kumimoji="0" lang="en-US" sz="1600" b="0" i="0" u="none" strike="noStrike" kern="1200" cap="none" spc="0" normalizeH="0" baseline="0" noProof="0" dirty="0" err="1">
+              <a:rPr kumimoji="0" lang="en-US" sz="1800" b="0" i="0" u="none" strike="noStrike" kern="1200" cap="none" spc="0" normalizeH="0" baseline="0" noProof="0" dirty="0" err="1">
                 <a:ln>
                   <a:noFill/>
                 </a:ln>
@@ -13830,7 +13920,7 @@
               </a:rPr>
               <a:t>extraGraph</a:t>
             </a:r>
-            <a:endParaRPr kumimoji="0" lang="en-US" sz="1600" b="0" i="0" u="none" strike="noStrike" kern="1200" cap="none" spc="0" normalizeH="0" baseline="0" noProof="0" dirty="0">
+            <a:endParaRPr kumimoji="0" lang="en-US" sz="1800" b="0" i="0" u="none" strike="noStrike" kern="1200" cap="none" spc="0" normalizeH="0" baseline="0" noProof="0" dirty="0">
               <a:ln>
                 <a:noFill/>
               </a:ln>
@@ -13864,7 +13954,7 @@
               <a:defRPr/>
             </a:pPr>
             <a:r>
-              <a:rPr kumimoji="0" lang="en-US" sz="1600" b="0" i="0" u="none" strike="noStrike" kern="1200" cap="none" spc="0" normalizeH="0" baseline="0" noProof="0" dirty="0" err="1">
+              <a:rPr kumimoji="0" lang="en-US" sz="1800" b="0" i="0" u="none" strike="noStrike" kern="1200" cap="none" spc="0" normalizeH="0" baseline="0" noProof="0" dirty="0" err="1">
                 <a:ln>
                   <a:noFill/>
                 </a:ln>
@@ -13881,7 +13971,7 @@
               <a:t>getHasName</a:t>
             </a:r>
             <a:r>
-              <a:rPr kumimoji="0" lang="en-US" sz="1600" b="0" i="0" u="none" strike="noStrike" kern="1200" cap="none" spc="0" normalizeH="0" baseline="0" noProof="0" dirty="0">
+              <a:rPr kumimoji="0" lang="en-US" sz="1800" b="0" i="0" u="none" strike="noStrike" kern="1200" cap="none" spc="0" normalizeH="0" baseline="0" noProof="0" dirty="0">
                 <a:ln>
                   <a:noFill/>
                 </a:ln>
@@ -13898,7 +13988,7 @@
               <a:t> </a:t>
             </a:r>
             <a:r>
-              <a:rPr kumimoji="0" lang="en-US" sz="1600" b="0" i="0" u="none" strike="noStrike" kern="1200" cap="none" spc="0" normalizeH="0" baseline="0" noProof="0" dirty="0">
+              <a:rPr kumimoji="0" lang="en-US" sz="1800" b="0" i="0" u="none" strike="noStrike" kern="1200" cap="none" spc="0" normalizeH="0" baseline="0" noProof="0" dirty="0">
                 <a:ln>
                   <a:noFill/>
                 </a:ln>
@@ -13915,7 +14005,7 @@
               <a:t>– Returns the Boolean </a:t>
             </a:r>
             <a:r>
-              <a:rPr kumimoji="0" lang="en-US" sz="1600" b="0" i="0" u="none" strike="noStrike" kern="1200" cap="none" spc="0" normalizeH="0" baseline="0" noProof="0" dirty="0" err="1">
+              <a:rPr kumimoji="0" lang="en-US" sz="1800" b="0" i="0" u="none" strike="noStrike" kern="1200" cap="none" spc="0" normalizeH="0" baseline="0" noProof="0" dirty="0" err="1">
                 <a:ln>
                   <a:noFill/>
                 </a:ln>
@@ -13931,7 +14021,7 @@
               </a:rPr>
               <a:t>hasName</a:t>
             </a:r>
-            <a:endParaRPr kumimoji="0" lang="en-US" sz="1600" b="0" i="0" u="none" strike="noStrike" kern="1200" cap="none" spc="0" normalizeH="0" baseline="0" noProof="0" dirty="0">
+            <a:endParaRPr kumimoji="0" lang="en-US" sz="1800" b="0" i="0" u="none" strike="noStrike" kern="1200" cap="none" spc="0" normalizeH="0" baseline="0" noProof="0" dirty="0">
               <a:ln>
                 <a:noFill/>
               </a:ln>
@@ -14378,7 +14468,7 @@
                 <a:effectLst/>
                 <a:latin typeface="JetBrains Mono"/>
               </a:rPr>
-              <a:t>computeTourLength</a:t>
+              <a:t>getTourDistance</a:t>
             </a:r>
             <a:r>
               <a:rPr lang="pt-PT" sz="1600" dirty="0">
@@ -14402,9 +14492,48 @@
                 <a:effectLst/>
                 <a:latin typeface="JetBrains Mono"/>
               </a:rPr>
-              <a:t>Returns the calculated distance travelled in the cycle provided</a:t>
-            </a:r>
-            <a:endParaRPr lang="pt-PT" sz="1600" dirty="0">
+              <a:t>Returns the total distance travelled in the cycle provided for the real graphs</a:t>
+            </a:r>
+          </a:p>
+          <a:p>
+            <a:r>
+              <a:rPr lang="pt-PT" sz="1600" dirty="0" err="1">
+                <a:solidFill>
+                  <a:srgbClr val="FFC66D"/>
+                </a:solidFill>
+                <a:effectLst/>
+                <a:latin typeface="JetBrains Mono"/>
+              </a:rPr>
+              <a:t>toyAndExtraComputeDistance</a:t>
+            </a:r>
+            <a:r>
+              <a:rPr lang="pt-PT" sz="1600" dirty="0">
+                <a:solidFill>
+                  <a:srgbClr val="FFC66D"/>
+                </a:solidFill>
+                <a:effectLst/>
+                <a:latin typeface="JetBrains Mono"/>
+              </a:rPr>
+              <a:t> </a:t>
+            </a:r>
+            <a:r>
+              <a:rPr lang="pt-PT" sz="1600" dirty="0">
+                <a:effectLst/>
+                <a:latin typeface="JetBrains Mono"/>
+              </a:rPr>
+              <a:t>– </a:t>
+            </a:r>
+            <a:r>
+              <a:rPr lang="en-GB" sz="1600" dirty="0">
+                <a:effectLst/>
+                <a:latin typeface="JetBrains Mono"/>
+              </a:rPr>
+              <a:t>Returns the total distance travelled in the cycle provided for the other graphs</a:t>
+            </a:r>
+            <a:endParaRPr lang="pt-PT" sz="1200" dirty="0">
+              <a:solidFill>
+                <a:srgbClr val="A9B7C6"/>
+              </a:solidFill>
               <a:effectLst/>
               <a:latin typeface="JetBrains Mono"/>
             </a:endParaRPr>
@@ -14531,7 +14660,7 @@
               <a:defRPr/>
             </a:pPr>
             <a:r>
-              <a:rPr kumimoji="0" lang="en-GB" sz="2000" b="0" i="0" u="none" strike="noStrike" kern="1200" cap="none" spc="0" normalizeH="0" baseline="0" noProof="0" dirty="0" err="1">
+              <a:rPr kumimoji="0" lang="en-GB" b="0" i="0" u="none" strike="noStrike" kern="1200" cap="none" spc="0" normalizeH="0" baseline="0" noProof="0" dirty="0" err="1">
                 <a:ln>
                   <a:noFill/>
                 </a:ln>
@@ -14548,7 +14677,7 @@
               <a:t>Graph.h</a:t>
             </a:r>
             <a:r>
-              <a:rPr kumimoji="0" lang="en-GB" sz="2000" b="0" i="0" u="none" strike="noStrike" kern="1200" cap="none" spc="0" normalizeH="0" baseline="0" noProof="0" dirty="0">
+              <a:rPr kumimoji="0" lang="en-GB" b="0" i="0" u="none" strike="noStrike" kern="1200" cap="none" spc="0" normalizeH="0" baseline="0" noProof="0" dirty="0">
                 <a:ln>
                   <a:noFill/>
                 </a:ln>
@@ -14584,7 +14713,7 @@
               <a:defRPr/>
             </a:pPr>
             <a:r>
-              <a:rPr lang="en-GB" sz="1600" dirty="0">
+              <a:rPr lang="en-GB" sz="1800" dirty="0">
                 <a:solidFill>
                   <a:prstClr val="white"/>
                 </a:solidFill>
@@ -14598,7 +14727,7 @@
               <a:defRPr/>
             </a:pPr>
             <a:r>
-              <a:rPr lang="en-GB" sz="1600" dirty="0" err="1">
+              <a:rPr lang="en-GB" sz="1800" dirty="0" err="1">
                 <a:solidFill>
                   <a:srgbClr val="FFC66D"/>
                 </a:solidFill>
@@ -14608,7 +14737,7 @@
               <a:t>hamiltonianCycle</a:t>
             </a:r>
             <a:r>
-              <a:rPr lang="en-GB" sz="1600" dirty="0">
+              <a:rPr lang="en-GB" sz="1800" dirty="0">
                 <a:solidFill>
                   <a:srgbClr val="FFC66D"/>
                 </a:solidFill>
@@ -14618,14 +14747,14 @@
               <a:t> </a:t>
             </a:r>
             <a:r>
-              <a:rPr lang="en-GB" sz="1600" dirty="0">
+              <a:rPr lang="en-GB" sz="1800" dirty="0">
                 <a:effectLst/>
                 <a:latin typeface="JetBrains Mono"/>
               </a:rPr>
               <a:t>– Calls the </a:t>
             </a:r>
             <a:r>
-              <a:rPr lang="en-GB" sz="1600" dirty="0" err="1">
+              <a:rPr lang="en-GB" sz="1800" dirty="0" err="1">
                 <a:solidFill>
                   <a:srgbClr val="FFC66D"/>
                 </a:solidFill>
@@ -14635,7 +14764,7 @@
               <a:t>hamiltonianCycleUtil</a:t>
             </a:r>
             <a:r>
-              <a:rPr lang="en-GB" sz="1600" dirty="0">
+              <a:rPr lang="en-GB" sz="1800" dirty="0">
                 <a:solidFill>
                   <a:srgbClr val="FFC66D"/>
                 </a:solidFill>
@@ -14645,19 +14774,19 @@
               <a:t> </a:t>
             </a:r>
             <a:r>
-              <a:rPr lang="en-GB" sz="1600" dirty="0">
+              <a:rPr lang="en-GB" sz="1800" dirty="0">
                 <a:effectLst/>
                 <a:latin typeface="JetBrains Mono"/>
               </a:rPr>
               <a:t>funct</a:t>
             </a:r>
             <a:r>
-              <a:rPr lang="en-GB" sz="1600" dirty="0">
+              <a:rPr lang="en-GB" sz="1800" dirty="0">
                 <a:latin typeface="JetBrains Mono"/>
               </a:rPr>
               <a:t>ion after initializing the needed variables</a:t>
             </a:r>
-            <a:endParaRPr lang="en-GB" sz="1600" dirty="0">
+            <a:endParaRPr lang="en-GB" sz="1800" dirty="0">
               <a:effectLst/>
               <a:latin typeface="JetBrains Mono"/>
             </a:endParaRPr>
@@ -14667,7 +14796,7 @@
               <a:defRPr/>
             </a:pPr>
             <a:r>
-              <a:rPr lang="en-GB" sz="1600" dirty="0" err="1">
+              <a:rPr lang="en-GB" sz="1800" dirty="0" err="1">
                 <a:solidFill>
                   <a:srgbClr val="FFC66D"/>
                 </a:solidFill>
@@ -14677,7 +14806,7 @@
               <a:t>hamiltonianCycleUtil</a:t>
             </a:r>
             <a:r>
-              <a:rPr lang="en-GB" sz="1600" dirty="0">
+              <a:rPr lang="en-GB" sz="1800" dirty="0">
                 <a:solidFill>
                   <a:srgbClr val="FFC66D"/>
                 </a:solidFill>
@@ -14687,13 +14816,13 @@
               <a:t> </a:t>
             </a:r>
             <a:r>
-              <a:rPr lang="en-GB" sz="1600" dirty="0">
+              <a:rPr lang="en-GB" sz="1800" dirty="0">
                 <a:effectLst/>
                 <a:latin typeface="JetBrains Mono"/>
               </a:rPr>
               <a:t>– Backtracking approach to the TSP problem</a:t>
             </a:r>
-            <a:endParaRPr lang="en-GB" sz="1600" dirty="0">
+            <a:endParaRPr lang="en-GB" sz="1800" dirty="0">
               <a:latin typeface="JetBrains Mono"/>
             </a:endParaRPr>
           </a:p>
@@ -14702,17 +14831,17 @@
               <a:defRPr/>
             </a:pPr>
             <a:r>
-              <a:rPr lang="en-GB" sz="1600" dirty="0" err="1">
+              <a:rPr lang="pt-PT" sz="1800" dirty="0" err="1">
                 <a:solidFill>
                   <a:srgbClr val="FFC66D"/>
                 </a:solidFill>
                 <a:effectLst/>
                 <a:latin typeface="JetBrains Mono"/>
               </a:rPr>
-              <a:t>triangularAproximationHeur</a:t>
-            </a:r>
-            <a:r>
-              <a:rPr lang="en-GB" sz="1600" dirty="0">
+              <a:t>triangularApproximationHeur</a:t>
+            </a:r>
+            <a:r>
+              <a:rPr lang="en-GB" sz="1800" dirty="0">
                 <a:solidFill>
                   <a:srgbClr val="FFC66D"/>
                 </a:solidFill>
@@ -14722,7 +14851,7 @@
               <a:t> </a:t>
             </a:r>
             <a:r>
-              <a:rPr lang="en-GB" sz="1600" dirty="0">
+              <a:rPr lang="en-GB" sz="1800" dirty="0">
                 <a:effectLst/>
                 <a:latin typeface="JetBrains Mono"/>
               </a:rPr>
@@ -14734,17 +14863,17 @@
               <a:defRPr/>
             </a:pPr>
             <a:r>
-              <a:rPr lang="en-GB" sz="1600" dirty="0" err="1">
+              <a:rPr lang="en-GB" sz="1800" dirty="0" err="1">
                 <a:solidFill>
                   <a:srgbClr val="FFC66D"/>
                 </a:solidFill>
                 <a:effectLst/>
                 <a:latin typeface="JetBrains Mono"/>
               </a:rPr>
-              <a:t>triangularAproximationHeurToy</a:t>
-            </a:r>
-            <a:r>
-              <a:rPr lang="en-GB" sz="1600" dirty="0">
+              <a:t>triangularApproximationHeurToy</a:t>
+            </a:r>
+            <a:r>
+              <a:rPr lang="en-GB" sz="1800" dirty="0">
                 <a:solidFill>
                   <a:srgbClr val="FFC66D"/>
                 </a:solidFill>
@@ -14754,13 +14883,13 @@
               <a:t> </a:t>
             </a:r>
             <a:r>
-              <a:rPr lang="en-GB" sz="1600" dirty="0">
+              <a:rPr lang="en-GB" sz="1800" dirty="0">
                 <a:effectLst/>
                 <a:latin typeface="JetBrains Mono"/>
               </a:rPr>
               <a:t>– Triangular Approximation approach to the TSP problem for the Toy graphs</a:t>
             </a:r>
-            <a:endParaRPr lang="en-GB" sz="1600" dirty="0">
+            <a:endParaRPr lang="en-GB" sz="1800" dirty="0">
               <a:latin typeface="JetBrains Mono"/>
             </a:endParaRPr>
           </a:p>
@@ -14769,7 +14898,7 @@
               <a:defRPr/>
             </a:pPr>
             <a:r>
-              <a:rPr lang="en-GB" sz="1600" dirty="0" err="1">
+              <a:rPr lang="en-GB" sz="1800" dirty="0" err="1">
                 <a:solidFill>
                   <a:srgbClr val="FFC66D"/>
                 </a:solidFill>
@@ -14779,7 +14908,7 @@
               <a:t>sosACO</a:t>
             </a:r>
             <a:r>
-              <a:rPr lang="en-GB" sz="1600" dirty="0">
+              <a:rPr lang="en-GB" sz="1800" dirty="0">
                 <a:solidFill>
                   <a:srgbClr val="FFC66D"/>
                 </a:solidFill>
@@ -14789,35 +14918,83 @@
               <a:t> </a:t>
             </a:r>
             <a:r>
-              <a:rPr lang="en-GB" sz="1600" dirty="0">
+              <a:rPr lang="en-GB" sz="1800" dirty="0">
                 <a:effectLst/>
                 <a:latin typeface="JetBrains Mono"/>
               </a:rPr>
               <a:t>– </a:t>
             </a:r>
-          </a:p>
-          <a:p>
-            <a:pPr marL="228600" marR="0" lvl="0" indent="-228600" algn="l" defTabSz="914400" rtl="0" eaLnBrk="1" fontAlgn="auto" latinLnBrk="0" hangingPunct="1">
-              <a:lnSpc>
-                <a:spcPct val="120000"/>
-              </a:lnSpc>
-              <a:spcBef>
-                <a:spcPts val="1000"/>
-              </a:spcBef>
-              <a:spcAft>
-                <a:spcPts val="0"/>
-              </a:spcAft>
-              <a:buClrTx/>
-              <a:buSzPct val="125000"/>
-              <a:buFont typeface="Arial" panose="020B0604020202020204" pitchFamily="34" charset="0"/>
-              <a:buChar char="•"/>
-              <a:tabLst/>
+            <a:r>
+              <a:rPr lang="en-US" sz="1800" dirty="0">
+                <a:effectLst/>
+                <a:latin typeface="JetBrains Mono"/>
+              </a:rPr>
+              <a:t>Self-Organizing System based Ant Colony Optimization </a:t>
+            </a:r>
+            <a:r>
+              <a:rPr lang="en-GB" sz="1800" dirty="0">
+                <a:effectLst/>
+                <a:latin typeface="JetBrains Mono"/>
+              </a:rPr>
+              <a:t>approach</a:t>
+            </a:r>
+            <a:r>
+              <a:rPr lang="en-US" sz="1800" dirty="0">
+                <a:effectLst/>
+                <a:latin typeface="JetBrains Mono"/>
+              </a:rPr>
+              <a:t> to the TSP</a:t>
+            </a:r>
+            <a:endParaRPr lang="en-GB" dirty="0">
+              <a:effectLst/>
+              <a:latin typeface="JetBrains Mono"/>
+            </a:endParaRPr>
+          </a:p>
+          <a:p>
+            <a:pPr>
               <a:defRPr/>
             </a:pPr>
+            <a:r>
+              <a:rPr lang="pt-PT" sz="1800" dirty="0" err="1">
+                <a:solidFill>
+                  <a:srgbClr val="FFC66D"/>
+                </a:solidFill>
+                <a:effectLst/>
+                <a:latin typeface="JetBrains Mono"/>
+              </a:rPr>
+              <a:t>primMST</a:t>
+            </a:r>
+            <a:r>
+              <a:rPr lang="pt-PT" sz="1600" dirty="0">
+                <a:solidFill>
+                  <a:srgbClr val="FFC66D"/>
+                </a:solidFill>
+                <a:effectLst/>
+                <a:latin typeface="JetBrains Mono"/>
+              </a:rPr>
+              <a:t> </a:t>
+            </a:r>
+            <a:r>
+              <a:rPr lang="pt-PT" sz="1600" dirty="0">
+                <a:effectLst/>
+                <a:latin typeface="JetBrains Mono"/>
+              </a:rPr>
+              <a:t>– </a:t>
+            </a:r>
+            <a:r>
+              <a:rPr lang="en-US" sz="1800" dirty="0">
+                <a:latin typeface="JetBrains Mono"/>
+              </a:rPr>
+              <a:t>F</a:t>
+            </a:r>
+            <a:r>
+              <a:rPr lang="en-US" sz="1800" dirty="0">
+                <a:effectLst/>
+                <a:latin typeface="JetBrains Mono"/>
+              </a:rPr>
+              <a:t>inds the minimum spanning tree of a graph using Prim's algorithm</a:t>
+            </a:r>
             <a:endParaRPr lang="en-GB" sz="1600" dirty="0">
-              <a:solidFill>
-                <a:prstClr val="white"/>
-              </a:solidFill>
               <a:latin typeface="Tw Cen MT" panose="020B0602020104020603"/>
             </a:endParaRPr>
           </a:p>
@@ -14973,8 +15150,20 @@
           <a:p>
             <a:pPr lvl="2"/>
             <a:r>
+              <a:rPr lang="en-GB" sz="2000"/>
+              <a:t>Reasonably fast </a:t>
+            </a:r>
+            <a:r>
               <a:rPr lang="en-GB" sz="2000" dirty="0"/>
-              <a:t>Fast algorithms with good results</a:t>
+              <a:t>algorithms with good-</a:t>
+            </a:r>
+            <a:r>
+              <a:rPr lang="en-GB" sz="2000" dirty="0" err="1"/>
+              <a:t>ish</a:t>
+            </a:r>
+            <a:r>
+              <a:rPr lang="en-GB" sz="2000" dirty="0"/>
+              <a:t> results</a:t>
             </a:r>
           </a:p>
         </p:txBody>
@@ -15247,18 +15436,18 @@
 </file>
 
 <file path=customXml/item1.xml><?xml version="1.0" encoding="utf-8"?>
+<p:properties xmlns:p="http://schemas.microsoft.com/office/2006/metadata/properties" xmlns:xsi="http://www.w3.org/2001/XMLSchema-instance" xmlns:pc="http://schemas.microsoft.com/office/infopath/2007/PartnerControls">
+  <documentManagement/>
+</p:properties>
+</file>
+
+<file path=customXml/item2.xml><?xml version="1.0" encoding="utf-8"?>
 <?mso-contentType ?>
 <FormTemplates xmlns="http://schemas.microsoft.com/sharepoint/v3/contenttype/forms">
   <Display>DocumentLibraryForm</Display>
   <Edit>DocumentLibraryForm</Edit>
   <New>DocumentLibraryForm</New>
 </FormTemplates>
-</file>
-
-<file path=customXml/item2.xml><?xml version="1.0" encoding="utf-8"?>
-<p:properties xmlns:p="http://schemas.microsoft.com/office/2006/metadata/properties" xmlns:xsi="http://www.w3.org/2001/XMLSchema-instance" xmlns:pc="http://schemas.microsoft.com/office/infopath/2007/PartnerControls">
-  <documentManagement/>
-</p:properties>
 </file>
 
 <file path=customXml/item3.xml><?xml version="1.0" encoding="utf-8"?>
@@ -15376,14 +15565,6 @@
 </file>
 
 <file path=customXml/itemProps1.xml><?xml version="1.0" encoding="utf-8"?>
-<ds:datastoreItem xmlns:ds="http://schemas.openxmlformats.org/officeDocument/2006/customXml" ds:itemID="{D51E79FD-84A2-4D99-AE38-6BF45A3426BF}">
-  <ds:schemaRefs>
-    <ds:schemaRef ds:uri="http://schemas.microsoft.com/sharepoint/v3/contenttype/forms"/>
-  </ds:schemaRefs>
-</ds:datastoreItem>
-</file>
-
-<file path=customXml/itemProps2.xml><?xml version="1.0" encoding="utf-8"?>
 <ds:datastoreItem xmlns:ds="http://schemas.openxmlformats.org/officeDocument/2006/customXml" ds:itemID="{30F54BB1-1701-417A-9430-1DDD3233E544}">
   <ds:schemaRefs>
     <ds:schemaRef ds:uri="http://schemas.microsoft.com/office/2006/documentManagement/types"/>
@@ -15394,6 +15575,14 @@
     <ds:schemaRef ds:uri="http://purl.org/dc/terms/"/>
     <ds:schemaRef ds:uri="http://www.w3.org/XML/1998/namespace"/>
     <ds:schemaRef ds:uri="http://purl.org/dc/dcmitype/"/>
+  </ds:schemaRefs>
+</ds:datastoreItem>
+</file>
+
+<file path=customXml/itemProps2.xml><?xml version="1.0" encoding="utf-8"?>
+<ds:datastoreItem xmlns:ds="http://schemas.openxmlformats.org/officeDocument/2006/customXml" ds:itemID="{D51E79FD-84A2-4D99-AE38-6BF45A3426BF}">
+  <ds:schemaRefs>
+    <ds:schemaRef ds:uri="http://schemas.microsoft.com/sharepoint/v3/contenttype/forms"/>
   </ds:schemaRefs>
 </ds:datastoreItem>
 </file>
